--- a/Project CRC Cards.pptx
+++ b/Project CRC Cards.pptx
@@ -2,7 +2,7 @@
 <file path=ppt/presentation.xml><?xml version="1.0" encoding="utf-8"?>
 <p:presentation xmlns:a="http://schemas.openxmlformats.org/drawingml/2006/main" xmlns:r="http://schemas.openxmlformats.org/officeDocument/2006/relationships" xmlns:mc="http://schemas.openxmlformats.org/markup-compatibility/2006" xmlns:mv="urn:schemas-microsoft-com:mac:vml" xmlns:p="http://schemas.openxmlformats.org/presentationml/2006/main" xmlns:c="http://schemas.openxmlformats.org/drawingml/2006/chart" xmlns:dgm="http://schemas.openxmlformats.org/drawingml/2006/diagram" xmlns:o="urn:schemas-microsoft-com:office:office" xmlns:v="urn:schemas-microsoft-com:vml" xmlns:pvml="urn:schemas-microsoft-com:office:powerpoint" xmlns:com="http://schemas.openxmlformats.org/drawingml/2006/compatibility" xmlns:p14="http://schemas.microsoft.com/office/powerpoint/2010/main" xmlns:p15="http://schemas.microsoft.com/office/powerpoint/2012/main" xmlns:ahyp="http://schemas.microsoft.com/office/drawing/2018/hyperlinkcolor" autoCompressPictures="0" strictFirstAndLastChars="0" saveSubsetFonts="1">
   <p:sldMasterIdLst>
-    <p:sldMasterId id="2147483659" r:id="rId4"/>
+    <p:sldMasterId id="2147483648" r:id="rId4"/>
   </p:sldMasterIdLst>
   <p:notesMasterIdLst>
     <p:notesMasterId r:id="rId5"/>
@@ -269,6 +269,9 @@
           </p15:clr>
         </p15:guide>
       </p15:sldGuideLst>
+    </p:ext>
+    <p:ext uri="http://customooxmlschemas.google.com/">
+      <go:slidesCustomData xmlns:go="http://customooxmlschemas.google.com/" r:id="rId21" roundtripDataSignature="AMtx7mirbcSWWNitBvTvf03au4MVIGTTyQ=="/>
     </p:ext>
   </p:extLst>
 </p:presentation>
@@ -978,7 +981,7 @@
       </p:grpSpPr>
       <p:sp>
         <p:nvSpPr>
-          <p:cNvPr id="180" name="Google Shape;180;g1148a10cc58ba96_45:notes"/>
+          <p:cNvPr id="180" name="Google Shape;180;p10:notes"/>
           <p:cNvSpPr/>
           <p:nvPr>
             <p:ph idx="2" type="sldImg"/>
@@ -1023,7 +1026,7 @@
       </p:sp>
       <p:sp>
         <p:nvSpPr>
-          <p:cNvPr id="181" name="Google Shape;181;g1148a10cc58ba96_45:notes"/>
+          <p:cNvPr id="181" name="Google Shape;181;p10:notes"/>
           <p:cNvSpPr txBox="1"/>
           <p:nvPr>
             <p:ph idx="1" type="body"/>
@@ -1095,7 +1098,7 @@
       </p:grpSpPr>
       <p:sp>
         <p:nvSpPr>
-          <p:cNvPr id="190" name="Google Shape;190;gf7cd31eb22_3_12:notes"/>
+          <p:cNvPr id="190" name="Google Shape;190;p11:notes"/>
           <p:cNvSpPr/>
           <p:nvPr>
             <p:ph idx="2" type="sldImg"/>
@@ -1140,7 +1143,7 @@
       </p:sp>
       <p:sp>
         <p:nvSpPr>
-          <p:cNvPr id="191" name="Google Shape;191;gf7cd31eb22_3_12:notes"/>
+          <p:cNvPr id="191" name="Google Shape;191;p11:notes"/>
           <p:cNvSpPr txBox="1"/>
           <p:nvPr>
             <p:ph idx="1" type="body"/>
@@ -1212,7 +1215,7 @@
       </p:grpSpPr>
       <p:sp>
         <p:nvSpPr>
-          <p:cNvPr id="200" name="Google Shape;200;g1148a10cc58ba96_33:notes"/>
+          <p:cNvPr id="200" name="Google Shape;200;p12:notes"/>
           <p:cNvSpPr/>
           <p:nvPr>
             <p:ph idx="2" type="sldImg"/>
@@ -1257,7 +1260,7 @@
       </p:sp>
       <p:sp>
         <p:nvSpPr>
-          <p:cNvPr id="201" name="Google Shape;201;g1148a10cc58ba96_33:notes"/>
+          <p:cNvPr id="201" name="Google Shape;201;p12:notes"/>
           <p:cNvSpPr txBox="1"/>
           <p:nvPr>
             <p:ph idx="1" type="body"/>
@@ -1329,7 +1332,7 @@
       </p:grpSpPr>
       <p:sp>
         <p:nvSpPr>
-          <p:cNvPr id="211" name="Google Shape;211;gf7cd31eb22_5_0:notes"/>
+          <p:cNvPr id="211" name="Google Shape;211;p13:notes"/>
           <p:cNvSpPr/>
           <p:nvPr>
             <p:ph idx="2" type="sldImg"/>
@@ -1374,7 +1377,7 @@
       </p:sp>
       <p:sp>
         <p:nvSpPr>
-          <p:cNvPr id="212" name="Google Shape;212;gf7cd31eb22_5_0:notes"/>
+          <p:cNvPr id="212" name="Google Shape;212;p13:notes"/>
           <p:cNvSpPr txBox="1"/>
           <p:nvPr>
             <p:ph idx="1" type="body"/>
@@ -1446,7 +1449,7 @@
       </p:grpSpPr>
       <p:sp>
         <p:nvSpPr>
-          <p:cNvPr id="246" name="Google Shape;246;gf7cd31eb22_7_0:notes"/>
+          <p:cNvPr id="246" name="Google Shape;246;p14:notes"/>
           <p:cNvSpPr/>
           <p:nvPr>
             <p:ph idx="2" type="sldImg"/>
@@ -1491,7 +1494,7 @@
       </p:sp>
       <p:sp>
         <p:nvSpPr>
-          <p:cNvPr id="247" name="Google Shape;247;gf7cd31eb22_7_0:notes"/>
+          <p:cNvPr id="247" name="Google Shape;247;p14:notes"/>
           <p:cNvSpPr txBox="1"/>
           <p:nvPr>
             <p:ph idx="1" type="body"/>
@@ -1563,7 +1566,7 @@
       </p:grpSpPr>
       <p:sp>
         <p:nvSpPr>
-          <p:cNvPr id="280" name="Google Shape;280;g30fca171598183bc_21:notes"/>
+          <p:cNvPr id="280" name="Google Shape;280;p15:notes"/>
           <p:cNvSpPr/>
           <p:nvPr>
             <p:ph idx="2" type="sldImg"/>
@@ -1608,7 +1611,7 @@
       </p:sp>
       <p:sp>
         <p:nvSpPr>
-          <p:cNvPr id="281" name="Google Shape;281;g30fca171598183bc_21:notes"/>
+          <p:cNvPr id="281" name="Google Shape;281;p15:notes"/>
           <p:cNvSpPr txBox="1"/>
           <p:nvPr>
             <p:ph idx="1" type="body"/>
@@ -1680,7 +1683,7 @@
       </p:grpSpPr>
       <p:sp>
         <p:nvSpPr>
-          <p:cNvPr id="64" name="Google Shape;64;g12161c0b79479a04_0:notes"/>
+          <p:cNvPr id="64" name="Google Shape;64;p2:notes"/>
           <p:cNvSpPr/>
           <p:nvPr>
             <p:ph idx="2" type="sldImg"/>
@@ -1711,11 +1714,21 @@
               </a:path>
             </a:pathLst>
           </a:custGeom>
+          <a:noFill/>
+          <a:ln cap="flat" cmpd="sng" w="9525">
+            <a:solidFill>
+              <a:srgbClr val="000000"/>
+            </a:solidFill>
+            <a:prstDash val="solid"/>
+            <a:round/>
+            <a:headEnd len="sm" w="sm" type="none"/>
+            <a:tailEnd len="sm" w="sm" type="none"/>
+          </a:ln>
         </p:spPr>
       </p:sp>
       <p:sp>
         <p:nvSpPr>
-          <p:cNvPr id="65" name="Google Shape;65;g12161c0b79479a04_0:notes"/>
+          <p:cNvPr id="65" name="Google Shape;65;p2:notes"/>
           <p:cNvSpPr txBox="1"/>
           <p:nvPr>
             <p:ph idx="1" type="body"/>
@@ -1729,6 +1742,10 @@
           <a:prstGeom prst="rect">
             <a:avLst/>
           </a:prstGeom>
+          <a:noFill/>
+          <a:ln>
+            <a:noFill/>
+          </a:ln>
         </p:spPr>
         <p:txBody>
           <a:bodyPr anchorCtr="0" anchor="t" bIns="91425" lIns="91425" spcFirstLastPara="1" rIns="91425" wrap="square" tIns="91425">
@@ -1737,12 +1754,16 @@
           <a:lstStyle/>
           <a:p>
             <a:pPr indent="0" lvl="0" marL="0" rtl="0" algn="l">
-              <a:spcBef>
-                <a:spcPts val="0"/>
-              </a:spcBef>
-              <a:spcAft>
-                <a:spcPts val="0"/>
-              </a:spcAft>
+              <a:lnSpc>
+                <a:spcPct val="100000"/>
+              </a:lnSpc>
+              <a:spcBef>
+                <a:spcPts val="0"/>
+              </a:spcBef>
+              <a:spcAft>
+                <a:spcPts val="0"/>
+              </a:spcAft>
+              <a:buSzPts val="1100"/>
               <a:buNone/>
             </a:pPr>
             <a:r>
@@ -1779,7 +1800,7 @@
       </p:grpSpPr>
       <p:sp>
         <p:nvSpPr>
-          <p:cNvPr id="76" name="Google Shape;76;gf7cd31eb22_2_27:notes"/>
+          <p:cNvPr id="76" name="Google Shape;76;p3:notes"/>
           <p:cNvSpPr/>
           <p:nvPr>
             <p:ph idx="2" type="sldImg"/>
@@ -1824,7 +1845,7 @@
       </p:sp>
       <p:sp>
         <p:nvSpPr>
-          <p:cNvPr id="77" name="Google Shape;77;gf7cd31eb22_2_27:notes"/>
+          <p:cNvPr id="77" name="Google Shape;77;p3:notes"/>
           <p:cNvSpPr txBox="1"/>
           <p:nvPr>
             <p:ph idx="1" type="body"/>
@@ -1896,7 +1917,7 @@
       </p:grpSpPr>
       <p:sp>
         <p:nvSpPr>
-          <p:cNvPr id="88" name="Google Shape;88;gf7cd31eb22_2_39:notes"/>
+          <p:cNvPr id="88" name="Google Shape;88;p4:notes"/>
           <p:cNvSpPr/>
           <p:nvPr>
             <p:ph idx="2" type="sldImg"/>
@@ -1941,7 +1962,7 @@
       </p:sp>
       <p:sp>
         <p:nvSpPr>
-          <p:cNvPr id="89" name="Google Shape;89;gf7cd31eb22_2_39:notes"/>
+          <p:cNvPr id="89" name="Google Shape;89;p4:notes"/>
           <p:cNvSpPr txBox="1"/>
           <p:nvPr>
             <p:ph idx="1" type="body"/>
@@ -2013,7 +2034,7 @@
       </p:grpSpPr>
       <p:sp>
         <p:nvSpPr>
-          <p:cNvPr id="99" name="Google Shape;99;g30fca171598183bc_0:notes"/>
+          <p:cNvPr id="99" name="Google Shape;99;p5:notes"/>
           <p:cNvSpPr/>
           <p:nvPr>
             <p:ph idx="2" type="sldImg"/>
@@ -2058,7 +2079,7 @@
       </p:sp>
       <p:sp>
         <p:nvSpPr>
-          <p:cNvPr id="100" name="Google Shape;100;g30fca171598183bc_0:notes"/>
+          <p:cNvPr id="100" name="Google Shape;100;p5:notes"/>
           <p:cNvSpPr txBox="1"/>
           <p:nvPr>
             <p:ph idx="1" type="body"/>
@@ -2130,7 +2151,7 @@
       </p:grpSpPr>
       <p:sp>
         <p:nvSpPr>
-          <p:cNvPr id="111" name="Google Shape;111;g1148a10cc58ba96_56:notes"/>
+          <p:cNvPr id="111" name="Google Shape;111;p6:notes"/>
           <p:cNvSpPr/>
           <p:nvPr>
             <p:ph idx="2" type="sldImg"/>
@@ -2175,7 +2196,7 @@
       </p:sp>
       <p:sp>
         <p:nvSpPr>
-          <p:cNvPr id="112" name="Google Shape;112;g1148a10cc58ba96_56:notes"/>
+          <p:cNvPr id="112" name="Google Shape;112;p6:notes"/>
           <p:cNvSpPr txBox="1"/>
           <p:nvPr>
             <p:ph idx="1" type="body"/>
@@ -2247,7 +2268,7 @@
       </p:grpSpPr>
       <p:sp>
         <p:nvSpPr>
-          <p:cNvPr id="123" name="Google Shape;123;g252dc756e729d4a_17:notes"/>
+          <p:cNvPr id="123" name="Google Shape;123;p7:notes"/>
           <p:cNvSpPr/>
           <p:nvPr>
             <p:ph idx="2" type="sldImg"/>
@@ -2292,7 +2313,7 @@
       </p:sp>
       <p:sp>
         <p:nvSpPr>
-          <p:cNvPr id="124" name="Google Shape;124;g252dc756e729d4a_17:notes"/>
+          <p:cNvPr id="124" name="Google Shape;124;p7:notes"/>
           <p:cNvSpPr txBox="1"/>
           <p:nvPr>
             <p:ph idx="1" type="body"/>
@@ -2364,7 +2385,7 @@
       </p:grpSpPr>
       <p:sp>
         <p:nvSpPr>
-          <p:cNvPr id="134" name="Google Shape;134;g252dc756e729d4a_5:notes"/>
+          <p:cNvPr id="134" name="Google Shape;134;p8:notes"/>
           <p:cNvSpPr/>
           <p:nvPr>
             <p:ph idx="2" type="sldImg"/>
@@ -2409,7 +2430,7 @@
       </p:sp>
       <p:sp>
         <p:nvSpPr>
-          <p:cNvPr id="135" name="Google Shape;135;g252dc756e729d4a_5:notes"/>
+          <p:cNvPr id="135" name="Google Shape;135;p8:notes"/>
           <p:cNvSpPr txBox="1"/>
           <p:nvPr>
             <p:ph idx="1" type="body"/>
@@ -2481,7 +2502,7 @@
       </p:grpSpPr>
       <p:sp>
         <p:nvSpPr>
-          <p:cNvPr id="145" name="Google Shape;145;gf7cd31eb22_0_22:notes"/>
+          <p:cNvPr id="145" name="Google Shape;145;p9:notes"/>
           <p:cNvSpPr/>
           <p:nvPr>
             <p:ph idx="2" type="sldImg"/>
@@ -2526,7 +2547,7 @@
       </p:sp>
       <p:sp>
         <p:nvSpPr>
-          <p:cNvPr id="146" name="Google Shape;146;gf7cd31eb22_0_22:notes"/>
+          <p:cNvPr id="146" name="Google Shape;146;p9:notes"/>
           <p:cNvSpPr txBox="1"/>
           <p:nvPr>
             <p:ph idx="1" type="body"/>
@@ -2598,7 +2619,7 @@
       </p:grpSpPr>
       <p:sp>
         <p:nvSpPr>
-          <p:cNvPr id="10" name="Google Shape;10;p2"/>
+          <p:cNvPr id="10" name="Google Shape;10;p17"/>
           <p:cNvSpPr txBox="1"/>
           <p:nvPr>
             <p:ph type="ctrTitle"/>
@@ -2754,7 +2775,7 @@
       </p:sp>
       <p:sp>
         <p:nvSpPr>
-          <p:cNvPr id="11" name="Google Shape;11;p2"/>
+          <p:cNvPr id="11" name="Google Shape;11;p17"/>
           <p:cNvSpPr txBox="1"/>
           <p:nvPr>
             <p:ph idx="1" type="subTitle"/>
@@ -2910,7 +2931,7 @@
       </p:sp>
       <p:sp>
         <p:nvSpPr>
-          <p:cNvPr id="12" name="Google Shape;12;p2"/>
+          <p:cNvPr id="12" name="Google Shape;12;p17"/>
           <p:cNvSpPr txBox="1"/>
           <p:nvPr>
             <p:ph idx="12" type="sldNum"/>
@@ -3214,7 +3235,7 @@
       </p:grpSpPr>
       <p:sp>
         <p:nvSpPr>
-          <p:cNvPr id="45" name="Google Shape;45;p11"/>
+          <p:cNvPr id="45" name="Google Shape;45;p26"/>
           <p:cNvSpPr txBox="1"/>
           <p:nvPr>
             <p:ph hasCustomPrompt="1" type="title"/>
@@ -3374,7 +3395,7 @@
       </p:sp>
       <p:sp>
         <p:nvSpPr>
-          <p:cNvPr id="46" name="Google Shape;46;p11"/>
+          <p:cNvPr id="46" name="Google Shape;46;p26"/>
           <p:cNvSpPr txBox="1"/>
           <p:nvPr>
             <p:ph idx="1" type="body"/>
@@ -3530,7 +3551,7 @@
       </p:sp>
       <p:sp>
         <p:nvSpPr>
-          <p:cNvPr id="47" name="Google Shape;47;p11"/>
+          <p:cNvPr id="47" name="Google Shape;47;p26"/>
           <p:cNvSpPr txBox="1"/>
           <p:nvPr>
             <p:ph idx="12" type="sldNum"/>
@@ -3834,7 +3855,7 @@
       </p:grpSpPr>
       <p:sp>
         <p:nvSpPr>
-          <p:cNvPr id="49" name="Google Shape;49;p12"/>
+          <p:cNvPr id="49" name="Google Shape;49;p27"/>
           <p:cNvSpPr txBox="1"/>
           <p:nvPr>
             <p:ph idx="12" type="sldNum"/>
@@ -4120,8 +4141,8 @@
 </file>
 
 <file path=ppt/slideLayouts/slideLayout2.xml><?xml version="1.0" encoding="utf-8"?>
-<p:sldLayout xmlns:a="http://schemas.openxmlformats.org/drawingml/2006/main" xmlns:r="http://schemas.openxmlformats.org/officeDocument/2006/relationships" xmlns:mc="http://schemas.openxmlformats.org/markup-compatibility/2006" xmlns:mv="urn:schemas-microsoft-com:mac:vml" xmlns:p="http://schemas.openxmlformats.org/presentationml/2006/main" xmlns:c="http://schemas.openxmlformats.org/drawingml/2006/chart" xmlns:dgm="http://schemas.openxmlformats.org/drawingml/2006/diagram" xmlns:o="urn:schemas-microsoft-com:office:office" xmlns:v="urn:schemas-microsoft-com:vml" xmlns:pvml="urn:schemas-microsoft-com:office:powerpoint" xmlns:com="http://schemas.openxmlformats.org/drawingml/2006/compatibility" xmlns:p14="http://schemas.microsoft.com/office/powerpoint/2010/main" xmlns:p15="http://schemas.microsoft.com/office/powerpoint/2012/main" xmlns:ahyp="http://schemas.microsoft.com/office/drawing/2018/hyperlinkcolor" matchingName="Title and body" type="tx">
-  <p:cSld name="TITLE_AND_BODY">
+<p:sldLayout xmlns:a="http://schemas.openxmlformats.org/drawingml/2006/main" xmlns:r="http://schemas.openxmlformats.org/officeDocument/2006/relationships" xmlns:mc="http://schemas.openxmlformats.org/markup-compatibility/2006" xmlns:mv="urn:schemas-microsoft-com:mac:vml" xmlns:p="http://schemas.openxmlformats.org/presentationml/2006/main" xmlns:c="http://schemas.openxmlformats.org/drawingml/2006/chart" xmlns:dgm="http://schemas.openxmlformats.org/drawingml/2006/diagram" xmlns:o="urn:schemas-microsoft-com:office:office" xmlns:v="urn:schemas-microsoft-com:vml" xmlns:pvml="urn:schemas-microsoft-com:office:powerpoint" xmlns:com="http://schemas.openxmlformats.org/drawingml/2006/compatibility" xmlns:p14="http://schemas.microsoft.com/office/powerpoint/2010/main" xmlns:p15="http://schemas.microsoft.com/office/powerpoint/2012/main" xmlns:ahyp="http://schemas.microsoft.com/office/drawing/2018/hyperlinkcolor" matchingName="Title only" type="titleOnly">
+  <p:cSld name="TITLE_ONLY">
     <p:spTree>
       <p:nvGrpSpPr>
         <p:cNvPr id="13" name="Shape 13"/>
@@ -4138,7 +4159,7 @@
       </p:grpSpPr>
       <p:sp>
         <p:nvSpPr>
-          <p:cNvPr id="14" name="Google Shape;14;p3"/>
+          <p:cNvPr id="14" name="Google Shape;14;p18"/>
           <p:cNvSpPr txBox="1"/>
           <p:nvPr>
             <p:ph type="title"/>
@@ -4294,7 +4315,467 @@
       </p:sp>
       <p:sp>
         <p:nvSpPr>
-          <p:cNvPr id="15" name="Google Shape;15;p3"/>
+          <p:cNvPr id="15" name="Google Shape;15;p18"/>
+          <p:cNvSpPr txBox="1"/>
+          <p:nvPr>
+            <p:ph idx="12" type="sldNum"/>
+          </p:nvPr>
+        </p:nvSpPr>
+        <p:spPr>
+          <a:xfrm>
+            <a:off x="8472458" y="4663217"/>
+            <a:ext cx="548700" cy="393600"/>
+          </a:xfrm>
+          <a:prstGeom prst="rect">
+            <a:avLst/>
+          </a:prstGeom>
+          <a:noFill/>
+          <a:ln>
+            <a:noFill/>
+          </a:ln>
+        </p:spPr>
+        <p:txBody>
+          <a:bodyPr anchorCtr="0" anchor="ctr" bIns="91425" lIns="91425" spcFirstLastPara="1" rIns="91425" wrap="square" tIns="91425">
+            <a:normAutofit/>
+          </a:bodyPr>
+          <a:lstStyle>
+            <a:lvl1pPr indent="0" lvl="0" marL="0" marR="0" algn="r">
+              <a:lnSpc>
+                <a:spcPct val="100000"/>
+              </a:lnSpc>
+              <a:spcBef>
+                <a:spcPts val="0"/>
+              </a:spcBef>
+              <a:spcAft>
+                <a:spcPts val="0"/>
+              </a:spcAft>
+              <a:buClr>
+                <a:srgbClr val="000000"/>
+              </a:buClr>
+              <a:buSzPts val="1000"/>
+              <a:buFont typeface="Arial"/>
+              <a:buNone/>
+              <a:defRPr b="0" i="0" sz="1000" u="none" cap="none" strike="noStrike">
+                <a:solidFill>
+                  <a:schemeClr val="dk2"/>
+                </a:solidFill>
+                <a:latin typeface="Arial"/>
+                <a:ea typeface="Arial"/>
+                <a:cs typeface="Arial"/>
+                <a:sym typeface="Arial"/>
+              </a:defRPr>
+            </a:lvl1pPr>
+            <a:lvl2pPr indent="0" lvl="1" marL="0" marR="0" algn="r">
+              <a:lnSpc>
+                <a:spcPct val="100000"/>
+              </a:lnSpc>
+              <a:spcBef>
+                <a:spcPts val="0"/>
+              </a:spcBef>
+              <a:spcAft>
+                <a:spcPts val="0"/>
+              </a:spcAft>
+              <a:buClr>
+                <a:srgbClr val="000000"/>
+              </a:buClr>
+              <a:buSzPts val="1000"/>
+              <a:buFont typeface="Arial"/>
+              <a:buNone/>
+              <a:defRPr b="0" i="0" sz="1000" u="none" cap="none" strike="noStrike">
+                <a:solidFill>
+                  <a:schemeClr val="dk2"/>
+                </a:solidFill>
+                <a:latin typeface="Arial"/>
+                <a:ea typeface="Arial"/>
+                <a:cs typeface="Arial"/>
+                <a:sym typeface="Arial"/>
+              </a:defRPr>
+            </a:lvl2pPr>
+            <a:lvl3pPr indent="0" lvl="2" marL="0" marR="0" algn="r">
+              <a:lnSpc>
+                <a:spcPct val="100000"/>
+              </a:lnSpc>
+              <a:spcBef>
+                <a:spcPts val="0"/>
+              </a:spcBef>
+              <a:spcAft>
+                <a:spcPts val="0"/>
+              </a:spcAft>
+              <a:buClr>
+                <a:srgbClr val="000000"/>
+              </a:buClr>
+              <a:buSzPts val="1000"/>
+              <a:buFont typeface="Arial"/>
+              <a:buNone/>
+              <a:defRPr b="0" i="0" sz="1000" u="none" cap="none" strike="noStrike">
+                <a:solidFill>
+                  <a:schemeClr val="dk2"/>
+                </a:solidFill>
+                <a:latin typeface="Arial"/>
+                <a:ea typeface="Arial"/>
+                <a:cs typeface="Arial"/>
+                <a:sym typeface="Arial"/>
+              </a:defRPr>
+            </a:lvl3pPr>
+            <a:lvl4pPr indent="0" lvl="3" marL="0" marR="0" algn="r">
+              <a:lnSpc>
+                <a:spcPct val="100000"/>
+              </a:lnSpc>
+              <a:spcBef>
+                <a:spcPts val="0"/>
+              </a:spcBef>
+              <a:spcAft>
+                <a:spcPts val="0"/>
+              </a:spcAft>
+              <a:buClr>
+                <a:srgbClr val="000000"/>
+              </a:buClr>
+              <a:buSzPts val="1000"/>
+              <a:buFont typeface="Arial"/>
+              <a:buNone/>
+              <a:defRPr b="0" i="0" sz="1000" u="none" cap="none" strike="noStrike">
+                <a:solidFill>
+                  <a:schemeClr val="dk2"/>
+                </a:solidFill>
+                <a:latin typeface="Arial"/>
+                <a:ea typeface="Arial"/>
+                <a:cs typeface="Arial"/>
+                <a:sym typeface="Arial"/>
+              </a:defRPr>
+            </a:lvl4pPr>
+            <a:lvl5pPr indent="0" lvl="4" marL="0" marR="0" algn="r">
+              <a:lnSpc>
+                <a:spcPct val="100000"/>
+              </a:lnSpc>
+              <a:spcBef>
+                <a:spcPts val="0"/>
+              </a:spcBef>
+              <a:spcAft>
+                <a:spcPts val="0"/>
+              </a:spcAft>
+              <a:buClr>
+                <a:srgbClr val="000000"/>
+              </a:buClr>
+              <a:buSzPts val="1000"/>
+              <a:buFont typeface="Arial"/>
+              <a:buNone/>
+              <a:defRPr b="0" i="0" sz="1000" u="none" cap="none" strike="noStrike">
+                <a:solidFill>
+                  <a:schemeClr val="dk2"/>
+                </a:solidFill>
+                <a:latin typeface="Arial"/>
+                <a:ea typeface="Arial"/>
+                <a:cs typeface="Arial"/>
+                <a:sym typeface="Arial"/>
+              </a:defRPr>
+            </a:lvl5pPr>
+            <a:lvl6pPr indent="0" lvl="5" marL="0" marR="0" algn="r">
+              <a:lnSpc>
+                <a:spcPct val="100000"/>
+              </a:lnSpc>
+              <a:spcBef>
+                <a:spcPts val="0"/>
+              </a:spcBef>
+              <a:spcAft>
+                <a:spcPts val="0"/>
+              </a:spcAft>
+              <a:buClr>
+                <a:srgbClr val="000000"/>
+              </a:buClr>
+              <a:buSzPts val="1000"/>
+              <a:buFont typeface="Arial"/>
+              <a:buNone/>
+              <a:defRPr b="0" i="0" sz="1000" u="none" cap="none" strike="noStrike">
+                <a:solidFill>
+                  <a:schemeClr val="dk2"/>
+                </a:solidFill>
+                <a:latin typeface="Arial"/>
+                <a:ea typeface="Arial"/>
+                <a:cs typeface="Arial"/>
+                <a:sym typeface="Arial"/>
+              </a:defRPr>
+            </a:lvl6pPr>
+            <a:lvl7pPr indent="0" lvl="6" marL="0" marR="0" algn="r">
+              <a:lnSpc>
+                <a:spcPct val="100000"/>
+              </a:lnSpc>
+              <a:spcBef>
+                <a:spcPts val="0"/>
+              </a:spcBef>
+              <a:spcAft>
+                <a:spcPts val="0"/>
+              </a:spcAft>
+              <a:buClr>
+                <a:srgbClr val="000000"/>
+              </a:buClr>
+              <a:buSzPts val="1000"/>
+              <a:buFont typeface="Arial"/>
+              <a:buNone/>
+              <a:defRPr b="0" i="0" sz="1000" u="none" cap="none" strike="noStrike">
+                <a:solidFill>
+                  <a:schemeClr val="dk2"/>
+                </a:solidFill>
+                <a:latin typeface="Arial"/>
+                <a:ea typeface="Arial"/>
+                <a:cs typeface="Arial"/>
+                <a:sym typeface="Arial"/>
+              </a:defRPr>
+            </a:lvl7pPr>
+            <a:lvl8pPr indent="0" lvl="7" marL="0" marR="0" algn="r">
+              <a:lnSpc>
+                <a:spcPct val="100000"/>
+              </a:lnSpc>
+              <a:spcBef>
+                <a:spcPts val="0"/>
+              </a:spcBef>
+              <a:spcAft>
+                <a:spcPts val="0"/>
+              </a:spcAft>
+              <a:buClr>
+                <a:srgbClr val="000000"/>
+              </a:buClr>
+              <a:buSzPts val="1000"/>
+              <a:buFont typeface="Arial"/>
+              <a:buNone/>
+              <a:defRPr b="0" i="0" sz="1000" u="none" cap="none" strike="noStrike">
+                <a:solidFill>
+                  <a:schemeClr val="dk2"/>
+                </a:solidFill>
+                <a:latin typeface="Arial"/>
+                <a:ea typeface="Arial"/>
+                <a:cs typeface="Arial"/>
+                <a:sym typeface="Arial"/>
+              </a:defRPr>
+            </a:lvl8pPr>
+            <a:lvl9pPr indent="0" lvl="8" marL="0" marR="0" algn="r">
+              <a:lnSpc>
+                <a:spcPct val="100000"/>
+              </a:lnSpc>
+              <a:spcBef>
+                <a:spcPts val="0"/>
+              </a:spcBef>
+              <a:spcAft>
+                <a:spcPts val="0"/>
+              </a:spcAft>
+              <a:buClr>
+                <a:srgbClr val="000000"/>
+              </a:buClr>
+              <a:buSzPts val="1000"/>
+              <a:buFont typeface="Arial"/>
+              <a:buNone/>
+              <a:defRPr b="0" i="0" sz="1000" u="none" cap="none" strike="noStrike">
+                <a:solidFill>
+                  <a:schemeClr val="dk2"/>
+                </a:solidFill>
+                <a:latin typeface="Arial"/>
+                <a:ea typeface="Arial"/>
+                <a:cs typeface="Arial"/>
+                <a:sym typeface="Arial"/>
+              </a:defRPr>
+            </a:lvl9pPr>
+          </a:lstStyle>
+          <a:p>
+            <a:pPr indent="0" lvl="0" marL="0" rtl="0" algn="r">
+              <a:spcBef>
+                <a:spcPts val="0"/>
+              </a:spcBef>
+              <a:spcAft>
+                <a:spcPts val="0"/>
+              </a:spcAft>
+              <a:buNone/>
+            </a:pPr>
+            <a:fld id="{00000000-1234-1234-1234-123412341234}" type="slidenum">
+              <a:rPr lang="en"/>
+              <a:t>‹#›</a:t>
+            </a:fld>
+            <a:endParaRPr/>
+          </a:p>
+        </p:txBody>
+      </p:sp>
+    </p:spTree>
+  </p:cSld>
+  <p:clrMapOvr>
+    <a:masterClrMapping/>
+  </p:clrMapOvr>
+</p:sldLayout>
+</file>
+
+<file path=ppt/slideLayouts/slideLayout3.xml><?xml version="1.0" encoding="utf-8"?>
+<p:sldLayout xmlns:a="http://schemas.openxmlformats.org/drawingml/2006/main" xmlns:r="http://schemas.openxmlformats.org/officeDocument/2006/relationships" xmlns:mc="http://schemas.openxmlformats.org/markup-compatibility/2006" xmlns:mv="urn:schemas-microsoft-com:mac:vml" xmlns:p="http://schemas.openxmlformats.org/presentationml/2006/main" xmlns:c="http://schemas.openxmlformats.org/drawingml/2006/chart" xmlns:dgm="http://schemas.openxmlformats.org/drawingml/2006/diagram" xmlns:o="urn:schemas-microsoft-com:office:office" xmlns:v="urn:schemas-microsoft-com:vml" xmlns:pvml="urn:schemas-microsoft-com:office:powerpoint" xmlns:com="http://schemas.openxmlformats.org/drawingml/2006/compatibility" xmlns:p14="http://schemas.microsoft.com/office/powerpoint/2010/main" xmlns:p15="http://schemas.microsoft.com/office/powerpoint/2012/main" xmlns:ahyp="http://schemas.microsoft.com/office/drawing/2018/hyperlinkcolor" matchingName="Title and body" type="tx">
+  <p:cSld name="TITLE_AND_BODY">
+    <p:spTree>
+      <p:nvGrpSpPr>
+        <p:cNvPr id="16" name="Shape 16"/>
+        <p:cNvGrpSpPr/>
+        <p:nvPr/>
+      </p:nvGrpSpPr>
+      <p:grpSpPr>
+        <a:xfrm>
+          <a:off x="0" y="0"/>
+          <a:ext cx="0" cy="0"/>
+          <a:chOff x="0" y="0"/>
+          <a:chExt cx="0" cy="0"/>
+        </a:xfrm>
+      </p:grpSpPr>
+      <p:sp>
+        <p:nvSpPr>
+          <p:cNvPr id="17" name="Google Shape;17;p19"/>
+          <p:cNvSpPr txBox="1"/>
+          <p:nvPr>
+            <p:ph type="title"/>
+          </p:nvPr>
+        </p:nvSpPr>
+        <p:spPr>
+          <a:xfrm>
+            <a:off x="311700" y="445025"/>
+            <a:ext cx="8520600" cy="572700"/>
+          </a:xfrm>
+          <a:prstGeom prst="rect">
+            <a:avLst/>
+          </a:prstGeom>
+          <a:noFill/>
+          <a:ln>
+            <a:noFill/>
+          </a:ln>
+        </p:spPr>
+        <p:txBody>
+          <a:bodyPr anchorCtr="0" anchor="t" bIns="91425" lIns="91425" spcFirstLastPara="1" rIns="91425" wrap="square" tIns="91425">
+            <a:normAutofit/>
+          </a:bodyPr>
+          <a:lstStyle>
+            <a:lvl1pPr lvl="0" algn="l">
+              <a:lnSpc>
+                <a:spcPct val="100000"/>
+              </a:lnSpc>
+              <a:spcBef>
+                <a:spcPts val="0"/>
+              </a:spcBef>
+              <a:spcAft>
+                <a:spcPts val="0"/>
+              </a:spcAft>
+              <a:buSzPts val="2800"/>
+              <a:buNone/>
+              <a:defRPr/>
+            </a:lvl1pPr>
+            <a:lvl2pPr lvl="1" algn="l">
+              <a:lnSpc>
+                <a:spcPct val="100000"/>
+              </a:lnSpc>
+              <a:spcBef>
+                <a:spcPts val="0"/>
+              </a:spcBef>
+              <a:spcAft>
+                <a:spcPts val="0"/>
+              </a:spcAft>
+              <a:buSzPts val="2800"/>
+              <a:buNone/>
+              <a:defRPr/>
+            </a:lvl2pPr>
+            <a:lvl3pPr lvl="2" algn="l">
+              <a:lnSpc>
+                <a:spcPct val="100000"/>
+              </a:lnSpc>
+              <a:spcBef>
+                <a:spcPts val="0"/>
+              </a:spcBef>
+              <a:spcAft>
+                <a:spcPts val="0"/>
+              </a:spcAft>
+              <a:buSzPts val="2800"/>
+              <a:buNone/>
+              <a:defRPr/>
+            </a:lvl3pPr>
+            <a:lvl4pPr lvl="3" algn="l">
+              <a:lnSpc>
+                <a:spcPct val="100000"/>
+              </a:lnSpc>
+              <a:spcBef>
+                <a:spcPts val="0"/>
+              </a:spcBef>
+              <a:spcAft>
+                <a:spcPts val="0"/>
+              </a:spcAft>
+              <a:buSzPts val="2800"/>
+              <a:buNone/>
+              <a:defRPr/>
+            </a:lvl4pPr>
+            <a:lvl5pPr lvl="4" algn="l">
+              <a:lnSpc>
+                <a:spcPct val="100000"/>
+              </a:lnSpc>
+              <a:spcBef>
+                <a:spcPts val="0"/>
+              </a:spcBef>
+              <a:spcAft>
+                <a:spcPts val="0"/>
+              </a:spcAft>
+              <a:buSzPts val="2800"/>
+              <a:buNone/>
+              <a:defRPr/>
+            </a:lvl5pPr>
+            <a:lvl6pPr lvl="5" algn="l">
+              <a:lnSpc>
+                <a:spcPct val="100000"/>
+              </a:lnSpc>
+              <a:spcBef>
+                <a:spcPts val="0"/>
+              </a:spcBef>
+              <a:spcAft>
+                <a:spcPts val="0"/>
+              </a:spcAft>
+              <a:buSzPts val="2800"/>
+              <a:buNone/>
+              <a:defRPr/>
+            </a:lvl6pPr>
+            <a:lvl7pPr lvl="6" algn="l">
+              <a:lnSpc>
+                <a:spcPct val="100000"/>
+              </a:lnSpc>
+              <a:spcBef>
+                <a:spcPts val="0"/>
+              </a:spcBef>
+              <a:spcAft>
+                <a:spcPts val="0"/>
+              </a:spcAft>
+              <a:buSzPts val="2800"/>
+              <a:buNone/>
+              <a:defRPr/>
+            </a:lvl7pPr>
+            <a:lvl8pPr lvl="7" algn="l">
+              <a:lnSpc>
+                <a:spcPct val="100000"/>
+              </a:lnSpc>
+              <a:spcBef>
+                <a:spcPts val="0"/>
+              </a:spcBef>
+              <a:spcAft>
+                <a:spcPts val="0"/>
+              </a:spcAft>
+              <a:buSzPts val="2800"/>
+              <a:buNone/>
+              <a:defRPr/>
+            </a:lvl8pPr>
+            <a:lvl9pPr lvl="8" algn="l">
+              <a:lnSpc>
+                <a:spcPct val="100000"/>
+              </a:lnSpc>
+              <a:spcBef>
+                <a:spcPts val="0"/>
+              </a:spcBef>
+              <a:spcAft>
+                <a:spcPts val="0"/>
+              </a:spcAft>
+              <a:buSzPts val="2800"/>
+              <a:buNone/>
+              <a:defRPr/>
+            </a:lvl9pPr>
+          </a:lstStyle>
+          <a:p/>
+        </p:txBody>
+      </p:sp>
+      <p:sp>
+        <p:nvSpPr>
+          <p:cNvPr id="18" name="Google Shape;18;p19"/>
           <p:cNvSpPr txBox="1"/>
           <p:nvPr>
             <p:ph idx="1" type="body"/>
@@ -4450,7 +4931,7 @@
       </p:sp>
       <p:sp>
         <p:nvSpPr>
-          <p:cNvPr id="16" name="Google Shape;16;p3"/>
+          <p:cNvPr id="19" name="Google Shape;19;p19"/>
           <p:cNvSpPr txBox="1"/>
           <p:nvPr>
             <p:ph idx="12" type="sldNum"/>
@@ -4735,12 +5216,12 @@
 </p:sldLayout>
 </file>
 
-<file path=ppt/slideLayouts/slideLayout3.xml><?xml version="1.0" encoding="utf-8"?>
+<file path=ppt/slideLayouts/slideLayout4.xml><?xml version="1.0" encoding="utf-8"?>
 <p:sldLayout xmlns:a="http://schemas.openxmlformats.org/drawingml/2006/main" xmlns:r="http://schemas.openxmlformats.org/officeDocument/2006/relationships" xmlns:mc="http://schemas.openxmlformats.org/markup-compatibility/2006" xmlns:mv="urn:schemas-microsoft-com:mac:vml" xmlns:p="http://schemas.openxmlformats.org/presentationml/2006/main" xmlns:c="http://schemas.openxmlformats.org/drawingml/2006/chart" xmlns:dgm="http://schemas.openxmlformats.org/drawingml/2006/diagram" xmlns:o="urn:schemas-microsoft-com:office:office" xmlns:v="urn:schemas-microsoft-com:vml" xmlns:pvml="urn:schemas-microsoft-com:office:powerpoint" xmlns:com="http://schemas.openxmlformats.org/drawingml/2006/compatibility" xmlns:p14="http://schemas.microsoft.com/office/powerpoint/2010/main" xmlns:p15="http://schemas.microsoft.com/office/powerpoint/2012/main" xmlns:ahyp="http://schemas.microsoft.com/office/drawing/2018/hyperlinkcolor" matchingName="Section header" type="secHead">
   <p:cSld name="SECTION_HEADER">
     <p:spTree>
       <p:nvGrpSpPr>
-        <p:cNvPr id="17" name="Shape 17"/>
+        <p:cNvPr id="20" name="Shape 20"/>
         <p:cNvGrpSpPr/>
         <p:nvPr/>
       </p:nvGrpSpPr>
@@ -4754,7 +5235,7 @@
       </p:grpSpPr>
       <p:sp>
         <p:nvSpPr>
-          <p:cNvPr id="18" name="Google Shape;18;p4"/>
+          <p:cNvPr id="21" name="Google Shape;21;p20"/>
           <p:cNvSpPr txBox="1"/>
           <p:nvPr>
             <p:ph type="title"/>
@@ -4910,7 +5391,7 @@
       </p:sp>
       <p:sp>
         <p:nvSpPr>
-          <p:cNvPr id="19" name="Google Shape;19;p4"/>
+          <p:cNvPr id="22" name="Google Shape;22;p20"/>
           <p:cNvSpPr txBox="1"/>
           <p:nvPr>
             <p:ph idx="12" type="sldNum"/>
@@ -5195,12 +5676,12 @@
 </p:sldLayout>
 </file>
 
-<file path=ppt/slideLayouts/slideLayout4.xml><?xml version="1.0" encoding="utf-8"?>
+<file path=ppt/slideLayouts/slideLayout5.xml><?xml version="1.0" encoding="utf-8"?>
 <p:sldLayout xmlns:a="http://schemas.openxmlformats.org/drawingml/2006/main" xmlns:r="http://schemas.openxmlformats.org/officeDocument/2006/relationships" xmlns:mc="http://schemas.openxmlformats.org/markup-compatibility/2006" xmlns:mv="urn:schemas-microsoft-com:mac:vml" xmlns:p="http://schemas.openxmlformats.org/presentationml/2006/main" xmlns:c="http://schemas.openxmlformats.org/drawingml/2006/chart" xmlns:dgm="http://schemas.openxmlformats.org/drawingml/2006/diagram" xmlns:o="urn:schemas-microsoft-com:office:office" xmlns:v="urn:schemas-microsoft-com:vml" xmlns:pvml="urn:schemas-microsoft-com:office:powerpoint" xmlns:com="http://schemas.openxmlformats.org/drawingml/2006/compatibility" xmlns:p14="http://schemas.microsoft.com/office/powerpoint/2010/main" xmlns:p15="http://schemas.microsoft.com/office/powerpoint/2012/main" xmlns:ahyp="http://schemas.microsoft.com/office/drawing/2018/hyperlinkcolor" matchingName="Title and two columns" type="twoColTx">
   <p:cSld name="TITLE_AND_TWO_COLUMNS">
     <p:spTree>
       <p:nvGrpSpPr>
-        <p:cNvPr id="20" name="Shape 20"/>
+        <p:cNvPr id="23" name="Shape 23"/>
         <p:cNvGrpSpPr/>
         <p:nvPr/>
       </p:nvGrpSpPr>
@@ -5214,7 +5695,7 @@
       </p:grpSpPr>
       <p:sp>
         <p:nvSpPr>
-          <p:cNvPr id="21" name="Google Shape;21;p5"/>
+          <p:cNvPr id="24" name="Google Shape;24;p21"/>
           <p:cNvSpPr txBox="1"/>
           <p:nvPr>
             <p:ph type="title"/>
@@ -5370,7 +5851,7 @@
       </p:sp>
       <p:sp>
         <p:nvSpPr>
-          <p:cNvPr id="22" name="Google Shape;22;p5"/>
+          <p:cNvPr id="25" name="Google Shape;25;p21"/>
           <p:cNvSpPr txBox="1"/>
           <p:nvPr>
             <p:ph idx="1" type="body"/>
@@ -5526,7 +6007,7 @@
       </p:sp>
       <p:sp>
         <p:nvSpPr>
-          <p:cNvPr id="23" name="Google Shape;23;p5"/>
+          <p:cNvPr id="26" name="Google Shape;26;p21"/>
           <p:cNvSpPr txBox="1"/>
           <p:nvPr>
             <p:ph idx="2" type="body"/>
@@ -5682,467 +6163,7 @@
       </p:sp>
       <p:sp>
         <p:nvSpPr>
-          <p:cNvPr id="24" name="Google Shape;24;p5"/>
-          <p:cNvSpPr txBox="1"/>
-          <p:nvPr>
-            <p:ph idx="12" type="sldNum"/>
-          </p:nvPr>
-        </p:nvSpPr>
-        <p:spPr>
-          <a:xfrm>
-            <a:off x="8472458" y="4663217"/>
-            <a:ext cx="548700" cy="393600"/>
-          </a:xfrm>
-          <a:prstGeom prst="rect">
-            <a:avLst/>
-          </a:prstGeom>
-          <a:noFill/>
-          <a:ln>
-            <a:noFill/>
-          </a:ln>
-        </p:spPr>
-        <p:txBody>
-          <a:bodyPr anchorCtr="0" anchor="ctr" bIns="91425" lIns="91425" spcFirstLastPara="1" rIns="91425" wrap="square" tIns="91425">
-            <a:normAutofit/>
-          </a:bodyPr>
-          <a:lstStyle>
-            <a:lvl1pPr indent="0" lvl="0" marL="0" marR="0" algn="r">
-              <a:lnSpc>
-                <a:spcPct val="100000"/>
-              </a:lnSpc>
-              <a:spcBef>
-                <a:spcPts val="0"/>
-              </a:spcBef>
-              <a:spcAft>
-                <a:spcPts val="0"/>
-              </a:spcAft>
-              <a:buClr>
-                <a:srgbClr val="000000"/>
-              </a:buClr>
-              <a:buSzPts val="1000"/>
-              <a:buFont typeface="Arial"/>
-              <a:buNone/>
-              <a:defRPr b="0" i="0" sz="1000" u="none" cap="none" strike="noStrike">
-                <a:solidFill>
-                  <a:schemeClr val="dk2"/>
-                </a:solidFill>
-                <a:latin typeface="Arial"/>
-                <a:ea typeface="Arial"/>
-                <a:cs typeface="Arial"/>
-                <a:sym typeface="Arial"/>
-              </a:defRPr>
-            </a:lvl1pPr>
-            <a:lvl2pPr indent="0" lvl="1" marL="0" marR="0" algn="r">
-              <a:lnSpc>
-                <a:spcPct val="100000"/>
-              </a:lnSpc>
-              <a:spcBef>
-                <a:spcPts val="0"/>
-              </a:spcBef>
-              <a:spcAft>
-                <a:spcPts val="0"/>
-              </a:spcAft>
-              <a:buClr>
-                <a:srgbClr val="000000"/>
-              </a:buClr>
-              <a:buSzPts val="1000"/>
-              <a:buFont typeface="Arial"/>
-              <a:buNone/>
-              <a:defRPr b="0" i="0" sz="1000" u="none" cap="none" strike="noStrike">
-                <a:solidFill>
-                  <a:schemeClr val="dk2"/>
-                </a:solidFill>
-                <a:latin typeface="Arial"/>
-                <a:ea typeface="Arial"/>
-                <a:cs typeface="Arial"/>
-                <a:sym typeface="Arial"/>
-              </a:defRPr>
-            </a:lvl2pPr>
-            <a:lvl3pPr indent="0" lvl="2" marL="0" marR="0" algn="r">
-              <a:lnSpc>
-                <a:spcPct val="100000"/>
-              </a:lnSpc>
-              <a:spcBef>
-                <a:spcPts val="0"/>
-              </a:spcBef>
-              <a:spcAft>
-                <a:spcPts val="0"/>
-              </a:spcAft>
-              <a:buClr>
-                <a:srgbClr val="000000"/>
-              </a:buClr>
-              <a:buSzPts val="1000"/>
-              <a:buFont typeface="Arial"/>
-              <a:buNone/>
-              <a:defRPr b="0" i="0" sz="1000" u="none" cap="none" strike="noStrike">
-                <a:solidFill>
-                  <a:schemeClr val="dk2"/>
-                </a:solidFill>
-                <a:latin typeface="Arial"/>
-                <a:ea typeface="Arial"/>
-                <a:cs typeface="Arial"/>
-                <a:sym typeface="Arial"/>
-              </a:defRPr>
-            </a:lvl3pPr>
-            <a:lvl4pPr indent="0" lvl="3" marL="0" marR="0" algn="r">
-              <a:lnSpc>
-                <a:spcPct val="100000"/>
-              </a:lnSpc>
-              <a:spcBef>
-                <a:spcPts val="0"/>
-              </a:spcBef>
-              <a:spcAft>
-                <a:spcPts val="0"/>
-              </a:spcAft>
-              <a:buClr>
-                <a:srgbClr val="000000"/>
-              </a:buClr>
-              <a:buSzPts val="1000"/>
-              <a:buFont typeface="Arial"/>
-              <a:buNone/>
-              <a:defRPr b="0" i="0" sz="1000" u="none" cap="none" strike="noStrike">
-                <a:solidFill>
-                  <a:schemeClr val="dk2"/>
-                </a:solidFill>
-                <a:latin typeface="Arial"/>
-                <a:ea typeface="Arial"/>
-                <a:cs typeface="Arial"/>
-                <a:sym typeface="Arial"/>
-              </a:defRPr>
-            </a:lvl4pPr>
-            <a:lvl5pPr indent="0" lvl="4" marL="0" marR="0" algn="r">
-              <a:lnSpc>
-                <a:spcPct val="100000"/>
-              </a:lnSpc>
-              <a:spcBef>
-                <a:spcPts val="0"/>
-              </a:spcBef>
-              <a:spcAft>
-                <a:spcPts val="0"/>
-              </a:spcAft>
-              <a:buClr>
-                <a:srgbClr val="000000"/>
-              </a:buClr>
-              <a:buSzPts val="1000"/>
-              <a:buFont typeface="Arial"/>
-              <a:buNone/>
-              <a:defRPr b="0" i="0" sz="1000" u="none" cap="none" strike="noStrike">
-                <a:solidFill>
-                  <a:schemeClr val="dk2"/>
-                </a:solidFill>
-                <a:latin typeface="Arial"/>
-                <a:ea typeface="Arial"/>
-                <a:cs typeface="Arial"/>
-                <a:sym typeface="Arial"/>
-              </a:defRPr>
-            </a:lvl5pPr>
-            <a:lvl6pPr indent="0" lvl="5" marL="0" marR="0" algn="r">
-              <a:lnSpc>
-                <a:spcPct val="100000"/>
-              </a:lnSpc>
-              <a:spcBef>
-                <a:spcPts val="0"/>
-              </a:spcBef>
-              <a:spcAft>
-                <a:spcPts val="0"/>
-              </a:spcAft>
-              <a:buClr>
-                <a:srgbClr val="000000"/>
-              </a:buClr>
-              <a:buSzPts val="1000"/>
-              <a:buFont typeface="Arial"/>
-              <a:buNone/>
-              <a:defRPr b="0" i="0" sz="1000" u="none" cap="none" strike="noStrike">
-                <a:solidFill>
-                  <a:schemeClr val="dk2"/>
-                </a:solidFill>
-                <a:latin typeface="Arial"/>
-                <a:ea typeface="Arial"/>
-                <a:cs typeface="Arial"/>
-                <a:sym typeface="Arial"/>
-              </a:defRPr>
-            </a:lvl6pPr>
-            <a:lvl7pPr indent="0" lvl="6" marL="0" marR="0" algn="r">
-              <a:lnSpc>
-                <a:spcPct val="100000"/>
-              </a:lnSpc>
-              <a:spcBef>
-                <a:spcPts val="0"/>
-              </a:spcBef>
-              <a:spcAft>
-                <a:spcPts val="0"/>
-              </a:spcAft>
-              <a:buClr>
-                <a:srgbClr val="000000"/>
-              </a:buClr>
-              <a:buSzPts val="1000"/>
-              <a:buFont typeface="Arial"/>
-              <a:buNone/>
-              <a:defRPr b="0" i="0" sz="1000" u="none" cap="none" strike="noStrike">
-                <a:solidFill>
-                  <a:schemeClr val="dk2"/>
-                </a:solidFill>
-                <a:latin typeface="Arial"/>
-                <a:ea typeface="Arial"/>
-                <a:cs typeface="Arial"/>
-                <a:sym typeface="Arial"/>
-              </a:defRPr>
-            </a:lvl7pPr>
-            <a:lvl8pPr indent="0" lvl="7" marL="0" marR="0" algn="r">
-              <a:lnSpc>
-                <a:spcPct val="100000"/>
-              </a:lnSpc>
-              <a:spcBef>
-                <a:spcPts val="0"/>
-              </a:spcBef>
-              <a:spcAft>
-                <a:spcPts val="0"/>
-              </a:spcAft>
-              <a:buClr>
-                <a:srgbClr val="000000"/>
-              </a:buClr>
-              <a:buSzPts val="1000"/>
-              <a:buFont typeface="Arial"/>
-              <a:buNone/>
-              <a:defRPr b="0" i="0" sz="1000" u="none" cap="none" strike="noStrike">
-                <a:solidFill>
-                  <a:schemeClr val="dk2"/>
-                </a:solidFill>
-                <a:latin typeface="Arial"/>
-                <a:ea typeface="Arial"/>
-                <a:cs typeface="Arial"/>
-                <a:sym typeface="Arial"/>
-              </a:defRPr>
-            </a:lvl8pPr>
-            <a:lvl9pPr indent="0" lvl="8" marL="0" marR="0" algn="r">
-              <a:lnSpc>
-                <a:spcPct val="100000"/>
-              </a:lnSpc>
-              <a:spcBef>
-                <a:spcPts val="0"/>
-              </a:spcBef>
-              <a:spcAft>
-                <a:spcPts val="0"/>
-              </a:spcAft>
-              <a:buClr>
-                <a:srgbClr val="000000"/>
-              </a:buClr>
-              <a:buSzPts val="1000"/>
-              <a:buFont typeface="Arial"/>
-              <a:buNone/>
-              <a:defRPr b="0" i="0" sz="1000" u="none" cap="none" strike="noStrike">
-                <a:solidFill>
-                  <a:schemeClr val="dk2"/>
-                </a:solidFill>
-                <a:latin typeface="Arial"/>
-                <a:ea typeface="Arial"/>
-                <a:cs typeface="Arial"/>
-                <a:sym typeface="Arial"/>
-              </a:defRPr>
-            </a:lvl9pPr>
-          </a:lstStyle>
-          <a:p>
-            <a:pPr indent="0" lvl="0" marL="0" rtl="0" algn="r">
-              <a:spcBef>
-                <a:spcPts val="0"/>
-              </a:spcBef>
-              <a:spcAft>
-                <a:spcPts val="0"/>
-              </a:spcAft>
-              <a:buNone/>
-            </a:pPr>
-            <a:fld id="{00000000-1234-1234-1234-123412341234}" type="slidenum">
-              <a:rPr lang="en"/>
-              <a:t>‹#›</a:t>
-            </a:fld>
-            <a:endParaRPr/>
-          </a:p>
-        </p:txBody>
-      </p:sp>
-    </p:spTree>
-  </p:cSld>
-  <p:clrMapOvr>
-    <a:masterClrMapping/>
-  </p:clrMapOvr>
-</p:sldLayout>
-</file>
-
-<file path=ppt/slideLayouts/slideLayout5.xml><?xml version="1.0" encoding="utf-8"?>
-<p:sldLayout xmlns:a="http://schemas.openxmlformats.org/drawingml/2006/main" xmlns:r="http://schemas.openxmlformats.org/officeDocument/2006/relationships" xmlns:mc="http://schemas.openxmlformats.org/markup-compatibility/2006" xmlns:mv="urn:schemas-microsoft-com:mac:vml" xmlns:p="http://schemas.openxmlformats.org/presentationml/2006/main" xmlns:c="http://schemas.openxmlformats.org/drawingml/2006/chart" xmlns:dgm="http://schemas.openxmlformats.org/drawingml/2006/diagram" xmlns:o="urn:schemas-microsoft-com:office:office" xmlns:v="urn:schemas-microsoft-com:vml" xmlns:pvml="urn:schemas-microsoft-com:office:powerpoint" xmlns:com="http://schemas.openxmlformats.org/drawingml/2006/compatibility" xmlns:p14="http://schemas.microsoft.com/office/powerpoint/2010/main" xmlns:p15="http://schemas.microsoft.com/office/powerpoint/2012/main" xmlns:ahyp="http://schemas.microsoft.com/office/drawing/2018/hyperlinkcolor" matchingName="Title only" type="titleOnly">
-  <p:cSld name="TITLE_ONLY">
-    <p:spTree>
-      <p:nvGrpSpPr>
-        <p:cNvPr id="25" name="Shape 25"/>
-        <p:cNvGrpSpPr/>
-        <p:nvPr/>
-      </p:nvGrpSpPr>
-      <p:grpSpPr>
-        <a:xfrm>
-          <a:off x="0" y="0"/>
-          <a:ext cx="0" cy="0"/>
-          <a:chOff x="0" y="0"/>
-          <a:chExt cx="0" cy="0"/>
-        </a:xfrm>
-      </p:grpSpPr>
-      <p:sp>
-        <p:nvSpPr>
-          <p:cNvPr id="26" name="Google Shape;26;p6"/>
-          <p:cNvSpPr txBox="1"/>
-          <p:nvPr>
-            <p:ph type="title"/>
-          </p:nvPr>
-        </p:nvSpPr>
-        <p:spPr>
-          <a:xfrm>
-            <a:off x="311700" y="445025"/>
-            <a:ext cx="8520600" cy="572700"/>
-          </a:xfrm>
-          <a:prstGeom prst="rect">
-            <a:avLst/>
-          </a:prstGeom>
-          <a:noFill/>
-          <a:ln>
-            <a:noFill/>
-          </a:ln>
-        </p:spPr>
-        <p:txBody>
-          <a:bodyPr anchorCtr="0" anchor="t" bIns="91425" lIns="91425" spcFirstLastPara="1" rIns="91425" wrap="square" tIns="91425">
-            <a:normAutofit/>
-          </a:bodyPr>
-          <a:lstStyle>
-            <a:lvl1pPr lvl="0" algn="l">
-              <a:lnSpc>
-                <a:spcPct val="100000"/>
-              </a:lnSpc>
-              <a:spcBef>
-                <a:spcPts val="0"/>
-              </a:spcBef>
-              <a:spcAft>
-                <a:spcPts val="0"/>
-              </a:spcAft>
-              <a:buSzPts val="2800"/>
-              <a:buNone/>
-              <a:defRPr/>
-            </a:lvl1pPr>
-            <a:lvl2pPr lvl="1" algn="l">
-              <a:lnSpc>
-                <a:spcPct val="100000"/>
-              </a:lnSpc>
-              <a:spcBef>
-                <a:spcPts val="0"/>
-              </a:spcBef>
-              <a:spcAft>
-                <a:spcPts val="0"/>
-              </a:spcAft>
-              <a:buSzPts val="2800"/>
-              <a:buNone/>
-              <a:defRPr/>
-            </a:lvl2pPr>
-            <a:lvl3pPr lvl="2" algn="l">
-              <a:lnSpc>
-                <a:spcPct val="100000"/>
-              </a:lnSpc>
-              <a:spcBef>
-                <a:spcPts val="0"/>
-              </a:spcBef>
-              <a:spcAft>
-                <a:spcPts val="0"/>
-              </a:spcAft>
-              <a:buSzPts val="2800"/>
-              <a:buNone/>
-              <a:defRPr/>
-            </a:lvl3pPr>
-            <a:lvl4pPr lvl="3" algn="l">
-              <a:lnSpc>
-                <a:spcPct val="100000"/>
-              </a:lnSpc>
-              <a:spcBef>
-                <a:spcPts val="0"/>
-              </a:spcBef>
-              <a:spcAft>
-                <a:spcPts val="0"/>
-              </a:spcAft>
-              <a:buSzPts val="2800"/>
-              <a:buNone/>
-              <a:defRPr/>
-            </a:lvl4pPr>
-            <a:lvl5pPr lvl="4" algn="l">
-              <a:lnSpc>
-                <a:spcPct val="100000"/>
-              </a:lnSpc>
-              <a:spcBef>
-                <a:spcPts val="0"/>
-              </a:spcBef>
-              <a:spcAft>
-                <a:spcPts val="0"/>
-              </a:spcAft>
-              <a:buSzPts val="2800"/>
-              <a:buNone/>
-              <a:defRPr/>
-            </a:lvl5pPr>
-            <a:lvl6pPr lvl="5" algn="l">
-              <a:lnSpc>
-                <a:spcPct val="100000"/>
-              </a:lnSpc>
-              <a:spcBef>
-                <a:spcPts val="0"/>
-              </a:spcBef>
-              <a:spcAft>
-                <a:spcPts val="0"/>
-              </a:spcAft>
-              <a:buSzPts val="2800"/>
-              <a:buNone/>
-              <a:defRPr/>
-            </a:lvl6pPr>
-            <a:lvl7pPr lvl="6" algn="l">
-              <a:lnSpc>
-                <a:spcPct val="100000"/>
-              </a:lnSpc>
-              <a:spcBef>
-                <a:spcPts val="0"/>
-              </a:spcBef>
-              <a:spcAft>
-                <a:spcPts val="0"/>
-              </a:spcAft>
-              <a:buSzPts val="2800"/>
-              <a:buNone/>
-              <a:defRPr/>
-            </a:lvl7pPr>
-            <a:lvl8pPr lvl="7" algn="l">
-              <a:lnSpc>
-                <a:spcPct val="100000"/>
-              </a:lnSpc>
-              <a:spcBef>
-                <a:spcPts val="0"/>
-              </a:spcBef>
-              <a:spcAft>
-                <a:spcPts val="0"/>
-              </a:spcAft>
-              <a:buSzPts val="2800"/>
-              <a:buNone/>
-              <a:defRPr/>
-            </a:lvl8pPr>
-            <a:lvl9pPr lvl="8" algn="l">
-              <a:lnSpc>
-                <a:spcPct val="100000"/>
-              </a:lnSpc>
-              <a:spcBef>
-                <a:spcPts val="0"/>
-              </a:spcBef>
-              <a:spcAft>
-                <a:spcPts val="0"/>
-              </a:spcAft>
-              <a:buSzPts val="2800"/>
-              <a:buNone/>
-              <a:defRPr/>
-            </a:lvl9pPr>
-          </a:lstStyle>
-          <a:p/>
-        </p:txBody>
-      </p:sp>
-      <p:sp>
-        <p:nvSpPr>
-          <p:cNvPr id="27" name="Google Shape;27;p6"/>
+          <p:cNvPr id="27" name="Google Shape;27;p21"/>
           <p:cNvSpPr txBox="1"/>
           <p:nvPr>
             <p:ph idx="12" type="sldNum"/>
@@ -6446,7 +6467,7 @@
       </p:grpSpPr>
       <p:sp>
         <p:nvSpPr>
-          <p:cNvPr id="29" name="Google Shape;29;p7"/>
+          <p:cNvPr id="29" name="Google Shape;29;p22"/>
           <p:cNvSpPr txBox="1"/>
           <p:nvPr>
             <p:ph type="title"/>
@@ -6602,7 +6623,7 @@
       </p:sp>
       <p:sp>
         <p:nvSpPr>
-          <p:cNvPr id="30" name="Google Shape;30;p7"/>
+          <p:cNvPr id="30" name="Google Shape;30;p22"/>
           <p:cNvSpPr txBox="1"/>
           <p:nvPr>
             <p:ph idx="1" type="body"/>
@@ -6758,7 +6779,7 @@
       </p:sp>
       <p:sp>
         <p:nvSpPr>
-          <p:cNvPr id="31" name="Google Shape;31;p7"/>
+          <p:cNvPr id="31" name="Google Shape;31;p22"/>
           <p:cNvSpPr txBox="1"/>
           <p:nvPr>
             <p:ph idx="12" type="sldNum"/>
@@ -7062,7 +7083,7 @@
       </p:grpSpPr>
       <p:sp>
         <p:nvSpPr>
-          <p:cNvPr id="33" name="Google Shape;33;p8"/>
+          <p:cNvPr id="33" name="Google Shape;33;p23"/>
           <p:cNvSpPr txBox="1"/>
           <p:nvPr>
             <p:ph type="title"/>
@@ -7218,7 +7239,7 @@
       </p:sp>
       <p:sp>
         <p:nvSpPr>
-          <p:cNvPr id="34" name="Google Shape;34;p8"/>
+          <p:cNvPr id="34" name="Google Shape;34;p23"/>
           <p:cNvSpPr txBox="1"/>
           <p:nvPr>
             <p:ph idx="12" type="sldNum"/>
@@ -7522,7 +7543,7 @@
       </p:grpSpPr>
       <p:sp>
         <p:nvSpPr>
-          <p:cNvPr id="36" name="Google Shape;36;p9"/>
+          <p:cNvPr id="36" name="Google Shape;36;p24"/>
           <p:cNvSpPr/>
           <p:nvPr/>
         </p:nvSpPr>
@@ -7581,7 +7602,7 @@
       </p:sp>
       <p:sp>
         <p:nvSpPr>
-          <p:cNvPr id="37" name="Google Shape;37;p9"/>
+          <p:cNvPr id="37" name="Google Shape;37;p24"/>
           <p:cNvSpPr txBox="1"/>
           <p:nvPr>
             <p:ph type="title"/>
@@ -7737,7 +7758,7 @@
       </p:sp>
       <p:sp>
         <p:nvSpPr>
-          <p:cNvPr id="38" name="Google Shape;38;p9"/>
+          <p:cNvPr id="38" name="Google Shape;38;p24"/>
           <p:cNvSpPr txBox="1"/>
           <p:nvPr>
             <p:ph idx="1" type="subTitle"/>
@@ -7893,7 +7914,7 @@
       </p:sp>
       <p:sp>
         <p:nvSpPr>
-          <p:cNvPr id="39" name="Google Shape;39;p9"/>
+          <p:cNvPr id="39" name="Google Shape;39;p24"/>
           <p:cNvSpPr txBox="1"/>
           <p:nvPr>
             <p:ph idx="2" type="body"/>
@@ -8049,7 +8070,7 @@
       </p:sp>
       <p:sp>
         <p:nvSpPr>
-          <p:cNvPr id="40" name="Google Shape;40;p9"/>
+          <p:cNvPr id="40" name="Google Shape;40;p24"/>
           <p:cNvSpPr txBox="1"/>
           <p:nvPr>
             <p:ph idx="12" type="sldNum"/>
@@ -8353,7 +8374,7 @@
       </p:grpSpPr>
       <p:sp>
         <p:nvSpPr>
-          <p:cNvPr id="42" name="Google Shape;42;p10"/>
+          <p:cNvPr id="42" name="Google Shape;42;p25"/>
           <p:cNvSpPr txBox="1"/>
           <p:nvPr>
             <p:ph idx="1" type="body"/>
@@ -8397,7 +8418,7 @@
       </p:sp>
       <p:sp>
         <p:nvSpPr>
-          <p:cNvPr id="43" name="Google Shape;43;p10"/>
+          <p:cNvPr id="43" name="Google Shape;43;p25"/>
           <p:cNvSpPr txBox="1"/>
           <p:nvPr>
             <p:ph idx="12" type="sldNum"/>
@@ -8708,7 +8729,7 @@
       </p:grpSpPr>
       <p:sp>
         <p:nvSpPr>
-          <p:cNvPr id="6" name="Google Shape;6;p1"/>
+          <p:cNvPr id="6" name="Google Shape;6;p16"/>
           <p:cNvSpPr txBox="1"/>
           <p:nvPr>
             <p:ph type="title"/>
@@ -8972,7 +8993,7 @@
       </p:sp>
       <p:sp>
         <p:nvSpPr>
-          <p:cNvPr id="7" name="Google Shape;7;p1"/>
+          <p:cNvPr id="7" name="Google Shape;7;p16"/>
           <p:cNvSpPr txBox="1"/>
           <p:nvPr>
             <p:ph idx="1" type="body"/>
@@ -9236,7 +9257,7 @@
       </p:sp>
       <p:sp>
         <p:nvSpPr>
-          <p:cNvPr id="8" name="Google Shape;8;p1"/>
+          <p:cNvPr id="8" name="Google Shape;8;p16"/>
           <p:cNvSpPr txBox="1"/>
           <p:nvPr>
             <p:ph idx="12" type="sldNum"/>
@@ -9517,17 +9538,17 @@
   </p:cSld>
   <p:clrMap accent1="accent1" accent2="accent2" accent3="accent3" accent4="accent4" accent5="accent5" accent6="accent6" bg1="lt1" bg2="dk2" tx1="dk1" tx2="lt2" folHlink="folHlink" hlink="hlink"/>
   <p:sldLayoutIdLst>
-    <p:sldLayoutId id="2147483648" r:id="rId1"/>
-    <p:sldLayoutId id="2147483649" r:id="rId2"/>
-    <p:sldLayoutId id="2147483650" r:id="rId3"/>
-    <p:sldLayoutId id="2147483651" r:id="rId4"/>
-    <p:sldLayoutId id="2147483652" r:id="rId5"/>
-    <p:sldLayoutId id="2147483653" r:id="rId6"/>
-    <p:sldLayoutId id="2147483654" r:id="rId7"/>
-    <p:sldLayoutId id="2147483655" r:id="rId8"/>
-    <p:sldLayoutId id="2147483656" r:id="rId9"/>
-    <p:sldLayoutId id="2147483657" r:id="rId10"/>
-    <p:sldLayoutId id="2147483658" r:id="rId11"/>
+    <p:sldLayoutId id="2147483649" r:id="rId1"/>
+    <p:sldLayoutId id="2147483650" r:id="rId2"/>
+    <p:sldLayoutId id="2147483651" r:id="rId3"/>
+    <p:sldLayoutId id="2147483652" r:id="rId4"/>
+    <p:sldLayoutId id="2147483653" r:id="rId5"/>
+    <p:sldLayoutId id="2147483654" r:id="rId6"/>
+    <p:sldLayoutId id="2147483655" r:id="rId7"/>
+    <p:sldLayoutId id="2147483656" r:id="rId8"/>
+    <p:sldLayoutId id="2147483657" r:id="rId9"/>
+    <p:sldLayoutId id="2147483658" r:id="rId10"/>
+    <p:sldLayoutId id="2147483659" r:id="rId11"/>
   </p:sldLayoutIdLst>
   <p:hf dt="0" ftr="0" hdr="0" sldNum="0"/>
   <p:txStyles>
@@ -10241,7 +10262,7 @@
       </p:grpSpPr>
       <p:grpSp>
         <p:nvGrpSpPr>
-          <p:cNvPr id="54" name="Google Shape;54;p13"/>
+          <p:cNvPr id="54" name="Google Shape;54;p1"/>
           <p:cNvGrpSpPr/>
           <p:nvPr/>
         </p:nvGrpSpPr>
@@ -10255,7 +10276,7 @@
         </p:grpSpPr>
         <p:sp>
           <p:nvSpPr>
-            <p:cNvPr id="55" name="Google Shape;55;p13"/>
+            <p:cNvPr id="55" name="Google Shape;55;p1"/>
             <p:cNvSpPr/>
             <p:nvPr/>
           </p:nvSpPr>
@@ -10320,7 +10341,7 @@
         </p:sp>
         <p:sp>
           <p:nvSpPr>
-            <p:cNvPr id="56" name="Google Shape;56;p13"/>
+            <p:cNvPr id="56" name="Google Shape;56;p1"/>
             <p:cNvSpPr/>
             <p:nvPr/>
           </p:nvSpPr>
@@ -10394,7 +10415,7 @@
         </p:sp>
         <p:sp>
           <p:nvSpPr>
-            <p:cNvPr id="57" name="Google Shape;57;p13"/>
+            <p:cNvPr id="57" name="Google Shape;57;p1"/>
             <p:cNvSpPr/>
             <p:nvPr/>
           </p:nvSpPr>
@@ -10460,7 +10481,7 @@
         </p:sp>
         <p:sp>
           <p:nvSpPr>
-            <p:cNvPr id="58" name="Google Shape;58;p13"/>
+            <p:cNvPr id="58" name="Google Shape;58;p1"/>
             <p:cNvSpPr/>
             <p:nvPr/>
           </p:nvSpPr>
@@ -10526,7 +10547,7 @@
         </p:sp>
         <p:sp>
           <p:nvSpPr>
-            <p:cNvPr id="59" name="Google Shape;59;p13"/>
+            <p:cNvPr id="59" name="Google Shape;59;p1"/>
             <p:cNvSpPr/>
             <p:nvPr/>
           </p:nvSpPr>
@@ -10557,7 +10578,7 @@
             </a:bodyPr>
             <a:lstStyle/>
             <a:p>
-              <a:pPr indent="-121918" lvl="0" marL="182880" marR="0" rtl="0" algn="l">
+              <a:pPr indent="-121917" lvl="0" marL="182880" marR="0" rtl="0" algn="l">
                 <a:lnSpc>
                   <a:spcPct val="100000"/>
                 </a:lnSpc>
@@ -10600,7 +10621,7 @@
         </p:sp>
         <p:sp>
           <p:nvSpPr>
-            <p:cNvPr id="60" name="Google Shape;60;p13"/>
+            <p:cNvPr id="60" name="Google Shape;60;p1"/>
             <p:cNvSpPr/>
             <p:nvPr/>
           </p:nvSpPr>
@@ -10675,7 +10696,7 @@
       </p:grpSp>
       <p:sp>
         <p:nvSpPr>
-          <p:cNvPr id="61" name="Google Shape;61;p13"/>
+          <p:cNvPr id="61" name="Google Shape;61;p1"/>
           <p:cNvSpPr txBox="1"/>
           <p:nvPr>
             <p:ph idx="4294967295" type="title"/>
@@ -10723,7 +10744,7 @@
       </p:sp>
       <p:sp>
         <p:nvSpPr>
-          <p:cNvPr id="62" name="Google Shape;62;p13"/>
+          <p:cNvPr id="62" name="Google Shape;62;p1"/>
           <p:cNvSpPr txBox="1"/>
           <p:nvPr>
             <p:ph idx="4294967295" type="body"/>
@@ -10796,7 +10817,7 @@
       </p:grpSpPr>
       <p:grpSp>
         <p:nvGrpSpPr>
-          <p:cNvPr id="183" name="Google Shape;183;p22"/>
+          <p:cNvPr id="183" name="Google Shape;183;p10"/>
           <p:cNvGrpSpPr/>
           <p:nvPr/>
         </p:nvGrpSpPr>
@@ -10810,7 +10831,7 @@
         </p:grpSpPr>
         <p:sp>
           <p:nvSpPr>
-            <p:cNvPr id="184" name="Google Shape;184;p22"/>
+            <p:cNvPr id="184" name="Google Shape;184;p10"/>
             <p:cNvSpPr/>
             <p:nvPr/>
           </p:nvSpPr>
@@ -10875,7 +10896,7 @@
         </p:sp>
         <p:sp>
           <p:nvSpPr>
-            <p:cNvPr id="185" name="Google Shape;185;p22"/>
+            <p:cNvPr id="185" name="Google Shape;185;p10"/>
             <p:cNvSpPr/>
             <p:nvPr/>
           </p:nvSpPr>
@@ -10924,7 +10945,15 @@
                 <a:buNone/>
               </a:pPr>
               <a:r>
-                <a:rPr b="1" lang="en"/>
+                <a:rPr b="1" i="0" lang="en" sz="1400" u="none" cap="none" strike="noStrike">
+                  <a:solidFill>
+                    <a:srgbClr val="000000"/>
+                  </a:solidFill>
+                  <a:latin typeface="Arial"/>
+                  <a:ea typeface="Arial"/>
+                  <a:cs typeface="Arial"/>
+                  <a:sym typeface="Arial"/>
+                </a:rPr>
                 <a:t>TestManager</a:t>
               </a:r>
               <a:endParaRPr b="1" i="0" sz="1400" u="none" cap="none" strike="noStrike">
@@ -10941,7 +10970,7 @@
         </p:sp>
         <p:sp>
           <p:nvSpPr>
-            <p:cNvPr id="186" name="Google Shape;186;p22"/>
+            <p:cNvPr id="186" name="Google Shape;186;p10"/>
             <p:cNvSpPr/>
             <p:nvPr/>
           </p:nvSpPr>
@@ -10972,7 +11001,7 @@
             </a:bodyPr>
             <a:lstStyle/>
             <a:p>
-              <a:pPr indent="-121918" lvl="0" marL="182880" marR="0" rtl="0" algn="l">
+              <a:pPr indent="-121917" lvl="0" marL="182880" marR="0" rtl="0" algn="l">
                 <a:lnSpc>
                   <a:spcPct val="100000"/>
                 </a:lnSpc>
@@ -10982,17 +11011,37 @@
                 <a:spcAft>
                   <a:spcPts val="0"/>
                 </a:spcAft>
+                <a:buClr>
+                  <a:srgbClr val="000000"/>
+                </a:buClr>
                 <a:buSzPts val="1200"/>
+                <a:buFont typeface="Arial"/>
                 <a:buChar char="●"/>
               </a:pPr>
               <a:r>
-                <a:rPr lang="en" sz="1200"/>
+                <a:rPr b="0" i="0" lang="en" sz="1200" u="none" cap="none" strike="noStrike">
+                  <a:solidFill>
+                    <a:srgbClr val="000000"/>
+                  </a:solidFill>
+                  <a:latin typeface="Arial"/>
+                  <a:ea typeface="Arial"/>
+                  <a:cs typeface="Arial"/>
+                  <a:sym typeface="Arial"/>
+                </a:rPr>
                 <a:t>Create an exam</a:t>
               </a:r>
-              <a:endParaRPr sz="1200"/>
+              <a:endParaRPr b="0" i="0" sz="1200" u="none" cap="none" strike="noStrike">
+                <a:solidFill>
+                  <a:srgbClr val="000000"/>
+                </a:solidFill>
+                <a:latin typeface="Arial"/>
+                <a:ea typeface="Arial"/>
+                <a:cs typeface="Arial"/>
+                <a:sym typeface="Arial"/>
+              </a:endParaRPr>
             </a:p>
             <a:p>
-              <a:pPr indent="-121918" lvl="0" marL="182880" marR="0" rtl="0" algn="l">
+              <a:pPr indent="-121917" lvl="0" marL="182880" marR="0" rtl="0" algn="l">
                 <a:lnSpc>
                   <a:spcPct val="100000"/>
                 </a:lnSpc>
@@ -11002,17 +11051,37 @@
                 <a:spcAft>
                   <a:spcPts val="0"/>
                 </a:spcAft>
+                <a:buClr>
+                  <a:srgbClr val="000000"/>
+                </a:buClr>
                 <a:buSzPts val="1200"/>
+                <a:buFont typeface="Arial"/>
                 <a:buChar char="●"/>
               </a:pPr>
               <a:r>
-                <a:rPr lang="en" sz="1200"/>
+                <a:rPr b="0" i="0" lang="en" sz="1200" u="none" cap="none" strike="noStrike">
+                  <a:solidFill>
+                    <a:srgbClr val="000000"/>
+                  </a:solidFill>
+                  <a:latin typeface="Arial"/>
+                  <a:ea typeface="Arial"/>
+                  <a:cs typeface="Arial"/>
+                  <a:sym typeface="Arial"/>
+                </a:rPr>
                 <a:t>Get the test created by certain teacher</a:t>
               </a:r>
-              <a:endParaRPr sz="1200"/>
+              <a:endParaRPr b="0" i="0" sz="1200" u="none" cap="none" strike="noStrike">
+                <a:solidFill>
+                  <a:srgbClr val="000000"/>
+                </a:solidFill>
+                <a:latin typeface="Arial"/>
+                <a:ea typeface="Arial"/>
+                <a:cs typeface="Arial"/>
+                <a:sym typeface="Arial"/>
+              </a:endParaRPr>
             </a:p>
             <a:p>
-              <a:pPr indent="-121918" lvl="0" marL="182880" marR="0" rtl="0" algn="l">
+              <a:pPr indent="-121917" lvl="0" marL="182880" marR="0" rtl="0" algn="l">
                 <a:lnSpc>
                   <a:spcPct val="100000"/>
                 </a:lnSpc>
@@ -11022,17 +11091,37 @@
                 <a:spcAft>
                   <a:spcPts val="0"/>
                 </a:spcAft>
+                <a:buClr>
+                  <a:srgbClr val="000000"/>
+                </a:buClr>
                 <a:buSzPts val="1200"/>
+                <a:buFont typeface="Arial"/>
                 <a:buChar char="●"/>
               </a:pPr>
               <a:r>
-                <a:rPr lang="en" sz="1200"/>
+                <a:rPr b="0" i="0" lang="en" sz="1200" u="none" cap="none" strike="noStrike">
+                  <a:solidFill>
+                    <a:srgbClr val="000000"/>
+                  </a:solidFill>
+                  <a:latin typeface="Arial"/>
+                  <a:ea typeface="Arial"/>
+                  <a:cs typeface="Arial"/>
+                  <a:sym typeface="Arial"/>
+                </a:rPr>
                 <a:t>Add question to a test</a:t>
               </a:r>
-              <a:endParaRPr sz="1200"/>
+              <a:endParaRPr b="0" i="0" sz="1200" u="none" cap="none" strike="noStrike">
+                <a:solidFill>
+                  <a:srgbClr val="000000"/>
+                </a:solidFill>
+                <a:latin typeface="Arial"/>
+                <a:ea typeface="Arial"/>
+                <a:cs typeface="Arial"/>
+                <a:sym typeface="Arial"/>
+              </a:endParaRPr>
             </a:p>
             <a:p>
-              <a:pPr indent="-121918" lvl="0" marL="182880" marR="0" rtl="0" algn="l">
+              <a:pPr indent="-121917" lvl="0" marL="182880" marR="0" rtl="0" algn="l">
                 <a:lnSpc>
                   <a:spcPct val="100000"/>
                 </a:lnSpc>
@@ -11042,17 +11131,37 @@
                 <a:spcAft>
                   <a:spcPts val="0"/>
                 </a:spcAft>
+                <a:buClr>
+                  <a:srgbClr val="000000"/>
+                </a:buClr>
                 <a:buSzPts val="1200"/>
+                <a:buFont typeface="Arial"/>
                 <a:buChar char="●"/>
               </a:pPr>
               <a:r>
-                <a:rPr lang="en" sz="1200"/>
+                <a:rPr b="0" i="0" lang="en" sz="1200" u="none" cap="none" strike="noStrike">
+                  <a:solidFill>
+                    <a:srgbClr val="000000"/>
+                  </a:solidFill>
+                  <a:latin typeface="Arial"/>
+                  <a:ea typeface="Arial"/>
+                  <a:cs typeface="Arial"/>
+                  <a:sym typeface="Arial"/>
+                </a:rPr>
                 <a:t>Remove question to a test</a:t>
               </a:r>
-              <a:endParaRPr sz="1200"/>
+              <a:endParaRPr b="0" i="0" sz="1200" u="none" cap="none" strike="noStrike">
+                <a:solidFill>
+                  <a:srgbClr val="000000"/>
+                </a:solidFill>
+                <a:latin typeface="Arial"/>
+                <a:ea typeface="Arial"/>
+                <a:cs typeface="Arial"/>
+                <a:sym typeface="Arial"/>
+              </a:endParaRPr>
             </a:p>
             <a:p>
-              <a:pPr indent="-121918" lvl="0" marL="182880" marR="0" rtl="0" algn="l">
+              <a:pPr indent="-121917" lvl="0" marL="182880" marR="0" rtl="0" algn="l">
                 <a:lnSpc>
                   <a:spcPct val="100000"/>
                 </a:lnSpc>
@@ -11062,20 +11171,40 @@
                 <a:spcAft>
                   <a:spcPts val="0"/>
                 </a:spcAft>
+                <a:buClr>
+                  <a:srgbClr val="000000"/>
+                </a:buClr>
                 <a:buSzPts val="1200"/>
+                <a:buFont typeface="Arial"/>
                 <a:buChar char="●"/>
               </a:pPr>
               <a:r>
-                <a:rPr lang="en" sz="1200"/>
+                <a:rPr b="0" i="0" lang="en" sz="1200" u="none" cap="none" strike="noStrike">
+                  <a:solidFill>
+                    <a:srgbClr val="000000"/>
+                  </a:solidFill>
+                  <a:latin typeface="Arial"/>
+                  <a:ea typeface="Arial"/>
+                  <a:cs typeface="Arial"/>
+                  <a:sym typeface="Arial"/>
+                </a:rPr>
                 <a:t>Grade a test</a:t>
               </a:r>
-              <a:endParaRPr sz="1200"/>
+              <a:endParaRPr b="0" i="0" sz="1200" u="none" cap="none" strike="noStrike">
+                <a:solidFill>
+                  <a:srgbClr val="000000"/>
+                </a:solidFill>
+                <a:latin typeface="Arial"/>
+                <a:ea typeface="Arial"/>
+                <a:cs typeface="Arial"/>
+                <a:sym typeface="Arial"/>
+              </a:endParaRPr>
             </a:p>
           </p:txBody>
         </p:sp>
         <p:sp>
           <p:nvSpPr>
-            <p:cNvPr id="187" name="Google Shape;187;p22"/>
+            <p:cNvPr id="187" name="Google Shape;187;p10"/>
             <p:cNvSpPr/>
             <p:nvPr/>
           </p:nvSpPr>
@@ -11124,10 +11253,26 @@
                 <a:buNone/>
               </a:pPr>
               <a:r>
-                <a:rPr lang="en" sz="1200"/>
+                <a:rPr b="0" i="0" lang="en" sz="1200" u="none" cap="none" strike="noStrike">
+                  <a:solidFill>
+                    <a:srgbClr val="000000"/>
+                  </a:solidFill>
+                  <a:latin typeface="Arial"/>
+                  <a:ea typeface="Arial"/>
+                  <a:cs typeface="Arial"/>
+                  <a:sym typeface="Arial"/>
+                </a:rPr>
                 <a:t>Test</a:t>
               </a:r>
-              <a:endParaRPr sz="1200"/>
+              <a:endParaRPr b="0" i="0" sz="1200" u="none" cap="none" strike="noStrike">
+                <a:solidFill>
+                  <a:srgbClr val="000000"/>
+                </a:solidFill>
+                <a:latin typeface="Arial"/>
+                <a:ea typeface="Arial"/>
+                <a:cs typeface="Arial"/>
+                <a:sym typeface="Arial"/>
+              </a:endParaRPr>
             </a:p>
             <a:p>
               <a:pPr indent="0" lvl="0" marL="0" marR="0" rtl="0" algn="l">
@@ -11148,10 +11293,26 @@
                 <a:buNone/>
               </a:pPr>
               <a:r>
-                <a:rPr lang="en" sz="1200"/>
+                <a:rPr b="0" i="0" lang="en" sz="1200" u="none" cap="none" strike="noStrike">
+                  <a:solidFill>
+                    <a:srgbClr val="000000"/>
+                  </a:solidFill>
+                  <a:latin typeface="Arial"/>
+                  <a:ea typeface="Arial"/>
+                  <a:cs typeface="Arial"/>
+                  <a:sym typeface="Arial"/>
+                </a:rPr>
                 <a:t>teacher</a:t>
               </a:r>
-              <a:endParaRPr sz="1200"/>
+              <a:endParaRPr b="0" i="0" sz="1200" u="none" cap="none" strike="noStrike">
+                <a:solidFill>
+                  <a:srgbClr val="000000"/>
+                </a:solidFill>
+                <a:latin typeface="Arial"/>
+                <a:ea typeface="Arial"/>
+                <a:cs typeface="Arial"/>
+                <a:sym typeface="Arial"/>
+              </a:endParaRPr>
             </a:p>
             <a:p>
               <a:pPr indent="0" lvl="0" marL="0" marR="0" rtl="0" algn="l">
@@ -11172,17 +11333,33 @@
                 <a:buNone/>
               </a:pPr>
               <a:r>
-                <a:rPr lang="en" sz="1200"/>
+                <a:rPr b="0" i="0" lang="en" sz="1200" u="none" cap="none" strike="noStrike">
+                  <a:solidFill>
+                    <a:srgbClr val="000000"/>
+                  </a:solidFill>
+                  <a:latin typeface="Arial"/>
+                  <a:ea typeface="Arial"/>
+                  <a:cs typeface="Arial"/>
+                  <a:sym typeface="Arial"/>
+                </a:rPr>
                 <a:t>student</a:t>
               </a:r>
-              <a:endParaRPr sz="1200"/>
+              <a:endParaRPr b="0" i="0" sz="1200" u="none" cap="none" strike="noStrike">
+                <a:solidFill>
+                  <a:srgbClr val="000000"/>
+                </a:solidFill>
+                <a:latin typeface="Arial"/>
+                <a:ea typeface="Arial"/>
+                <a:cs typeface="Arial"/>
+                <a:sym typeface="Arial"/>
+              </a:endParaRPr>
             </a:p>
           </p:txBody>
         </p:sp>
       </p:grpSp>
       <p:sp>
         <p:nvSpPr>
-          <p:cNvPr id="188" name="Google Shape;188;p22"/>
+          <p:cNvPr id="188" name="Google Shape;188;p10"/>
           <p:cNvSpPr txBox="1"/>
           <p:nvPr>
             <p:ph idx="4294967295" type="title"/>
@@ -11255,7 +11432,7 @@
       </p:grpSpPr>
       <p:grpSp>
         <p:nvGrpSpPr>
-          <p:cNvPr id="193" name="Google Shape;193;p23"/>
+          <p:cNvPr id="193" name="Google Shape;193;p11"/>
           <p:cNvGrpSpPr/>
           <p:nvPr/>
         </p:nvGrpSpPr>
@@ -11269,7 +11446,7 @@
         </p:grpSpPr>
         <p:sp>
           <p:nvSpPr>
-            <p:cNvPr id="194" name="Google Shape;194;p23"/>
+            <p:cNvPr id="194" name="Google Shape;194;p11"/>
             <p:cNvSpPr/>
             <p:nvPr/>
           </p:nvSpPr>
@@ -11334,7 +11511,7 @@
         </p:sp>
         <p:sp>
           <p:nvSpPr>
-            <p:cNvPr id="195" name="Google Shape;195;p23"/>
+            <p:cNvPr id="195" name="Google Shape;195;p11"/>
             <p:cNvSpPr/>
             <p:nvPr/>
           </p:nvSpPr>
@@ -11383,7 +11560,15 @@
                 <a:buNone/>
               </a:pPr>
               <a:r>
-                <a:rPr b="1" lang="en"/>
+                <a:rPr b="1" i="0" lang="en" sz="1400" u="none" cap="none" strike="noStrike">
+                  <a:solidFill>
+                    <a:srgbClr val="000000"/>
+                  </a:solidFill>
+                  <a:latin typeface="Arial"/>
+                  <a:ea typeface="Arial"/>
+                  <a:cs typeface="Arial"/>
+                  <a:sym typeface="Arial"/>
+                </a:rPr>
                 <a:t>Group</a:t>
               </a:r>
               <a:endParaRPr b="1" i="0" sz="1400" u="none" cap="none" strike="noStrike">
@@ -11400,7 +11585,7 @@
         </p:sp>
         <p:sp>
           <p:nvSpPr>
-            <p:cNvPr id="196" name="Google Shape;196;p23"/>
+            <p:cNvPr id="196" name="Google Shape;196;p11"/>
             <p:cNvSpPr/>
             <p:nvPr/>
           </p:nvSpPr>
@@ -11431,7 +11616,7 @@
             </a:bodyPr>
             <a:lstStyle/>
             <a:p>
-              <a:pPr indent="-121918" lvl="0" marL="182880" marR="0" rtl="0" algn="l">
+              <a:pPr indent="-121917" lvl="0" marL="182880" marR="0" rtl="0" algn="l">
                 <a:lnSpc>
                   <a:spcPct val="100000"/>
                 </a:lnSpc>
@@ -11441,17 +11626,37 @@
                 <a:spcAft>
                   <a:spcPts val="0"/>
                 </a:spcAft>
+                <a:buClr>
+                  <a:srgbClr val="000000"/>
+                </a:buClr>
                 <a:buSzPts val="1200"/>
+                <a:buFont typeface="Arial"/>
                 <a:buChar char="●"/>
               </a:pPr>
               <a:r>
-                <a:rPr lang="en" sz="1200"/>
+                <a:rPr b="0" i="0" lang="en" sz="1200" u="none" cap="none" strike="noStrike">
+                  <a:solidFill>
+                    <a:srgbClr val="000000"/>
+                  </a:solidFill>
+                  <a:latin typeface="Arial"/>
+                  <a:ea typeface="Arial"/>
+                  <a:cs typeface="Arial"/>
+                  <a:sym typeface="Arial"/>
+                </a:rPr>
                 <a:t>Store teacher who build it</a:t>
               </a:r>
-              <a:endParaRPr sz="1200"/>
+              <a:endParaRPr b="0" i="0" sz="1200" u="none" cap="none" strike="noStrike">
+                <a:solidFill>
+                  <a:srgbClr val="000000"/>
+                </a:solidFill>
+                <a:latin typeface="Arial"/>
+                <a:ea typeface="Arial"/>
+                <a:cs typeface="Arial"/>
+                <a:sym typeface="Arial"/>
+              </a:endParaRPr>
             </a:p>
             <a:p>
-              <a:pPr indent="-121918" lvl="0" marL="182880" marR="0" rtl="0" algn="l">
+              <a:pPr indent="-121917" lvl="0" marL="182880" marR="0" rtl="0" algn="l">
                 <a:lnSpc>
                   <a:spcPct val="100000"/>
                 </a:lnSpc>
@@ -11461,17 +11666,37 @@
                 <a:spcAft>
                   <a:spcPts val="0"/>
                 </a:spcAft>
+                <a:buClr>
+                  <a:srgbClr val="000000"/>
+                </a:buClr>
                 <a:buSzPts val="1200"/>
+                <a:buFont typeface="Arial"/>
                 <a:buChar char="●"/>
               </a:pPr>
               <a:r>
-                <a:rPr lang="en" sz="1200"/>
+                <a:rPr b="0" i="0" lang="en" sz="1200" u="none" cap="none" strike="noStrike">
+                  <a:solidFill>
+                    <a:srgbClr val="000000"/>
+                  </a:solidFill>
+                  <a:latin typeface="Arial"/>
+                  <a:ea typeface="Arial"/>
+                  <a:cs typeface="Arial"/>
+                  <a:sym typeface="Arial"/>
+                </a:rPr>
                 <a:t>Store a list of students</a:t>
               </a:r>
-              <a:endParaRPr sz="1200"/>
+              <a:endParaRPr b="0" i="0" sz="1200" u="none" cap="none" strike="noStrike">
+                <a:solidFill>
+                  <a:srgbClr val="000000"/>
+                </a:solidFill>
+                <a:latin typeface="Arial"/>
+                <a:ea typeface="Arial"/>
+                <a:cs typeface="Arial"/>
+                <a:sym typeface="Arial"/>
+              </a:endParaRPr>
             </a:p>
             <a:p>
-              <a:pPr indent="-121918" lvl="0" marL="182880" marR="0" rtl="0" algn="l">
+              <a:pPr indent="-121917" lvl="0" marL="182880" marR="0" rtl="0" algn="l">
                 <a:lnSpc>
                   <a:spcPct val="100000"/>
                 </a:lnSpc>
@@ -11481,17 +11706,37 @@
                 <a:spcAft>
                   <a:spcPts val="0"/>
                 </a:spcAft>
+                <a:buClr>
+                  <a:srgbClr val="000000"/>
+                </a:buClr>
                 <a:buSzPts val="1200"/>
+                <a:buFont typeface="Arial"/>
                 <a:buChar char="●"/>
               </a:pPr>
               <a:r>
-                <a:rPr lang="en" sz="1200"/>
+                <a:rPr b="0" i="0" lang="en" sz="1200" u="none" cap="none" strike="noStrike">
+                  <a:solidFill>
+                    <a:srgbClr val="000000"/>
+                  </a:solidFill>
+                  <a:latin typeface="Arial"/>
+                  <a:ea typeface="Arial"/>
+                  <a:cs typeface="Arial"/>
+                  <a:sym typeface="Arial"/>
+                </a:rPr>
                 <a:t>Store the group ID</a:t>
               </a:r>
-              <a:endParaRPr sz="1200"/>
+              <a:endParaRPr b="0" i="0" sz="1200" u="none" cap="none" strike="noStrike">
+                <a:solidFill>
+                  <a:srgbClr val="000000"/>
+                </a:solidFill>
+                <a:latin typeface="Arial"/>
+                <a:ea typeface="Arial"/>
+                <a:cs typeface="Arial"/>
+                <a:sym typeface="Arial"/>
+              </a:endParaRPr>
             </a:p>
             <a:p>
-              <a:pPr indent="-121918" lvl="0" marL="182880" marR="0" rtl="0" algn="l">
+              <a:pPr indent="-121917" lvl="0" marL="182880" marR="0" rtl="0" algn="l">
                 <a:lnSpc>
                   <a:spcPct val="100000"/>
                 </a:lnSpc>
@@ -11501,17 +11746,37 @@
                 <a:spcAft>
                   <a:spcPts val="0"/>
                 </a:spcAft>
+                <a:buClr>
+                  <a:srgbClr val="000000"/>
+                </a:buClr>
                 <a:buSzPts val="1200"/>
+                <a:buFont typeface="Arial"/>
                 <a:buChar char="●"/>
               </a:pPr>
               <a:r>
-                <a:rPr lang="en" sz="1200"/>
+                <a:rPr b="0" i="0" lang="en" sz="1200" u="none" cap="none" strike="noStrike">
+                  <a:solidFill>
+                    <a:srgbClr val="000000"/>
+                  </a:solidFill>
+                  <a:latin typeface="Arial"/>
+                  <a:ea typeface="Arial"/>
+                  <a:cs typeface="Arial"/>
+                  <a:sym typeface="Arial"/>
+                </a:rPr>
                 <a:t>Store the group name</a:t>
               </a:r>
-              <a:endParaRPr sz="1200"/>
+              <a:endParaRPr b="0" i="0" sz="1200" u="none" cap="none" strike="noStrike">
+                <a:solidFill>
+                  <a:srgbClr val="000000"/>
+                </a:solidFill>
+                <a:latin typeface="Arial"/>
+                <a:ea typeface="Arial"/>
+                <a:cs typeface="Arial"/>
+                <a:sym typeface="Arial"/>
+              </a:endParaRPr>
             </a:p>
             <a:p>
-              <a:pPr indent="-121918" lvl="0" marL="182880" marR="0" rtl="0" algn="l">
+              <a:pPr indent="-121917" lvl="0" marL="182880" marR="0" rtl="0" algn="l">
                 <a:lnSpc>
                   <a:spcPct val="100000"/>
                 </a:lnSpc>
@@ -11521,17 +11786,37 @@
                 <a:spcAft>
                   <a:spcPts val="0"/>
                 </a:spcAft>
+                <a:buClr>
+                  <a:srgbClr val="000000"/>
+                </a:buClr>
                 <a:buSzPts val="1200"/>
+                <a:buFont typeface="Arial"/>
                 <a:buChar char="●"/>
               </a:pPr>
               <a:r>
-                <a:rPr lang="en" sz="1200"/>
+                <a:rPr b="0" i="0" lang="en" sz="1200" u="none" cap="none" strike="noStrike">
+                  <a:solidFill>
+                    <a:srgbClr val="000000"/>
+                  </a:solidFill>
+                  <a:latin typeface="Arial"/>
+                  <a:ea typeface="Arial"/>
+                  <a:cs typeface="Arial"/>
+                  <a:sym typeface="Arial"/>
+                </a:rPr>
                 <a:t>Store Number of group members</a:t>
               </a:r>
-              <a:endParaRPr sz="1200"/>
+              <a:endParaRPr b="0" i="0" sz="1200" u="none" cap="none" strike="noStrike">
+                <a:solidFill>
+                  <a:srgbClr val="000000"/>
+                </a:solidFill>
+                <a:latin typeface="Arial"/>
+                <a:ea typeface="Arial"/>
+                <a:cs typeface="Arial"/>
+                <a:sym typeface="Arial"/>
+              </a:endParaRPr>
             </a:p>
             <a:p>
-              <a:pPr indent="-121918" lvl="0" marL="182880" marR="0" rtl="0" algn="l">
+              <a:pPr indent="-121917" lvl="0" marL="182880" marR="0" rtl="0" algn="l">
                 <a:lnSpc>
                   <a:spcPct val="100000"/>
                 </a:lnSpc>
@@ -11541,21 +11826,41 @@
                 <a:spcAft>
                   <a:spcPts val="0"/>
                 </a:spcAft>
+                <a:buClr>
+                  <a:srgbClr val="000000"/>
+                </a:buClr>
                 <a:buSzPts val="1200"/>
+                <a:buFont typeface="Arial"/>
                 <a:buChar char="●"/>
               </a:pPr>
               <a:r>
-                <a:rPr lang="en" sz="1200"/>
+                <a:rPr b="0" i="0" lang="en" sz="1200" u="none" cap="none" strike="noStrike">
+                  <a:solidFill>
+                    <a:srgbClr val="000000"/>
+                  </a:solidFill>
+                  <a:latin typeface="Arial"/>
+                  <a:ea typeface="Arial"/>
+                  <a:cs typeface="Arial"/>
+                  <a:sym typeface="Arial"/>
+                </a:rPr>
                 <a:t>Store some tests with corresponding answers</a:t>
               </a:r>
-              <a:endParaRPr sz="1200"/>
+              <a:endParaRPr b="0" i="0" sz="1200" u="none" cap="none" strike="noStrike">
+                <a:solidFill>
+                  <a:srgbClr val="000000"/>
+                </a:solidFill>
+                <a:latin typeface="Arial"/>
+                <a:ea typeface="Arial"/>
+                <a:cs typeface="Arial"/>
+                <a:sym typeface="Arial"/>
+              </a:endParaRPr>
             </a:p>
           </p:txBody>
         </p:sp>
       </p:grpSp>
       <p:sp>
         <p:nvSpPr>
-          <p:cNvPr id="197" name="Google Shape;197;p23"/>
+          <p:cNvPr id="197" name="Google Shape;197;p11"/>
           <p:cNvSpPr txBox="1"/>
           <p:nvPr>
             <p:ph idx="4294967295" type="title"/>
@@ -11603,7 +11908,7 @@
       </p:sp>
       <p:sp>
         <p:nvSpPr>
-          <p:cNvPr id="198" name="Google Shape;198;p23"/>
+          <p:cNvPr id="198" name="Google Shape;198;p11"/>
           <p:cNvSpPr txBox="1"/>
           <p:nvPr/>
         </p:nvSpPr>
@@ -11626,52 +11931,124 @@
           </a:bodyPr>
           <a:lstStyle/>
           <a:p>
-            <a:pPr indent="0" lvl="0" marL="0" rtl="0" algn="l">
-              <a:spcBef>
-                <a:spcPts val="0"/>
-              </a:spcBef>
-              <a:spcAft>
-                <a:spcPts val="0"/>
-              </a:spcAft>
+            <a:pPr indent="0" lvl="0" marL="0" marR="0" rtl="0" algn="l">
+              <a:lnSpc>
+                <a:spcPct val="100000"/>
+              </a:lnSpc>
+              <a:spcBef>
+                <a:spcPts val="0"/>
+              </a:spcBef>
+              <a:spcAft>
+                <a:spcPts val="0"/>
+              </a:spcAft>
+              <a:buClr>
+                <a:srgbClr val="000000"/>
+              </a:buClr>
+              <a:buSzPts val="1400"/>
+              <a:buFont typeface="Arial"/>
               <a:buNone/>
             </a:pPr>
             <a:r>
-              <a:rPr lang="en"/>
+              <a:rPr b="0" i="0" lang="en" sz="1400" u="none" cap="none" strike="noStrike">
+                <a:solidFill>
+                  <a:srgbClr val="000000"/>
+                </a:solidFill>
+                <a:latin typeface="Arial"/>
+                <a:ea typeface="Arial"/>
+                <a:cs typeface="Arial"/>
+                <a:sym typeface="Arial"/>
+              </a:rPr>
               <a:t>Teacher</a:t>
             </a:r>
-            <a:endParaRPr/>
+            <a:endParaRPr b="0" i="0" sz="1400" u="none" cap="none" strike="noStrike">
+              <a:solidFill>
+                <a:srgbClr val="000000"/>
+              </a:solidFill>
+              <a:latin typeface="Arial"/>
+              <a:ea typeface="Arial"/>
+              <a:cs typeface="Arial"/>
+              <a:sym typeface="Arial"/>
+            </a:endParaRPr>
           </a:p>
           <a:p>
-            <a:pPr indent="0" lvl="0" marL="0" rtl="0" algn="l">
-              <a:spcBef>
-                <a:spcPts val="0"/>
-              </a:spcBef>
-              <a:spcAft>
-                <a:spcPts val="0"/>
-              </a:spcAft>
+            <a:pPr indent="0" lvl="0" marL="0" marR="0" rtl="0" algn="l">
+              <a:lnSpc>
+                <a:spcPct val="100000"/>
+              </a:lnSpc>
+              <a:spcBef>
+                <a:spcPts val="0"/>
+              </a:spcBef>
+              <a:spcAft>
+                <a:spcPts val="0"/>
+              </a:spcAft>
+              <a:buClr>
+                <a:srgbClr val="000000"/>
+              </a:buClr>
+              <a:buSzPts val="1400"/>
+              <a:buFont typeface="Arial"/>
               <a:buNone/>
             </a:pPr>
             <a:r>
-              <a:rPr lang="en"/>
+              <a:rPr b="0" i="0" lang="en" sz="1400" u="none" cap="none" strike="noStrike">
+                <a:solidFill>
+                  <a:srgbClr val="000000"/>
+                </a:solidFill>
+                <a:latin typeface="Arial"/>
+                <a:ea typeface="Arial"/>
+                <a:cs typeface="Arial"/>
+                <a:sym typeface="Arial"/>
+              </a:rPr>
               <a:t>Student</a:t>
             </a:r>
-            <a:endParaRPr/>
+            <a:endParaRPr b="0" i="0" sz="1400" u="none" cap="none" strike="noStrike">
+              <a:solidFill>
+                <a:srgbClr val="000000"/>
+              </a:solidFill>
+              <a:latin typeface="Arial"/>
+              <a:ea typeface="Arial"/>
+              <a:cs typeface="Arial"/>
+              <a:sym typeface="Arial"/>
+            </a:endParaRPr>
           </a:p>
           <a:p>
-            <a:pPr indent="0" lvl="0" marL="0" rtl="0" algn="l">
-              <a:spcBef>
-                <a:spcPts val="0"/>
-              </a:spcBef>
-              <a:spcAft>
-                <a:spcPts val="0"/>
-              </a:spcAft>
+            <a:pPr indent="0" lvl="0" marL="0" marR="0" rtl="0" algn="l">
+              <a:lnSpc>
+                <a:spcPct val="100000"/>
+              </a:lnSpc>
+              <a:spcBef>
+                <a:spcPts val="0"/>
+              </a:spcBef>
+              <a:spcAft>
+                <a:spcPts val="0"/>
+              </a:spcAft>
+              <a:buClr>
+                <a:srgbClr val="000000"/>
+              </a:buClr>
+              <a:buSzPts val="1400"/>
+              <a:buFont typeface="Arial"/>
               <a:buNone/>
             </a:pPr>
             <a:r>
-              <a:rPr lang="en"/>
+              <a:rPr b="0" i="0" lang="en" sz="1400" u="none" cap="none" strike="noStrike">
+                <a:solidFill>
+                  <a:srgbClr val="000000"/>
+                </a:solidFill>
+                <a:latin typeface="Arial"/>
+                <a:ea typeface="Arial"/>
+                <a:cs typeface="Arial"/>
+                <a:sym typeface="Arial"/>
+              </a:rPr>
               <a:t>Tests</a:t>
             </a:r>
-            <a:endParaRPr/>
+            <a:endParaRPr b="0" i="0" sz="1400" u="none" cap="none" strike="noStrike">
+              <a:solidFill>
+                <a:srgbClr val="000000"/>
+              </a:solidFill>
+              <a:latin typeface="Arial"/>
+              <a:ea typeface="Arial"/>
+              <a:cs typeface="Arial"/>
+              <a:sym typeface="Arial"/>
+            </a:endParaRPr>
           </a:p>
         </p:txBody>
       </p:sp>
@@ -11702,7 +12079,7 @@
       </p:grpSpPr>
       <p:grpSp>
         <p:nvGrpSpPr>
-          <p:cNvPr id="203" name="Google Shape;203;p24"/>
+          <p:cNvPr id="203" name="Google Shape;203;p12"/>
           <p:cNvGrpSpPr/>
           <p:nvPr/>
         </p:nvGrpSpPr>
@@ -11716,7 +12093,7 @@
         </p:grpSpPr>
         <p:sp>
           <p:nvSpPr>
-            <p:cNvPr id="204" name="Google Shape;204;p24"/>
+            <p:cNvPr id="204" name="Google Shape;204;p12"/>
             <p:cNvSpPr/>
             <p:nvPr/>
           </p:nvSpPr>
@@ -11781,7 +12158,7 @@
         </p:sp>
         <p:sp>
           <p:nvSpPr>
-            <p:cNvPr id="205" name="Google Shape;205;p24"/>
+            <p:cNvPr id="205" name="Google Shape;205;p12"/>
             <p:cNvSpPr/>
             <p:nvPr/>
           </p:nvSpPr>
@@ -11830,7 +12207,15 @@
                 <a:buNone/>
               </a:pPr>
               <a:r>
-                <a:rPr b="1" lang="en"/>
+                <a:rPr b="1" i="0" lang="en" sz="1400" u="none" cap="none" strike="noStrike">
+                  <a:solidFill>
+                    <a:srgbClr val="000000"/>
+                  </a:solidFill>
+                  <a:latin typeface="Arial"/>
+                  <a:ea typeface="Arial"/>
+                  <a:cs typeface="Arial"/>
+                  <a:sym typeface="Arial"/>
+                </a:rPr>
                 <a:t>GroupManager</a:t>
               </a:r>
               <a:endParaRPr b="1" i="0" sz="1400" u="none" cap="none" strike="noStrike">
@@ -11847,7 +12232,7 @@
         </p:sp>
         <p:sp>
           <p:nvSpPr>
-            <p:cNvPr id="206" name="Google Shape;206;p24"/>
+            <p:cNvPr id="206" name="Google Shape;206;p12"/>
             <p:cNvSpPr/>
             <p:nvPr/>
           </p:nvSpPr>
@@ -11904,7 +12289,7 @@
         </p:sp>
         <p:sp>
           <p:nvSpPr>
-            <p:cNvPr id="207" name="Google Shape;207;p24"/>
+            <p:cNvPr id="207" name="Google Shape;207;p12"/>
             <p:cNvSpPr/>
             <p:nvPr/>
           </p:nvSpPr>
@@ -11945,15 +12330,28 @@
                 <a:spcAft>
                   <a:spcPts val="0"/>
                 </a:spcAft>
+                <a:buClr>
+                  <a:srgbClr val="000000"/>
+                </a:buClr>
+                <a:buSzPts val="1200"/>
+                <a:buFont typeface="Arial"/>
                 <a:buNone/>
               </a:pPr>
               <a:r>
                 <a:t/>
               </a:r>
-              <a:endParaRPr sz="1200"/>
+              <a:endParaRPr b="0" i="0" sz="1200" u="none" cap="none" strike="noStrike">
+                <a:solidFill>
+                  <a:srgbClr val="000000"/>
+                </a:solidFill>
+                <a:latin typeface="Arial"/>
+                <a:ea typeface="Arial"/>
+                <a:cs typeface="Arial"/>
+                <a:sym typeface="Arial"/>
+              </a:endParaRPr>
             </a:p>
             <a:p>
-              <a:pPr indent="-121918" lvl="0" marL="182880" marR="0" rtl="0" algn="l">
+              <a:pPr indent="-121917" lvl="0" marL="182880" marR="0" rtl="0" algn="l">
                 <a:lnSpc>
                   <a:spcPct val="100000"/>
                 </a:lnSpc>
@@ -11963,17 +12361,37 @@
                 <a:spcAft>
                   <a:spcPts val="0"/>
                 </a:spcAft>
+                <a:buClr>
+                  <a:srgbClr val="000000"/>
+                </a:buClr>
                 <a:buSzPts val="1200"/>
+                <a:buFont typeface="Arial"/>
                 <a:buChar char="●"/>
               </a:pPr>
               <a:r>
-                <a:rPr lang="en" sz="1200"/>
+                <a:rPr b="0" i="0" lang="en" sz="1200" u="none" cap="none" strike="noStrike">
+                  <a:solidFill>
+                    <a:srgbClr val="000000"/>
+                  </a:solidFill>
+                  <a:latin typeface="Arial"/>
+                  <a:ea typeface="Arial"/>
+                  <a:cs typeface="Arial"/>
+                  <a:sym typeface="Arial"/>
+                </a:rPr>
                 <a:t>Create a group</a:t>
               </a:r>
-              <a:endParaRPr sz="1200"/>
+              <a:endParaRPr b="0" i="0" sz="1200" u="none" cap="none" strike="noStrike">
+                <a:solidFill>
+                  <a:srgbClr val="000000"/>
+                </a:solidFill>
+                <a:latin typeface="Arial"/>
+                <a:ea typeface="Arial"/>
+                <a:cs typeface="Arial"/>
+                <a:sym typeface="Arial"/>
+              </a:endParaRPr>
             </a:p>
             <a:p>
-              <a:pPr indent="-121918" lvl="0" marL="182880" marR="0" rtl="0" algn="l">
+              <a:pPr indent="-121917" lvl="0" marL="182880" marR="0" rtl="0" algn="l">
                 <a:lnSpc>
                   <a:spcPct val="100000"/>
                 </a:lnSpc>
@@ -11983,17 +12401,37 @@
                 <a:spcAft>
                   <a:spcPts val="0"/>
                 </a:spcAft>
+                <a:buClr>
+                  <a:srgbClr val="000000"/>
+                </a:buClr>
                 <a:buSzPts val="1200"/>
+                <a:buFont typeface="Arial"/>
                 <a:buChar char="●"/>
               </a:pPr>
               <a:r>
-                <a:rPr lang="en" sz="1200"/>
+                <a:rPr b="0" i="0" lang="en" sz="1200" u="none" cap="none" strike="noStrike">
+                  <a:solidFill>
+                    <a:srgbClr val="000000"/>
+                  </a:solidFill>
+                  <a:latin typeface="Arial"/>
+                  <a:ea typeface="Arial"/>
+                  <a:cs typeface="Arial"/>
+                  <a:sym typeface="Arial"/>
+                </a:rPr>
                 <a:t>Add students to certain group</a:t>
               </a:r>
-              <a:endParaRPr sz="1200"/>
+              <a:endParaRPr b="0" i="0" sz="1200" u="none" cap="none" strike="noStrike">
+                <a:solidFill>
+                  <a:srgbClr val="000000"/>
+                </a:solidFill>
+                <a:latin typeface="Arial"/>
+                <a:ea typeface="Arial"/>
+                <a:cs typeface="Arial"/>
+                <a:sym typeface="Arial"/>
+              </a:endParaRPr>
             </a:p>
             <a:p>
-              <a:pPr indent="-121918" lvl="0" marL="182880" marR="0" rtl="0" algn="l">
+              <a:pPr indent="-121917" lvl="0" marL="182880" marR="0" rtl="0" algn="l">
                 <a:lnSpc>
                   <a:spcPct val="100000"/>
                 </a:lnSpc>
@@ -12003,20 +12441,40 @@
                 <a:spcAft>
                   <a:spcPts val="0"/>
                 </a:spcAft>
+                <a:buClr>
+                  <a:srgbClr val="000000"/>
+                </a:buClr>
                 <a:buSzPts val="1200"/>
+                <a:buFont typeface="Arial"/>
                 <a:buChar char="●"/>
               </a:pPr>
               <a:r>
-                <a:rPr lang="en" sz="1200"/>
+                <a:rPr b="0" i="0" lang="en" sz="1200" u="none" cap="none" strike="noStrike">
+                  <a:solidFill>
+                    <a:srgbClr val="000000"/>
+                  </a:solidFill>
+                  <a:latin typeface="Arial"/>
+                  <a:ea typeface="Arial"/>
+                  <a:cs typeface="Arial"/>
+                  <a:sym typeface="Arial"/>
+                </a:rPr>
                 <a:t>Get the list of groups created by certain teacher</a:t>
               </a:r>
-              <a:endParaRPr sz="1200"/>
+              <a:endParaRPr b="0" i="0" sz="1200" u="none" cap="none" strike="noStrike">
+                <a:solidFill>
+                  <a:srgbClr val="000000"/>
+                </a:solidFill>
+                <a:latin typeface="Arial"/>
+                <a:ea typeface="Arial"/>
+                <a:cs typeface="Arial"/>
+                <a:sym typeface="Arial"/>
+              </a:endParaRPr>
             </a:p>
           </p:txBody>
         </p:sp>
         <p:sp>
           <p:nvSpPr>
-            <p:cNvPr id="208" name="Google Shape;208;p24"/>
+            <p:cNvPr id="208" name="Google Shape;208;p12"/>
             <p:cNvSpPr/>
             <p:nvPr/>
           </p:nvSpPr>
@@ -12065,10 +12523,26 @@
                 <a:buNone/>
               </a:pPr>
               <a:r>
-                <a:rPr lang="en" sz="1200"/>
+                <a:rPr b="0" i="0" lang="en" sz="1200" u="none" cap="none" strike="noStrike">
+                  <a:solidFill>
+                    <a:srgbClr val="000000"/>
+                  </a:solidFill>
+                  <a:latin typeface="Arial"/>
+                  <a:ea typeface="Arial"/>
+                  <a:cs typeface="Arial"/>
+                  <a:sym typeface="Arial"/>
+                </a:rPr>
                 <a:t>Teacher</a:t>
               </a:r>
-              <a:endParaRPr sz="1200"/>
+              <a:endParaRPr b="0" i="0" sz="1200" u="none" cap="none" strike="noStrike">
+                <a:solidFill>
+                  <a:srgbClr val="000000"/>
+                </a:solidFill>
+                <a:latin typeface="Arial"/>
+                <a:ea typeface="Arial"/>
+                <a:cs typeface="Arial"/>
+                <a:sym typeface="Arial"/>
+              </a:endParaRPr>
             </a:p>
             <a:p>
               <a:pPr indent="0" lvl="0" marL="0" marR="0" rtl="0" algn="l">
@@ -12089,10 +12563,26 @@
                 <a:buNone/>
               </a:pPr>
               <a:r>
-                <a:rPr lang="en" sz="1200"/>
+                <a:rPr b="0" i="0" lang="en" sz="1200" u="none" cap="none" strike="noStrike">
+                  <a:solidFill>
+                    <a:srgbClr val="000000"/>
+                  </a:solidFill>
+                  <a:latin typeface="Arial"/>
+                  <a:ea typeface="Arial"/>
+                  <a:cs typeface="Arial"/>
+                  <a:sym typeface="Arial"/>
+                </a:rPr>
                 <a:t>Student</a:t>
               </a:r>
-              <a:endParaRPr sz="1200"/>
+              <a:endParaRPr b="0" i="0" sz="1200" u="none" cap="none" strike="noStrike">
+                <a:solidFill>
+                  <a:srgbClr val="000000"/>
+                </a:solidFill>
+                <a:latin typeface="Arial"/>
+                <a:ea typeface="Arial"/>
+                <a:cs typeface="Arial"/>
+                <a:sym typeface="Arial"/>
+              </a:endParaRPr>
             </a:p>
             <a:p>
               <a:pPr indent="0" lvl="0" marL="0" marR="0" rtl="0" algn="l">
@@ -12113,17 +12603,33 @@
                 <a:buNone/>
               </a:pPr>
               <a:r>
-                <a:rPr lang="en" sz="1200"/>
+                <a:rPr b="0" i="0" lang="en" sz="1200" u="none" cap="none" strike="noStrike">
+                  <a:solidFill>
+                    <a:srgbClr val="000000"/>
+                  </a:solidFill>
+                  <a:latin typeface="Arial"/>
+                  <a:ea typeface="Arial"/>
+                  <a:cs typeface="Arial"/>
+                  <a:sym typeface="Arial"/>
+                </a:rPr>
                 <a:t>Test</a:t>
               </a:r>
-              <a:endParaRPr sz="1200"/>
+              <a:endParaRPr b="0" i="0" sz="1200" u="none" cap="none" strike="noStrike">
+                <a:solidFill>
+                  <a:srgbClr val="000000"/>
+                </a:solidFill>
+                <a:latin typeface="Arial"/>
+                <a:ea typeface="Arial"/>
+                <a:cs typeface="Arial"/>
+                <a:sym typeface="Arial"/>
+              </a:endParaRPr>
             </a:p>
           </p:txBody>
         </p:sp>
       </p:grpSp>
       <p:sp>
         <p:nvSpPr>
-          <p:cNvPr id="209" name="Google Shape;209;p24"/>
+          <p:cNvPr id="209" name="Google Shape;209;p12"/>
           <p:cNvSpPr txBox="1"/>
           <p:nvPr>
             <p:ph idx="4294967295" type="title"/>
@@ -12196,7 +12702,7 @@
       </p:grpSpPr>
       <p:grpSp>
         <p:nvGrpSpPr>
-          <p:cNvPr id="214" name="Google Shape;214;p25"/>
+          <p:cNvPr id="214" name="Google Shape;214;p13"/>
           <p:cNvGrpSpPr/>
           <p:nvPr/>
         </p:nvGrpSpPr>
@@ -12210,7 +12716,7 @@
         </p:grpSpPr>
         <p:sp>
           <p:nvSpPr>
-            <p:cNvPr id="215" name="Google Shape;215;p25"/>
+            <p:cNvPr id="215" name="Google Shape;215;p13"/>
             <p:cNvSpPr/>
             <p:nvPr/>
           </p:nvSpPr>
@@ -12275,7 +12781,7 @@
         </p:sp>
         <p:sp>
           <p:nvSpPr>
-            <p:cNvPr id="216" name="Google Shape;216;p25"/>
+            <p:cNvPr id="216" name="Google Shape;216;p13"/>
             <p:cNvSpPr/>
             <p:nvPr/>
           </p:nvSpPr>
@@ -12341,7 +12847,7 @@
         </p:sp>
         <p:sp>
           <p:nvSpPr>
-            <p:cNvPr id="217" name="Google Shape;217;p25"/>
+            <p:cNvPr id="217" name="Google Shape;217;p13"/>
             <p:cNvSpPr/>
             <p:nvPr/>
           </p:nvSpPr>
@@ -12391,23 +12897,7 @@
                   <a:cs typeface="Arial"/>
                   <a:sym typeface="Arial"/>
                 </a:rPr>
-                <a:t>Children: teacher,student,g</a:t>
-              </a:r>
-              <a:r>
-                <a:rPr b="1" lang="en" sz="1100"/>
-                <a:t>ue</a:t>
-              </a:r>
-              <a:r>
-                <a:rPr b="1" i="0" lang="en" sz="1100" u="none" cap="none" strike="noStrike">
-                  <a:solidFill>
-                    <a:srgbClr val="000000"/>
-                  </a:solidFill>
-                  <a:latin typeface="Arial"/>
-                  <a:ea typeface="Arial"/>
-                  <a:cs typeface="Arial"/>
-                  <a:sym typeface="Arial"/>
-                </a:rPr>
-                <a:t>st</a:t>
+                <a:t>Children: teacher,student,guest</a:t>
               </a:r>
               <a:endParaRPr b="1" i="0" sz="1100" u="none" cap="none" strike="noStrike">
                 <a:solidFill>
@@ -12423,7 +12913,7 @@
         </p:sp>
         <p:sp>
           <p:nvSpPr>
-            <p:cNvPr id="218" name="Google Shape;218;p25"/>
+            <p:cNvPr id="218" name="Google Shape;218;p13"/>
             <p:cNvSpPr/>
             <p:nvPr/>
           </p:nvSpPr>
@@ -12464,15 +12954,28 @@
                 <a:spcAft>
                   <a:spcPts val="0"/>
                 </a:spcAft>
+                <a:buClr>
+                  <a:srgbClr val="000000"/>
+                </a:buClr>
+                <a:buSzPts val="1200"/>
+                <a:buFont typeface="Arial"/>
                 <a:buNone/>
               </a:pPr>
               <a:r>
                 <a:t/>
               </a:r>
-              <a:endParaRPr sz="1200"/>
+              <a:endParaRPr b="0" i="0" sz="1200" u="none" cap="none" strike="noStrike">
+                <a:solidFill>
+                  <a:srgbClr val="000000"/>
+                </a:solidFill>
+                <a:latin typeface="Arial"/>
+                <a:ea typeface="Arial"/>
+                <a:cs typeface="Arial"/>
+                <a:sym typeface="Arial"/>
+              </a:endParaRPr>
             </a:p>
             <a:p>
-              <a:pPr indent="-121918" lvl="0" marL="182880" marR="0" rtl="0" algn="l">
+              <a:pPr indent="-121917" lvl="0" marL="182880" marR="0" rtl="0" algn="l">
                 <a:lnSpc>
                   <a:spcPct val="100000"/>
                 </a:lnSpc>
@@ -12482,17 +12985,37 @@
                 <a:spcAft>
                   <a:spcPts val="0"/>
                 </a:spcAft>
+                <a:buClr>
+                  <a:srgbClr val="000000"/>
+                </a:buClr>
                 <a:buSzPts val="1200"/>
+                <a:buFont typeface="Arial"/>
                 <a:buChar char="●"/>
               </a:pPr>
               <a:r>
-                <a:rPr lang="en" sz="1200"/>
+                <a:rPr b="0" i="0" lang="en" sz="1200" u="none" cap="none" strike="noStrike">
+                  <a:solidFill>
+                    <a:srgbClr val="000000"/>
+                  </a:solidFill>
+                  <a:latin typeface="Arial"/>
+                  <a:ea typeface="Arial"/>
+                  <a:cs typeface="Arial"/>
+                  <a:sym typeface="Arial"/>
+                </a:rPr>
                 <a:t>Store Username</a:t>
               </a:r>
-              <a:endParaRPr sz="1200"/>
+              <a:endParaRPr b="0" i="0" sz="1200" u="none" cap="none" strike="noStrike">
+                <a:solidFill>
+                  <a:srgbClr val="000000"/>
+                </a:solidFill>
+                <a:latin typeface="Arial"/>
+                <a:ea typeface="Arial"/>
+                <a:cs typeface="Arial"/>
+                <a:sym typeface="Arial"/>
+              </a:endParaRPr>
             </a:p>
             <a:p>
-              <a:pPr indent="-121918" lvl="0" marL="182880" marR="0" rtl="0" algn="l">
+              <a:pPr indent="-121917" lvl="0" marL="182880" marR="0" rtl="0" algn="l">
                 <a:lnSpc>
                   <a:spcPct val="100000"/>
                 </a:lnSpc>
@@ -12502,17 +13025,37 @@
                 <a:spcAft>
                   <a:spcPts val="0"/>
                 </a:spcAft>
+                <a:buClr>
+                  <a:srgbClr val="000000"/>
+                </a:buClr>
                 <a:buSzPts val="1200"/>
+                <a:buFont typeface="Arial"/>
                 <a:buChar char="●"/>
               </a:pPr>
               <a:r>
-                <a:rPr lang="en" sz="1200"/>
+                <a:rPr b="0" i="0" lang="en" sz="1200" u="none" cap="none" strike="noStrike">
+                  <a:solidFill>
+                    <a:srgbClr val="000000"/>
+                  </a:solidFill>
+                  <a:latin typeface="Arial"/>
+                  <a:ea typeface="Arial"/>
+                  <a:cs typeface="Arial"/>
+                  <a:sym typeface="Arial"/>
+                </a:rPr>
                 <a:t>Store Password</a:t>
               </a:r>
-              <a:endParaRPr sz="1200"/>
+              <a:endParaRPr b="0" i="0" sz="1200" u="none" cap="none" strike="noStrike">
+                <a:solidFill>
+                  <a:srgbClr val="000000"/>
+                </a:solidFill>
+                <a:latin typeface="Arial"/>
+                <a:ea typeface="Arial"/>
+                <a:cs typeface="Arial"/>
+                <a:sym typeface="Arial"/>
+              </a:endParaRPr>
             </a:p>
             <a:p>
-              <a:pPr indent="-121918" lvl="0" marL="182880" marR="0" rtl="0" algn="l">
+              <a:pPr indent="-121917" lvl="0" marL="182880" marR="0" rtl="0" algn="l">
                 <a:lnSpc>
                   <a:spcPct val="100000"/>
                 </a:lnSpc>
@@ -12522,17 +13065,37 @@
                 <a:spcAft>
                   <a:spcPts val="0"/>
                 </a:spcAft>
+                <a:buClr>
+                  <a:srgbClr val="000000"/>
+                </a:buClr>
                 <a:buSzPts val="1200"/>
+                <a:buFont typeface="Arial"/>
                 <a:buChar char="●"/>
               </a:pPr>
               <a:r>
-                <a:rPr lang="en" sz="1200"/>
+                <a:rPr b="0" i="0" lang="en" sz="1200" u="none" cap="none" strike="noStrike">
+                  <a:solidFill>
+                    <a:srgbClr val="000000"/>
+                  </a:solidFill>
+                  <a:latin typeface="Arial"/>
+                  <a:ea typeface="Arial"/>
+                  <a:cs typeface="Arial"/>
+                  <a:sym typeface="Arial"/>
+                </a:rPr>
                 <a:t>Store Email </a:t>
               </a:r>
-              <a:endParaRPr sz="1200"/>
+              <a:endParaRPr b="0" i="0" sz="1200" u="none" cap="none" strike="noStrike">
+                <a:solidFill>
+                  <a:srgbClr val="000000"/>
+                </a:solidFill>
+                <a:latin typeface="Arial"/>
+                <a:ea typeface="Arial"/>
+                <a:cs typeface="Arial"/>
+                <a:sym typeface="Arial"/>
+              </a:endParaRPr>
             </a:p>
             <a:p>
-              <a:pPr indent="-121918" lvl="0" marL="182880" marR="0" rtl="0" algn="l">
+              <a:pPr indent="-121917" lvl="0" marL="182880" marR="0" rtl="0" algn="l">
                 <a:lnSpc>
                   <a:spcPct val="100000"/>
                 </a:lnSpc>
@@ -12542,28 +13105,40 @@
                 <a:spcAft>
                   <a:spcPts val="0"/>
                 </a:spcAft>
+                <a:buClr>
+                  <a:srgbClr val="000000"/>
+                </a:buClr>
                 <a:buSzPts val="1200"/>
+                <a:buFont typeface="Arial"/>
                 <a:buChar char="●"/>
               </a:pPr>
               <a:r>
-                <a:rPr lang="en" sz="1200"/>
-                <a:t>Leftover</a:t>
+                <a:rPr b="0" i="0" lang="en" sz="1200" u="none" cap="none" strike="noStrike">
+                  <a:solidFill>
+                    <a:srgbClr val="000000"/>
+                  </a:solidFill>
+                  <a:latin typeface="Arial"/>
+                  <a:ea typeface="Arial"/>
+                  <a:cs typeface="Arial"/>
+                  <a:sym typeface="Arial"/>
+                </a:rPr>
+                <a:t>Leftover balance</a:t>
               </a:r>
-              <a:r>
-                <a:rPr lang="en" sz="1200"/>
-                <a:t> </a:t>
-              </a:r>
-              <a:r>
-                <a:rPr lang="en" sz="1200"/>
-                <a:t>balance</a:t>
-              </a:r>
-              <a:endParaRPr sz="1200"/>
+              <a:endParaRPr b="0" i="0" sz="1200" u="none" cap="none" strike="noStrike">
+                <a:solidFill>
+                  <a:srgbClr val="000000"/>
+                </a:solidFill>
+                <a:latin typeface="Arial"/>
+                <a:ea typeface="Arial"/>
+                <a:cs typeface="Arial"/>
+                <a:sym typeface="Arial"/>
+              </a:endParaRPr>
             </a:p>
           </p:txBody>
         </p:sp>
         <p:sp>
           <p:nvSpPr>
-            <p:cNvPr id="219" name="Google Shape;219;p25"/>
+            <p:cNvPr id="219" name="Google Shape;219;p13"/>
             <p:cNvSpPr/>
             <p:nvPr/>
           </p:nvSpPr>
@@ -12612,7 +13187,15 @@
                 <a:buNone/>
               </a:pPr>
               <a:r>
-                <a:rPr lang="en" sz="1200"/>
+                <a:rPr b="0" i="0" lang="en" sz="1200" u="none" cap="none" strike="noStrike">
+                  <a:solidFill>
+                    <a:srgbClr val="000000"/>
+                  </a:solidFill>
+                  <a:latin typeface="Arial"/>
+                  <a:ea typeface="Arial"/>
+                  <a:cs typeface="Arial"/>
+                  <a:sym typeface="Arial"/>
+                </a:rPr>
                 <a:t>UserManager</a:t>
               </a:r>
               <a:endParaRPr b="0" i="0" sz="1200" u="none" cap="none" strike="noStrike">
@@ -12630,7 +13213,7 @@
       </p:grpSp>
       <p:sp>
         <p:nvSpPr>
-          <p:cNvPr id="220" name="Google Shape;220;p25"/>
+          <p:cNvPr id="220" name="Google Shape;220;p13"/>
           <p:cNvSpPr txBox="1"/>
           <p:nvPr>
             <p:ph idx="4294967295" type="title"/>
@@ -12678,7 +13261,7 @@
       </p:sp>
       <p:sp>
         <p:nvSpPr>
-          <p:cNvPr id="221" name="Google Shape;221;p25"/>
+          <p:cNvPr id="221" name="Google Shape;221;p13"/>
           <p:cNvSpPr txBox="1"/>
           <p:nvPr/>
         </p:nvSpPr>
@@ -12701,26 +13284,50 @@
           </a:bodyPr>
           <a:lstStyle/>
           <a:p>
-            <a:pPr indent="0" lvl="0" marL="0" rtl="0" algn="l">
-              <a:spcBef>
-                <a:spcPts val="0"/>
-              </a:spcBef>
-              <a:spcAft>
-                <a:spcPts val="0"/>
-              </a:spcAft>
+            <a:pPr indent="0" lvl="0" marL="0" marR="0" rtl="0" algn="l">
+              <a:lnSpc>
+                <a:spcPct val="100000"/>
+              </a:lnSpc>
+              <a:spcBef>
+                <a:spcPts val="0"/>
+              </a:spcBef>
+              <a:spcAft>
+                <a:spcPts val="0"/>
+              </a:spcAft>
+              <a:buClr>
+                <a:srgbClr val="000000"/>
+              </a:buClr>
+              <a:buSzPts val="1400"/>
+              <a:buFont typeface="Arial"/>
               <a:buNone/>
             </a:pPr>
             <a:r>
-              <a:rPr lang="en"/>
+              <a:rPr b="0" i="0" lang="en" sz="1400" u="none" cap="none" strike="noStrike">
+                <a:solidFill>
+                  <a:srgbClr val="000000"/>
+                </a:solidFill>
+                <a:latin typeface="Arial"/>
+                <a:ea typeface="Arial"/>
+                <a:cs typeface="Arial"/>
+                <a:sym typeface="Arial"/>
+              </a:rPr>
               <a:t>user</a:t>
             </a:r>
-            <a:endParaRPr/>
+            <a:endParaRPr b="0" i="0" sz="1400" u="none" cap="none" strike="noStrike">
+              <a:solidFill>
+                <a:srgbClr val="000000"/>
+              </a:solidFill>
+              <a:latin typeface="Arial"/>
+              <a:ea typeface="Arial"/>
+              <a:cs typeface="Arial"/>
+              <a:sym typeface="Arial"/>
+            </a:endParaRPr>
           </a:p>
         </p:txBody>
       </p:sp>
       <p:cxnSp>
         <p:nvCxnSpPr>
-          <p:cNvPr id="222" name="Google Shape;222;p25"/>
+          <p:cNvPr id="222" name="Google Shape;222;p13"/>
           <p:cNvCxnSpPr/>
           <p:nvPr/>
         </p:nvCxnSpPr>
@@ -12739,14 +13346,14 @@
             </a:solidFill>
             <a:prstDash val="solid"/>
             <a:round/>
-            <a:headEnd len="med" w="med" type="none"/>
+            <a:headEnd len="sm" w="sm" type="none"/>
             <a:tailEnd len="med" w="med" type="triangle"/>
           </a:ln>
         </p:spPr>
       </p:cxnSp>
       <p:cxnSp>
         <p:nvCxnSpPr>
-          <p:cNvPr id="223" name="Google Shape;223;p25"/>
+          <p:cNvPr id="223" name="Google Shape;223;p13"/>
           <p:cNvCxnSpPr/>
           <p:nvPr/>
         </p:nvCxnSpPr>
@@ -12765,14 +13372,14 @@
             </a:solidFill>
             <a:prstDash val="solid"/>
             <a:round/>
-            <a:headEnd len="med" w="med" type="none"/>
+            <a:headEnd len="sm" w="sm" type="none"/>
             <a:tailEnd len="med" w="med" type="triangle"/>
           </a:ln>
         </p:spPr>
       </p:cxnSp>
       <p:cxnSp>
         <p:nvCxnSpPr>
-          <p:cNvPr id="224" name="Google Shape;224;p25"/>
+          <p:cNvPr id="224" name="Google Shape;224;p13"/>
           <p:cNvCxnSpPr/>
           <p:nvPr/>
         </p:nvCxnSpPr>
@@ -12791,14 +13398,14 @@
             </a:solidFill>
             <a:prstDash val="solid"/>
             <a:round/>
-            <a:headEnd len="med" w="med" type="none"/>
+            <a:headEnd len="sm" w="sm" type="none"/>
             <a:tailEnd len="med" w="med" type="triangle"/>
           </a:ln>
         </p:spPr>
       </p:cxnSp>
       <p:grpSp>
         <p:nvGrpSpPr>
-          <p:cNvPr id="225" name="Google Shape;225;p25"/>
+          <p:cNvPr id="225" name="Google Shape;225;p13"/>
           <p:cNvGrpSpPr/>
           <p:nvPr/>
         </p:nvGrpSpPr>
@@ -12812,7 +13419,7 @@
         </p:grpSpPr>
         <p:sp>
           <p:nvSpPr>
-            <p:cNvPr id="226" name="Google Shape;226;p25"/>
+            <p:cNvPr id="226" name="Google Shape;226;p13"/>
             <p:cNvSpPr/>
             <p:nvPr/>
           </p:nvSpPr>
@@ -12877,7 +13484,7 @@
         </p:sp>
         <p:sp>
           <p:nvSpPr>
-            <p:cNvPr id="227" name="Google Shape;227;p25"/>
+            <p:cNvPr id="227" name="Google Shape;227;p13"/>
             <p:cNvSpPr/>
             <p:nvPr/>
           </p:nvSpPr>
@@ -12926,7 +13533,15 @@
                 <a:buNone/>
               </a:pPr>
               <a:r>
-                <a:rPr b="1" lang="en"/>
+                <a:rPr b="1" i="0" lang="en" sz="1400" u="none" cap="none" strike="noStrike">
+                  <a:solidFill>
+                    <a:srgbClr val="000000"/>
+                  </a:solidFill>
+                  <a:latin typeface="Arial"/>
+                  <a:ea typeface="Arial"/>
+                  <a:cs typeface="Arial"/>
+                  <a:sym typeface="Arial"/>
+                </a:rPr>
                 <a:t>Teacher</a:t>
               </a:r>
               <a:endParaRPr b="1" i="0" sz="1400" u="none" cap="none" strike="noStrike">
@@ -12943,7 +13558,7 @@
         </p:sp>
         <p:sp>
           <p:nvSpPr>
-            <p:cNvPr id="228" name="Google Shape;228;p25"/>
+            <p:cNvPr id="228" name="Google Shape;228;p13"/>
             <p:cNvSpPr/>
             <p:nvPr/>
           </p:nvSpPr>
@@ -12993,11 +13608,7 @@
                   <a:cs typeface="Arial"/>
                   <a:sym typeface="Arial"/>
                 </a:rPr>
-                <a:t>Parent: </a:t>
-              </a:r>
-              <a:r>
-                <a:rPr b="1" lang="en" sz="1100"/>
-                <a:t>User</a:t>
+                <a:t>Parent: User</a:t>
               </a:r>
               <a:endParaRPr b="1" i="0" sz="1100" u="none" cap="none" strike="noStrike">
                 <a:solidFill>
@@ -13013,7 +13624,7 @@
         </p:sp>
         <p:sp>
           <p:nvSpPr>
-            <p:cNvPr id="229" name="Google Shape;229;p25"/>
+            <p:cNvPr id="229" name="Google Shape;229;p13"/>
             <p:cNvSpPr/>
             <p:nvPr/>
           </p:nvSpPr>
@@ -13044,7 +13655,7 @@
             </a:bodyPr>
             <a:lstStyle/>
             <a:p>
-              <a:pPr indent="-121918" lvl="0" marL="182880" marR="0" rtl="0" algn="l">
+              <a:pPr indent="-121917" lvl="0" marL="182880" marR="0" rtl="0" algn="l">
                 <a:lnSpc>
                   <a:spcPct val="100000"/>
                 </a:lnSpc>
@@ -13054,17 +13665,37 @@
                 <a:spcAft>
                   <a:spcPts val="0"/>
                 </a:spcAft>
+                <a:buClr>
+                  <a:srgbClr val="000000"/>
+                </a:buClr>
                 <a:buSzPts val="1200"/>
+                <a:buFont typeface="Arial"/>
                 <a:buChar char="●"/>
               </a:pPr>
               <a:r>
-                <a:rPr lang="en" sz="1200"/>
+                <a:rPr b="0" i="0" lang="en" sz="1200" u="none" cap="none" strike="noStrike">
+                  <a:solidFill>
+                    <a:srgbClr val="000000"/>
+                  </a:solidFill>
+                  <a:latin typeface="Arial"/>
+                  <a:ea typeface="Arial"/>
+                  <a:cs typeface="Arial"/>
+                  <a:sym typeface="Arial"/>
+                </a:rPr>
                 <a:t>Created groups</a:t>
               </a:r>
-              <a:endParaRPr sz="1200"/>
+              <a:endParaRPr b="0" i="0" sz="1200" u="none" cap="none" strike="noStrike">
+                <a:solidFill>
+                  <a:srgbClr val="000000"/>
+                </a:solidFill>
+                <a:latin typeface="Arial"/>
+                <a:ea typeface="Arial"/>
+                <a:cs typeface="Arial"/>
+                <a:sym typeface="Arial"/>
+              </a:endParaRPr>
             </a:p>
             <a:p>
-              <a:pPr indent="-121918" lvl="0" marL="182880" marR="0" rtl="0" algn="l">
+              <a:pPr indent="-121917" lvl="0" marL="182880" marR="0" rtl="0" algn="l">
                 <a:lnSpc>
                   <a:spcPct val="100000"/>
                 </a:lnSpc>
@@ -13074,17 +13705,37 @@
                 <a:spcAft>
                   <a:spcPts val="0"/>
                 </a:spcAft>
+                <a:buClr>
+                  <a:srgbClr val="000000"/>
+                </a:buClr>
                 <a:buSzPts val="1200"/>
+                <a:buFont typeface="Arial"/>
                 <a:buChar char="●"/>
               </a:pPr>
               <a:r>
-                <a:rPr lang="en" sz="1200"/>
+                <a:rPr b="0" i="0" lang="en" sz="1200" u="none" cap="none" strike="noStrike">
+                  <a:solidFill>
+                    <a:srgbClr val="000000"/>
+                  </a:solidFill>
+                  <a:latin typeface="Arial"/>
+                  <a:ea typeface="Arial"/>
+                  <a:cs typeface="Arial"/>
+                  <a:sym typeface="Arial"/>
+                </a:rPr>
                 <a:t>Purchased ads</a:t>
               </a:r>
-              <a:endParaRPr sz="1200"/>
+              <a:endParaRPr b="0" i="0" sz="1200" u="none" cap="none" strike="noStrike">
+                <a:solidFill>
+                  <a:srgbClr val="000000"/>
+                </a:solidFill>
+                <a:latin typeface="Arial"/>
+                <a:ea typeface="Arial"/>
+                <a:cs typeface="Arial"/>
+                <a:sym typeface="Arial"/>
+              </a:endParaRPr>
             </a:p>
             <a:p>
-              <a:pPr indent="-121918" lvl="0" marL="182880" marR="0" rtl="0" algn="l">
+              <a:pPr indent="-121917" lvl="0" marL="182880" marR="0" rtl="0" algn="l">
                 <a:lnSpc>
                   <a:spcPct val="100000"/>
                 </a:lnSpc>
@@ -13094,20 +13745,40 @@
                 <a:spcAft>
                   <a:spcPts val="0"/>
                 </a:spcAft>
+                <a:buClr>
+                  <a:srgbClr val="000000"/>
+                </a:buClr>
                 <a:buSzPts val="1200"/>
+                <a:buFont typeface="Arial"/>
                 <a:buChar char="●"/>
               </a:pPr>
               <a:r>
-                <a:rPr lang="en" sz="1200"/>
+                <a:rPr b="0" i="0" lang="en" sz="1200" u="none" cap="none" strike="noStrike">
+                  <a:solidFill>
+                    <a:srgbClr val="000000"/>
+                  </a:solidFill>
+                  <a:latin typeface="Arial"/>
+                  <a:ea typeface="Arial"/>
+                  <a:cs typeface="Arial"/>
+                  <a:sym typeface="Arial"/>
+                </a:rPr>
                 <a:t>Owned test</a:t>
               </a:r>
-              <a:endParaRPr sz="1200"/>
+              <a:endParaRPr b="0" i="0" sz="1200" u="none" cap="none" strike="noStrike">
+                <a:solidFill>
+                  <a:srgbClr val="000000"/>
+                </a:solidFill>
+                <a:latin typeface="Arial"/>
+                <a:ea typeface="Arial"/>
+                <a:cs typeface="Arial"/>
+                <a:sym typeface="Arial"/>
+              </a:endParaRPr>
             </a:p>
           </p:txBody>
         </p:sp>
         <p:sp>
           <p:nvSpPr>
-            <p:cNvPr id="230" name="Google Shape;230;p25"/>
+            <p:cNvPr id="230" name="Google Shape;230;p13"/>
             <p:cNvSpPr/>
             <p:nvPr/>
           </p:nvSpPr>
@@ -13156,7 +13827,15 @@
                 <a:buNone/>
               </a:pPr>
               <a:r>
-                <a:rPr lang="en" sz="1200"/>
+                <a:rPr b="0" i="0" lang="en" sz="1200" u="none" cap="none" strike="noStrike">
+                  <a:solidFill>
+                    <a:srgbClr val="000000"/>
+                  </a:solidFill>
+                  <a:latin typeface="Arial"/>
+                  <a:ea typeface="Arial"/>
+                  <a:cs typeface="Arial"/>
+                  <a:sym typeface="Arial"/>
+                </a:rPr>
                 <a:t>TeacherMananger</a:t>
               </a:r>
               <a:endParaRPr b="0" i="0" sz="1200" u="none" cap="none" strike="noStrike">
@@ -13174,7 +13853,7 @@
       </p:grpSp>
       <p:grpSp>
         <p:nvGrpSpPr>
-          <p:cNvPr id="231" name="Google Shape;231;p25"/>
+          <p:cNvPr id="231" name="Google Shape;231;p13"/>
           <p:cNvGrpSpPr/>
           <p:nvPr/>
         </p:nvGrpSpPr>
@@ -13188,7 +13867,7 @@
         </p:grpSpPr>
         <p:sp>
           <p:nvSpPr>
-            <p:cNvPr id="232" name="Google Shape;232;p25"/>
+            <p:cNvPr id="232" name="Google Shape;232;p13"/>
             <p:cNvSpPr/>
             <p:nvPr/>
           </p:nvSpPr>
@@ -13253,7 +13932,7 @@
         </p:sp>
         <p:sp>
           <p:nvSpPr>
-            <p:cNvPr id="233" name="Google Shape;233;p25"/>
+            <p:cNvPr id="233" name="Google Shape;233;p13"/>
             <p:cNvSpPr/>
             <p:nvPr/>
           </p:nvSpPr>
@@ -13302,7 +13981,15 @@
                 <a:buNone/>
               </a:pPr>
               <a:r>
-                <a:rPr b="1" lang="en"/>
+                <a:rPr b="1" i="0" lang="en" sz="1400" u="none" cap="none" strike="noStrike">
+                  <a:solidFill>
+                    <a:srgbClr val="000000"/>
+                  </a:solidFill>
+                  <a:latin typeface="Arial"/>
+                  <a:ea typeface="Arial"/>
+                  <a:cs typeface="Arial"/>
+                  <a:sym typeface="Arial"/>
+                </a:rPr>
                 <a:t>Student</a:t>
               </a:r>
               <a:endParaRPr b="1" i="0" sz="1400" u="none" cap="none" strike="noStrike">
@@ -13319,7 +14006,7 @@
         </p:sp>
         <p:sp>
           <p:nvSpPr>
-            <p:cNvPr id="234" name="Google Shape;234;p25"/>
+            <p:cNvPr id="234" name="Google Shape;234;p13"/>
             <p:cNvSpPr/>
             <p:nvPr/>
           </p:nvSpPr>
@@ -13369,23 +14056,7 @@
                   <a:cs typeface="Arial"/>
                   <a:sym typeface="Arial"/>
                 </a:rPr>
-                <a:t>Parent: </a:t>
-              </a:r>
-              <a:r>
-                <a:rPr b="1" lang="en" sz="1100"/>
-                <a:t>u</a:t>
-              </a:r>
-              <a:r>
-                <a:rPr b="1" i="0" lang="en" sz="1100" u="none" cap="none" strike="noStrike">
-                  <a:solidFill>
-                    <a:srgbClr val="000000"/>
-                  </a:solidFill>
-                  <a:latin typeface="Arial"/>
-                  <a:ea typeface="Arial"/>
-                  <a:cs typeface="Arial"/>
-                  <a:sym typeface="Arial"/>
-                </a:rPr>
-                <a:t>ser</a:t>
+                <a:t>Parent: user</a:t>
               </a:r>
               <a:endParaRPr b="1" i="0" sz="1100" u="none" cap="none" strike="noStrike">
                 <a:solidFill>
@@ -13401,7 +14072,7 @@
         </p:sp>
         <p:sp>
           <p:nvSpPr>
-            <p:cNvPr id="235" name="Google Shape;235;p25"/>
+            <p:cNvPr id="235" name="Google Shape;235;p13"/>
             <p:cNvSpPr/>
             <p:nvPr/>
           </p:nvSpPr>
@@ -13458,7 +14129,7 @@
         </p:sp>
         <p:sp>
           <p:nvSpPr>
-            <p:cNvPr id="236" name="Google Shape;236;p25"/>
+            <p:cNvPr id="236" name="Google Shape;236;p13"/>
             <p:cNvSpPr/>
             <p:nvPr/>
           </p:nvSpPr>
@@ -13489,7 +14160,7 @@
             </a:bodyPr>
             <a:lstStyle/>
             <a:p>
-              <a:pPr indent="-121918" lvl="0" marL="182880" marR="0" rtl="0" algn="l">
+              <a:pPr indent="-121917" lvl="0" marL="182880" marR="0" rtl="0" algn="l">
                 <a:lnSpc>
                   <a:spcPct val="100000"/>
                 </a:lnSpc>
@@ -13507,13 +14178,29 @@
                 <a:buChar char="●"/>
               </a:pPr>
               <a:r>
-                <a:rPr lang="en" sz="1200"/>
+                <a:rPr b="0" i="0" lang="en" sz="1200" u="none" cap="none" strike="noStrike">
+                  <a:solidFill>
+                    <a:srgbClr val="000000"/>
+                  </a:solidFill>
+                  <a:latin typeface="Arial"/>
+                  <a:ea typeface="Arial"/>
+                  <a:cs typeface="Arial"/>
+                  <a:sym typeface="Arial"/>
+                </a:rPr>
                 <a:t>Store Group joined</a:t>
               </a:r>
-              <a:endParaRPr sz="1200"/>
+              <a:endParaRPr b="0" i="0" sz="1200" u="none" cap="none" strike="noStrike">
+                <a:solidFill>
+                  <a:srgbClr val="000000"/>
+                </a:solidFill>
+                <a:latin typeface="Arial"/>
+                <a:ea typeface="Arial"/>
+                <a:cs typeface="Arial"/>
+                <a:sym typeface="Arial"/>
+              </a:endParaRPr>
             </a:p>
             <a:p>
-              <a:pPr indent="-121918" lvl="0" marL="182880" marR="0" rtl="0" algn="l">
+              <a:pPr indent="-121917" lvl="0" marL="182880" marR="0" rtl="0" algn="l">
                 <a:lnSpc>
                   <a:spcPct val="100000"/>
                 </a:lnSpc>
@@ -13523,17 +14210,37 @@
                 <a:spcAft>
                   <a:spcPts val="0"/>
                 </a:spcAft>
+                <a:buClr>
+                  <a:srgbClr val="000000"/>
+                </a:buClr>
                 <a:buSzPts val="1200"/>
+                <a:buFont typeface="Arial"/>
                 <a:buChar char="●"/>
               </a:pPr>
               <a:r>
-                <a:rPr lang="en" sz="1200"/>
+                <a:rPr b="0" i="0" lang="en" sz="1200" u="none" cap="none" strike="noStrike">
+                  <a:solidFill>
+                    <a:srgbClr val="000000"/>
+                  </a:solidFill>
+                  <a:latin typeface="Arial"/>
+                  <a:ea typeface="Arial"/>
+                  <a:cs typeface="Arial"/>
+                  <a:sym typeface="Arial"/>
+                </a:rPr>
                 <a:t>Store Current level</a:t>
               </a:r>
-              <a:endParaRPr sz="1200"/>
+              <a:endParaRPr b="0" i="0" sz="1200" u="none" cap="none" strike="noStrike">
+                <a:solidFill>
+                  <a:srgbClr val="000000"/>
+                </a:solidFill>
+                <a:latin typeface="Arial"/>
+                <a:ea typeface="Arial"/>
+                <a:cs typeface="Arial"/>
+                <a:sym typeface="Arial"/>
+              </a:endParaRPr>
             </a:p>
             <a:p>
-              <a:pPr indent="-121918" lvl="0" marL="182880" marR="0" rtl="0" algn="l">
+              <a:pPr indent="-121917" lvl="0" marL="182880" marR="0" rtl="0" algn="l">
                 <a:lnSpc>
                   <a:spcPct val="100000"/>
                 </a:lnSpc>
@@ -13543,17 +14250,37 @@
                 <a:spcAft>
                   <a:spcPts val="0"/>
                 </a:spcAft>
+                <a:buClr>
+                  <a:srgbClr val="000000"/>
+                </a:buClr>
                 <a:buSzPts val="1200"/>
+                <a:buFont typeface="Arial"/>
                 <a:buChar char="●"/>
               </a:pPr>
               <a:r>
-                <a:rPr lang="en" sz="1200"/>
+                <a:rPr b="0" i="0" lang="en" sz="1200" u="none" cap="none" strike="noStrike">
+                  <a:solidFill>
+                    <a:srgbClr val="000000"/>
+                  </a:solidFill>
+                  <a:latin typeface="Arial"/>
+                  <a:ea typeface="Arial"/>
+                  <a:cs typeface="Arial"/>
+                  <a:sym typeface="Arial"/>
+                </a:rPr>
                 <a:t>StoreWords learnt</a:t>
               </a:r>
-              <a:endParaRPr sz="1200"/>
+              <a:endParaRPr b="0" i="0" sz="1200" u="none" cap="none" strike="noStrike">
+                <a:solidFill>
+                  <a:srgbClr val="000000"/>
+                </a:solidFill>
+                <a:latin typeface="Arial"/>
+                <a:ea typeface="Arial"/>
+                <a:cs typeface="Arial"/>
+                <a:sym typeface="Arial"/>
+              </a:endParaRPr>
             </a:p>
             <a:p>
-              <a:pPr indent="-121918" lvl="0" marL="182880" marR="0" rtl="0" algn="l">
+              <a:pPr indent="-121917" lvl="0" marL="182880" marR="0" rtl="0" algn="l">
                 <a:lnSpc>
                   <a:spcPct val="100000"/>
                 </a:lnSpc>
@@ -13563,20 +14290,40 @@
                 <a:spcAft>
                   <a:spcPts val="0"/>
                 </a:spcAft>
+                <a:buClr>
+                  <a:srgbClr val="000000"/>
+                </a:buClr>
                 <a:buSzPts val="1200"/>
+                <a:buFont typeface="Arial"/>
                 <a:buChar char="●"/>
               </a:pPr>
               <a:r>
-                <a:rPr lang="en" sz="1200"/>
+                <a:rPr b="0" i="0" lang="en" sz="1200" u="none" cap="none" strike="noStrike">
+                  <a:solidFill>
+                    <a:srgbClr val="000000"/>
+                  </a:solidFill>
+                  <a:latin typeface="Arial"/>
+                  <a:ea typeface="Arial"/>
+                  <a:cs typeface="Arial"/>
+                  <a:sym typeface="Arial"/>
+                </a:rPr>
                 <a:t>Store balance</a:t>
               </a:r>
-              <a:endParaRPr sz="1200"/>
+              <a:endParaRPr b="0" i="0" sz="1200" u="none" cap="none" strike="noStrike">
+                <a:solidFill>
+                  <a:srgbClr val="000000"/>
+                </a:solidFill>
+                <a:latin typeface="Arial"/>
+                <a:ea typeface="Arial"/>
+                <a:cs typeface="Arial"/>
+                <a:sym typeface="Arial"/>
+              </a:endParaRPr>
             </a:p>
           </p:txBody>
         </p:sp>
         <p:sp>
           <p:nvSpPr>
-            <p:cNvPr id="237" name="Google Shape;237;p25"/>
+            <p:cNvPr id="237" name="Google Shape;237;p13"/>
             <p:cNvSpPr/>
             <p:nvPr/>
           </p:nvSpPr>
@@ -13625,7 +14372,15 @@
                 <a:buNone/>
               </a:pPr>
               <a:r>
-                <a:rPr lang="en" sz="1200"/>
+                <a:rPr b="0" i="0" lang="en" sz="1200" u="none" cap="none" strike="noStrike">
+                  <a:solidFill>
+                    <a:srgbClr val="000000"/>
+                  </a:solidFill>
+                  <a:latin typeface="Arial"/>
+                  <a:ea typeface="Arial"/>
+                  <a:cs typeface="Arial"/>
+                  <a:sym typeface="Arial"/>
+                </a:rPr>
                 <a:t>StudentManager</a:t>
               </a:r>
               <a:endParaRPr b="0" i="0" sz="1200" u="none" cap="none" strike="noStrike">
@@ -13643,7 +14398,7 @@
       </p:grpSp>
       <p:grpSp>
         <p:nvGrpSpPr>
-          <p:cNvPr id="238" name="Google Shape;238;p25"/>
+          <p:cNvPr id="238" name="Google Shape;238;p13"/>
           <p:cNvGrpSpPr/>
           <p:nvPr/>
         </p:nvGrpSpPr>
@@ -13657,7 +14412,7 @@
         </p:grpSpPr>
         <p:sp>
           <p:nvSpPr>
-            <p:cNvPr id="239" name="Google Shape;239;p25"/>
+            <p:cNvPr id="239" name="Google Shape;239;p13"/>
             <p:cNvSpPr/>
             <p:nvPr/>
           </p:nvSpPr>
@@ -13722,7 +14477,7 @@
         </p:sp>
         <p:sp>
           <p:nvSpPr>
-            <p:cNvPr id="240" name="Google Shape;240;p25"/>
+            <p:cNvPr id="240" name="Google Shape;240;p13"/>
             <p:cNvSpPr/>
             <p:nvPr/>
           </p:nvSpPr>
@@ -13771,7 +14526,15 @@
                 <a:buNone/>
               </a:pPr>
               <a:r>
-                <a:rPr b="1" lang="en"/>
+                <a:rPr b="1" i="0" lang="en" sz="1400" u="none" cap="none" strike="noStrike">
+                  <a:solidFill>
+                    <a:srgbClr val="000000"/>
+                  </a:solidFill>
+                  <a:latin typeface="Arial"/>
+                  <a:ea typeface="Arial"/>
+                  <a:cs typeface="Arial"/>
+                  <a:sym typeface="Arial"/>
+                </a:rPr>
                 <a:t>Guest</a:t>
               </a:r>
               <a:endParaRPr b="1" i="0" sz="1400" u="none" cap="none" strike="noStrike">
@@ -13788,7 +14551,7 @@
         </p:sp>
         <p:sp>
           <p:nvSpPr>
-            <p:cNvPr id="241" name="Google Shape;241;p25"/>
+            <p:cNvPr id="241" name="Google Shape;241;p13"/>
             <p:cNvSpPr/>
             <p:nvPr/>
           </p:nvSpPr>
@@ -13838,11 +14601,7 @@
                   <a:cs typeface="Arial"/>
                   <a:sym typeface="Arial"/>
                 </a:rPr>
-                <a:t>Parent: </a:t>
-              </a:r>
-              <a:r>
-                <a:rPr b="1" lang="en" sz="1100"/>
-                <a:t>User</a:t>
+                <a:t>Parent: User</a:t>
               </a:r>
               <a:endParaRPr b="1" i="0" sz="1100" u="none" cap="none" strike="noStrike">
                 <a:solidFill>
@@ -13858,7 +14617,7 @@
         </p:sp>
         <p:sp>
           <p:nvSpPr>
-            <p:cNvPr id="242" name="Google Shape;242;p25"/>
+            <p:cNvPr id="242" name="Google Shape;242;p13"/>
             <p:cNvSpPr/>
             <p:nvPr/>
           </p:nvSpPr>
@@ -13924,7 +14683,7 @@
         </p:sp>
         <p:sp>
           <p:nvSpPr>
-            <p:cNvPr id="243" name="Google Shape;243;p25"/>
+            <p:cNvPr id="243" name="Google Shape;243;p13"/>
             <p:cNvSpPr/>
             <p:nvPr/>
           </p:nvSpPr>
@@ -13955,7 +14714,7 @@
             </a:bodyPr>
             <a:lstStyle/>
             <a:p>
-              <a:pPr indent="-121918" lvl="0" marL="182880" marR="0" rtl="0" algn="l">
+              <a:pPr indent="-121917" lvl="0" marL="182880" marR="0" rtl="0" algn="l">
                 <a:lnSpc>
                   <a:spcPct val="100000"/>
                 </a:lnSpc>
@@ -13965,20 +14724,40 @@
                 <a:spcAft>
                   <a:spcPts val="0"/>
                 </a:spcAft>
+                <a:buClr>
+                  <a:srgbClr val="000000"/>
+                </a:buClr>
                 <a:buSzPts val="1200"/>
+                <a:buFont typeface="Arial"/>
                 <a:buChar char="●"/>
               </a:pPr>
               <a:r>
-                <a:rPr lang="en" sz="1200"/>
+                <a:rPr b="0" i="0" lang="en" sz="1200" u="none" cap="none" strike="noStrike">
+                  <a:solidFill>
+                    <a:srgbClr val="000000"/>
+                  </a:solidFill>
+                  <a:latin typeface="Arial"/>
+                  <a:ea typeface="Arial"/>
+                  <a:cs typeface="Arial"/>
+                  <a:sym typeface="Arial"/>
+                </a:rPr>
                 <a:t>Store words learnt</a:t>
               </a:r>
-              <a:endParaRPr sz="1200"/>
+              <a:endParaRPr b="0" i="0" sz="1200" u="none" cap="none" strike="noStrike">
+                <a:solidFill>
+                  <a:srgbClr val="000000"/>
+                </a:solidFill>
+                <a:latin typeface="Arial"/>
+                <a:ea typeface="Arial"/>
+                <a:cs typeface="Arial"/>
+                <a:sym typeface="Arial"/>
+              </a:endParaRPr>
             </a:p>
           </p:txBody>
         </p:sp>
         <p:sp>
           <p:nvSpPr>
-            <p:cNvPr id="244" name="Google Shape;244;p25"/>
+            <p:cNvPr id="244" name="Google Shape;244;p13"/>
             <p:cNvSpPr/>
             <p:nvPr/>
           </p:nvSpPr>
@@ -14027,7 +14806,15 @@
                 <a:buNone/>
               </a:pPr>
               <a:r>
-                <a:rPr lang="en" sz="1200"/>
+                <a:rPr b="0" i="0" lang="en" sz="1200" u="none" cap="none" strike="noStrike">
+                  <a:solidFill>
+                    <a:srgbClr val="000000"/>
+                  </a:solidFill>
+                  <a:latin typeface="Arial"/>
+                  <a:ea typeface="Arial"/>
+                  <a:cs typeface="Arial"/>
+                  <a:sym typeface="Arial"/>
+                </a:rPr>
                 <a:t>GuestMananger</a:t>
               </a:r>
               <a:endParaRPr b="0" i="0" sz="1200" u="none" cap="none" strike="noStrike">
@@ -14070,7 +14857,7 @@
       </p:grpSpPr>
       <p:grpSp>
         <p:nvGrpSpPr>
-          <p:cNvPr id="249" name="Google Shape;249;p26"/>
+          <p:cNvPr id="249" name="Google Shape;249;p14"/>
           <p:cNvGrpSpPr/>
           <p:nvPr/>
         </p:nvGrpSpPr>
@@ -14084,7 +14871,7 @@
         </p:grpSpPr>
         <p:sp>
           <p:nvSpPr>
-            <p:cNvPr id="250" name="Google Shape;250;p26"/>
+            <p:cNvPr id="250" name="Google Shape;250;p14"/>
             <p:cNvSpPr/>
             <p:nvPr/>
           </p:nvSpPr>
@@ -14149,7 +14936,7 @@
         </p:sp>
         <p:sp>
           <p:nvSpPr>
-            <p:cNvPr id="251" name="Google Shape;251;p26"/>
+            <p:cNvPr id="251" name="Google Shape;251;p14"/>
             <p:cNvSpPr/>
             <p:nvPr/>
           </p:nvSpPr>
@@ -14198,7 +14985,15 @@
                 <a:buNone/>
               </a:pPr>
               <a:r>
-                <a:rPr b="1" lang="en"/>
+                <a:rPr b="1" i="0" lang="en" sz="1400" u="none" cap="none" strike="noStrike">
+                  <a:solidFill>
+                    <a:srgbClr val="000000"/>
+                  </a:solidFill>
+                  <a:latin typeface="Arial"/>
+                  <a:ea typeface="Arial"/>
+                  <a:cs typeface="Arial"/>
+                  <a:sym typeface="Arial"/>
+                </a:rPr>
                 <a:t>UserManager</a:t>
               </a:r>
               <a:endParaRPr b="1" i="0" sz="1400" u="none" cap="none" strike="noStrike">
@@ -14215,7 +15010,7 @@
         </p:sp>
         <p:sp>
           <p:nvSpPr>
-            <p:cNvPr id="252" name="Google Shape;252;p26"/>
+            <p:cNvPr id="252" name="Google Shape;252;p14"/>
             <p:cNvSpPr/>
             <p:nvPr/>
           </p:nvSpPr>
@@ -14272,7 +15067,7 @@
         </p:sp>
         <p:sp>
           <p:nvSpPr>
-            <p:cNvPr id="253" name="Google Shape;253;p26"/>
+            <p:cNvPr id="253" name="Google Shape;253;p14"/>
             <p:cNvSpPr/>
             <p:nvPr/>
           </p:nvSpPr>
@@ -14353,10 +15148,26 @@
                 <a:buNone/>
               </a:pPr>
               <a:r>
-                <a:rPr b="1" lang="en" sz="1100"/>
+                <a:rPr b="1" i="0" lang="en" sz="1100" u="none" cap="none" strike="noStrike">
+                  <a:solidFill>
+                    <a:srgbClr val="000000"/>
+                  </a:solidFill>
+                  <a:latin typeface="Arial"/>
+                  <a:ea typeface="Arial"/>
+                  <a:cs typeface="Arial"/>
+                  <a:sym typeface="Arial"/>
+                </a:rPr>
                 <a:t>StudentManager</a:t>
               </a:r>
-              <a:endParaRPr b="1" sz="1100"/>
+              <a:endParaRPr b="1" i="0" sz="1100" u="none" cap="none" strike="noStrike">
+                <a:solidFill>
+                  <a:srgbClr val="000000"/>
+                </a:solidFill>
+                <a:latin typeface="Arial"/>
+                <a:ea typeface="Arial"/>
+                <a:cs typeface="Arial"/>
+                <a:sym typeface="Arial"/>
+              </a:endParaRPr>
             </a:p>
             <a:p>
               <a:pPr indent="0" lvl="0" marL="0" marR="0" rtl="0" algn="r">
@@ -14377,10 +15188,26 @@
                 <a:buNone/>
               </a:pPr>
               <a:r>
-                <a:rPr b="1" lang="en" sz="1100"/>
+                <a:rPr b="1" i="0" lang="en" sz="1100" u="none" cap="none" strike="noStrike">
+                  <a:solidFill>
+                    <a:srgbClr val="000000"/>
+                  </a:solidFill>
+                  <a:latin typeface="Arial"/>
+                  <a:ea typeface="Arial"/>
+                  <a:cs typeface="Arial"/>
+                  <a:sym typeface="Arial"/>
+                </a:rPr>
                 <a:t>TeacherManager</a:t>
               </a:r>
-              <a:endParaRPr b="1" sz="1100"/>
+              <a:endParaRPr b="1" i="0" sz="1100" u="none" cap="none" strike="noStrike">
+                <a:solidFill>
+                  <a:srgbClr val="000000"/>
+                </a:solidFill>
+                <a:latin typeface="Arial"/>
+                <a:ea typeface="Arial"/>
+                <a:cs typeface="Arial"/>
+                <a:sym typeface="Arial"/>
+              </a:endParaRPr>
             </a:p>
             <a:p>
               <a:pPr indent="0" lvl="0" marL="0" marR="0" rtl="0" algn="r">
@@ -14401,10 +15228,26 @@
                 <a:buNone/>
               </a:pPr>
               <a:r>
-                <a:rPr b="1" lang="en" sz="1100"/>
+                <a:rPr b="1" i="0" lang="en" sz="1100" u="none" cap="none" strike="noStrike">
+                  <a:solidFill>
+                    <a:srgbClr val="000000"/>
+                  </a:solidFill>
+                  <a:latin typeface="Arial"/>
+                  <a:ea typeface="Arial"/>
+                  <a:cs typeface="Arial"/>
+                  <a:sym typeface="Arial"/>
+                </a:rPr>
                 <a:t>GuestManager</a:t>
               </a:r>
-              <a:endParaRPr b="1" sz="1100"/>
+              <a:endParaRPr b="1" i="0" sz="1100" u="none" cap="none" strike="noStrike">
+                <a:solidFill>
+                  <a:srgbClr val="000000"/>
+                </a:solidFill>
+                <a:latin typeface="Arial"/>
+                <a:ea typeface="Arial"/>
+                <a:cs typeface="Arial"/>
+                <a:sym typeface="Arial"/>
+              </a:endParaRPr>
             </a:p>
             <a:p>
               <a:pPr indent="0" lvl="0" marL="0" marR="0" rtl="0" algn="r">
@@ -14427,7 +15270,15 @@
               <a:r>
                 <a:t/>
               </a:r>
-              <a:endParaRPr b="1" sz="1100"/>
+              <a:endParaRPr b="1" i="0" sz="1100" u="none" cap="none" strike="noStrike">
+                <a:solidFill>
+                  <a:srgbClr val="000000"/>
+                </a:solidFill>
+                <a:latin typeface="Arial"/>
+                <a:ea typeface="Arial"/>
+                <a:cs typeface="Arial"/>
+                <a:sym typeface="Arial"/>
+              </a:endParaRPr>
             </a:p>
             <a:p>
               <a:pPr indent="0" lvl="0" marL="0" marR="0" rtl="0" algn="r">
@@ -14450,13 +15301,21 @@
               <a:r>
                 <a:t/>
               </a:r>
-              <a:endParaRPr b="1" sz="1100"/>
+              <a:endParaRPr b="1" i="0" sz="1100" u="none" cap="none" strike="noStrike">
+                <a:solidFill>
+                  <a:srgbClr val="000000"/>
+                </a:solidFill>
+                <a:latin typeface="Arial"/>
+                <a:ea typeface="Arial"/>
+                <a:cs typeface="Arial"/>
+                <a:sym typeface="Arial"/>
+              </a:endParaRPr>
             </a:p>
           </p:txBody>
         </p:sp>
         <p:sp>
           <p:nvSpPr>
-            <p:cNvPr id="254" name="Google Shape;254;p26"/>
+            <p:cNvPr id="254" name="Google Shape;254;p14"/>
             <p:cNvSpPr/>
             <p:nvPr/>
           </p:nvSpPr>
@@ -14487,7 +15346,7 @@
             </a:bodyPr>
             <a:lstStyle/>
             <a:p>
-              <a:pPr indent="-121918" lvl="0" marL="182880" marR="0" rtl="0" algn="l">
+              <a:pPr indent="-121917" lvl="0" marL="182880" marR="0" rtl="0" algn="l">
                 <a:lnSpc>
                   <a:spcPct val="100000"/>
                 </a:lnSpc>
@@ -14506,12 +15365,32 @@
               </a:pPr>
               <a:r>
                 <a:rPr lang="en" sz="1200"/>
-                <a:t>Set password</a:t>
+                <a:t>Res</a:t>
               </a:r>
-              <a:endParaRPr sz="1200"/>
+              <a:r>
+                <a:rPr b="0" i="0" lang="en" sz="1200" u="none" cap="none" strike="noStrike">
+                  <a:solidFill>
+                    <a:srgbClr val="000000"/>
+                  </a:solidFill>
+                  <a:latin typeface="Arial"/>
+                  <a:ea typeface="Arial"/>
+                  <a:cs typeface="Arial"/>
+                  <a:sym typeface="Arial"/>
+                </a:rPr>
+                <a:t>et password</a:t>
+              </a:r>
+              <a:endParaRPr b="0" i="0" sz="1200" u="none" cap="none" strike="noStrike">
+                <a:solidFill>
+                  <a:srgbClr val="000000"/>
+                </a:solidFill>
+                <a:latin typeface="Arial"/>
+                <a:ea typeface="Arial"/>
+                <a:cs typeface="Arial"/>
+                <a:sym typeface="Arial"/>
+              </a:endParaRPr>
             </a:p>
             <a:p>
-              <a:pPr indent="-121918" lvl="0" marL="182880" marR="0" rtl="0" algn="l">
+              <a:pPr indent="-121917" lvl="0" marL="182880" marR="0" rtl="0" algn="l">
                 <a:lnSpc>
                   <a:spcPct val="100000"/>
                 </a:lnSpc>
@@ -14521,17 +15400,41 @@
                 <a:spcAft>
                   <a:spcPts val="0"/>
                 </a:spcAft>
+                <a:buClr>
+                  <a:srgbClr val="000000"/>
+                </a:buClr>
                 <a:buSzPts val="1200"/>
+                <a:buFont typeface="Arial"/>
                 <a:buChar char="●"/>
               </a:pPr>
               <a:r>
                 <a:rPr lang="en" sz="1200"/>
-                <a:t>Set name</a:t>
+                <a:t>Res</a:t>
               </a:r>
-              <a:endParaRPr sz="1200"/>
+              <a:r>
+                <a:rPr b="0" i="0" lang="en" sz="1200" u="none" cap="none" strike="noStrike">
+                  <a:solidFill>
+                    <a:srgbClr val="000000"/>
+                  </a:solidFill>
+                  <a:latin typeface="Arial"/>
+                  <a:ea typeface="Arial"/>
+                  <a:cs typeface="Arial"/>
+                  <a:sym typeface="Arial"/>
+                </a:rPr>
+                <a:t>et name</a:t>
+              </a:r>
+              <a:endParaRPr b="0" i="0" sz="1200" u="none" cap="none" strike="noStrike">
+                <a:solidFill>
+                  <a:srgbClr val="000000"/>
+                </a:solidFill>
+                <a:latin typeface="Arial"/>
+                <a:ea typeface="Arial"/>
+                <a:cs typeface="Arial"/>
+                <a:sym typeface="Arial"/>
+              </a:endParaRPr>
             </a:p>
             <a:p>
-              <a:pPr indent="-121918" lvl="0" marL="182880" marR="0" rtl="0" algn="l">
+              <a:pPr indent="-121917" lvl="0" marL="182880" marR="0" rtl="0" algn="l">
                 <a:lnSpc>
                   <a:spcPct val="100000"/>
                 </a:lnSpc>
@@ -14541,17 +15444,41 @@
                 <a:spcAft>
                   <a:spcPts val="0"/>
                 </a:spcAft>
+                <a:buClr>
+                  <a:srgbClr val="000000"/>
+                </a:buClr>
                 <a:buSzPts val="1200"/>
+                <a:buFont typeface="Arial"/>
                 <a:buChar char="●"/>
               </a:pPr>
               <a:r>
                 <a:rPr lang="en" sz="1200"/>
-                <a:t>Set email</a:t>
+                <a:t>Res</a:t>
               </a:r>
-              <a:endParaRPr sz="1200"/>
+              <a:r>
+                <a:rPr b="0" i="0" lang="en" sz="1200" u="none" cap="none" strike="noStrike">
+                  <a:solidFill>
+                    <a:srgbClr val="000000"/>
+                  </a:solidFill>
+                  <a:latin typeface="Arial"/>
+                  <a:ea typeface="Arial"/>
+                  <a:cs typeface="Arial"/>
+                  <a:sym typeface="Arial"/>
+                </a:rPr>
+                <a:t>et email</a:t>
+              </a:r>
+              <a:endParaRPr b="0" i="0" sz="1200" u="none" cap="none" strike="noStrike">
+                <a:solidFill>
+                  <a:srgbClr val="000000"/>
+                </a:solidFill>
+                <a:latin typeface="Arial"/>
+                <a:ea typeface="Arial"/>
+                <a:cs typeface="Arial"/>
+                <a:sym typeface="Arial"/>
+              </a:endParaRPr>
             </a:p>
             <a:p>
-              <a:pPr indent="-121918" lvl="0" marL="182880" marR="0" rtl="0" algn="l">
+              <a:pPr indent="-121917" lvl="0" marL="182880" marR="0" rtl="0" algn="l">
                 <a:lnSpc>
                   <a:spcPct val="100000"/>
                 </a:lnSpc>
@@ -14561,14 +15488,38 @@
                 <a:spcAft>
                   <a:spcPts val="0"/>
                 </a:spcAft>
+                <a:buClr>
+                  <a:srgbClr val="000000"/>
+                </a:buClr>
                 <a:buSzPts val="1200"/>
+                <a:buFont typeface="Arial"/>
                 <a:buChar char="●"/>
               </a:pPr>
               <a:r>
                 <a:rPr lang="en" sz="1200"/>
-                <a:t>Set balance</a:t>
+                <a:t>Res</a:t>
               </a:r>
-              <a:endParaRPr sz="1200"/>
+              <a:r>
+                <a:rPr b="0" i="0" lang="en" sz="1200" u="none" cap="none" strike="noStrike">
+                  <a:solidFill>
+                    <a:srgbClr val="000000"/>
+                  </a:solidFill>
+                  <a:latin typeface="Arial"/>
+                  <a:ea typeface="Arial"/>
+                  <a:cs typeface="Arial"/>
+                  <a:sym typeface="Arial"/>
+                </a:rPr>
+                <a:t>et balance</a:t>
+              </a:r>
+              <a:endParaRPr b="0" i="0" sz="1200" u="none" cap="none" strike="noStrike">
+                <a:solidFill>
+                  <a:srgbClr val="000000"/>
+                </a:solidFill>
+                <a:latin typeface="Arial"/>
+                <a:ea typeface="Arial"/>
+                <a:cs typeface="Arial"/>
+                <a:sym typeface="Arial"/>
+              </a:endParaRPr>
             </a:p>
             <a:p>
               <a:pPr indent="0" lvl="0" marL="457200" marR="0" rtl="0" algn="l">
@@ -14581,18 +15532,31 @@
                 <a:spcAft>
                   <a:spcPts val="0"/>
                 </a:spcAft>
+                <a:buClr>
+                  <a:srgbClr val="000000"/>
+                </a:buClr>
+                <a:buSzPts val="1200"/>
+                <a:buFont typeface="Arial"/>
                 <a:buNone/>
               </a:pPr>
               <a:r>
                 <a:t/>
               </a:r>
-              <a:endParaRPr sz="1200"/>
+              <a:endParaRPr b="0" i="0" sz="1200" u="none" cap="none" strike="noStrike">
+                <a:solidFill>
+                  <a:srgbClr val="000000"/>
+                </a:solidFill>
+                <a:latin typeface="Arial"/>
+                <a:ea typeface="Arial"/>
+                <a:cs typeface="Arial"/>
+                <a:sym typeface="Arial"/>
+              </a:endParaRPr>
             </a:p>
           </p:txBody>
         </p:sp>
         <p:sp>
           <p:nvSpPr>
-            <p:cNvPr id="255" name="Google Shape;255;p26"/>
+            <p:cNvPr id="255" name="Google Shape;255;p14"/>
             <p:cNvSpPr/>
             <p:nvPr/>
           </p:nvSpPr>
@@ -14641,10 +15605,26 @@
                 <a:buNone/>
               </a:pPr>
               <a:r>
-                <a:rPr lang="en" sz="1200"/>
+                <a:rPr b="0" i="0" lang="en" sz="1200" u="none" cap="none" strike="noStrike">
+                  <a:solidFill>
+                    <a:srgbClr val="000000"/>
+                  </a:solidFill>
+                  <a:latin typeface="Arial"/>
+                  <a:ea typeface="Arial"/>
+                  <a:cs typeface="Arial"/>
+                  <a:sym typeface="Arial"/>
+                </a:rPr>
                 <a:t>Word</a:t>
               </a:r>
-              <a:endParaRPr sz="1200"/>
+              <a:endParaRPr b="0" i="0" sz="1200" u="none" cap="none" strike="noStrike">
+                <a:solidFill>
+                  <a:srgbClr val="000000"/>
+                </a:solidFill>
+                <a:latin typeface="Arial"/>
+                <a:ea typeface="Arial"/>
+                <a:cs typeface="Arial"/>
+                <a:sym typeface="Arial"/>
+              </a:endParaRPr>
             </a:p>
             <a:p>
               <a:pPr indent="0" lvl="0" marL="0" marR="0" rtl="0" algn="l">
@@ -14665,10 +15645,26 @@
                 <a:buNone/>
               </a:pPr>
               <a:r>
-                <a:rPr lang="en" sz="1200"/>
+                <a:rPr b="0" i="0" lang="en" sz="1200" u="none" cap="none" strike="noStrike">
+                  <a:solidFill>
+                    <a:srgbClr val="000000"/>
+                  </a:solidFill>
+                  <a:latin typeface="Arial"/>
+                  <a:ea typeface="Arial"/>
+                  <a:cs typeface="Arial"/>
+                  <a:sym typeface="Arial"/>
+                </a:rPr>
                 <a:t>User</a:t>
               </a:r>
-              <a:endParaRPr sz="1200"/>
+              <a:endParaRPr b="0" i="0" sz="1200" u="none" cap="none" strike="noStrike">
+                <a:solidFill>
+                  <a:srgbClr val="000000"/>
+                </a:solidFill>
+                <a:latin typeface="Arial"/>
+                <a:ea typeface="Arial"/>
+                <a:cs typeface="Arial"/>
+                <a:sym typeface="Arial"/>
+              </a:endParaRPr>
             </a:p>
             <a:p>
               <a:pPr indent="0" lvl="0" marL="0" marR="0" rtl="0" algn="l">
@@ -14691,14 +15687,22 @@
               <a:r>
                 <a:t/>
               </a:r>
-              <a:endParaRPr sz="1200"/>
+              <a:endParaRPr b="0" i="0" sz="1200" u="none" cap="none" strike="noStrike">
+                <a:solidFill>
+                  <a:srgbClr val="000000"/>
+                </a:solidFill>
+                <a:latin typeface="Arial"/>
+                <a:ea typeface="Arial"/>
+                <a:cs typeface="Arial"/>
+                <a:sym typeface="Arial"/>
+              </a:endParaRPr>
             </a:p>
           </p:txBody>
         </p:sp>
       </p:grpSp>
       <p:sp>
         <p:nvSpPr>
-          <p:cNvPr id="256" name="Google Shape;256;p26"/>
+          <p:cNvPr id="256" name="Google Shape;256;p14"/>
           <p:cNvSpPr txBox="1"/>
           <p:nvPr>
             <p:ph idx="4294967295" type="title"/>
@@ -14746,7 +15750,7 @@
       </p:sp>
       <p:grpSp>
         <p:nvGrpSpPr>
-          <p:cNvPr id="257" name="Google Shape;257;p26"/>
+          <p:cNvPr id="257" name="Google Shape;257;p14"/>
           <p:cNvGrpSpPr/>
           <p:nvPr/>
         </p:nvGrpSpPr>
@@ -14760,7 +15764,7 @@
         </p:grpSpPr>
         <p:sp>
           <p:nvSpPr>
-            <p:cNvPr id="258" name="Google Shape;258;p26"/>
+            <p:cNvPr id="258" name="Google Shape;258;p14"/>
             <p:cNvSpPr/>
             <p:nvPr/>
           </p:nvSpPr>
@@ -14825,7 +15829,7 @@
         </p:sp>
         <p:sp>
           <p:nvSpPr>
-            <p:cNvPr id="259" name="Google Shape;259;p26"/>
+            <p:cNvPr id="259" name="Google Shape;259;p14"/>
             <p:cNvSpPr/>
             <p:nvPr/>
           </p:nvSpPr>
@@ -14874,7 +15878,15 @@
                 <a:buNone/>
               </a:pPr>
               <a:r>
-                <a:rPr b="1" lang="en"/>
+                <a:rPr b="1" i="0" lang="en" sz="1400" u="none" cap="none" strike="noStrike">
+                  <a:solidFill>
+                    <a:srgbClr val="000000"/>
+                  </a:solidFill>
+                  <a:latin typeface="Arial"/>
+                  <a:ea typeface="Arial"/>
+                  <a:cs typeface="Arial"/>
+                  <a:sym typeface="Arial"/>
+                </a:rPr>
                 <a:t>TeacherManager</a:t>
               </a:r>
               <a:endParaRPr b="1" i="0" sz="1400" u="none" cap="none" strike="noStrike">
@@ -14891,7 +15903,7 @@
         </p:sp>
         <p:sp>
           <p:nvSpPr>
-            <p:cNvPr id="260" name="Google Shape;260;p26"/>
+            <p:cNvPr id="260" name="Google Shape;260;p14"/>
             <p:cNvSpPr/>
             <p:nvPr/>
           </p:nvSpPr>
@@ -14957,7 +15969,7 @@
         </p:sp>
         <p:sp>
           <p:nvSpPr>
-            <p:cNvPr id="261" name="Google Shape;261;p26"/>
+            <p:cNvPr id="261" name="Google Shape;261;p14"/>
             <p:cNvSpPr/>
             <p:nvPr/>
           </p:nvSpPr>
@@ -15014,7 +16026,7 @@
         </p:sp>
         <p:sp>
           <p:nvSpPr>
-            <p:cNvPr id="262" name="Google Shape;262;p26"/>
+            <p:cNvPr id="262" name="Google Shape;262;p14"/>
             <p:cNvSpPr/>
             <p:nvPr/>
           </p:nvSpPr>
@@ -15045,7 +16057,7 @@
             </a:bodyPr>
             <a:lstStyle/>
             <a:p>
-              <a:pPr indent="-121918" lvl="0" marL="182880" marR="0" rtl="0" algn="l">
+              <a:pPr indent="-121917" lvl="0" marL="182880" marR="0" rtl="0" algn="l">
                 <a:lnSpc>
                   <a:spcPct val="100000"/>
                 </a:lnSpc>
@@ -15055,17 +16067,37 @@
                 <a:spcAft>
                   <a:spcPts val="0"/>
                 </a:spcAft>
+                <a:buClr>
+                  <a:srgbClr val="000000"/>
+                </a:buClr>
                 <a:buSzPts val="1200"/>
+                <a:buFont typeface="Arial"/>
                 <a:buChar char="●"/>
               </a:pPr>
               <a:r>
-                <a:rPr lang="en" sz="1200"/>
+                <a:rPr b="0" i="0" lang="en" sz="1200" u="none" cap="none" strike="noStrike">
+                  <a:solidFill>
+                    <a:srgbClr val="000000"/>
+                  </a:solidFill>
+                  <a:latin typeface="Arial"/>
+                  <a:ea typeface="Arial"/>
+                  <a:cs typeface="Arial"/>
+                  <a:sym typeface="Arial"/>
+                </a:rPr>
                 <a:t>Create group</a:t>
               </a:r>
-              <a:endParaRPr sz="1200"/>
+              <a:endParaRPr b="0" i="0" sz="1200" u="none" cap="none" strike="noStrike">
+                <a:solidFill>
+                  <a:srgbClr val="000000"/>
+                </a:solidFill>
+                <a:latin typeface="Arial"/>
+                <a:ea typeface="Arial"/>
+                <a:cs typeface="Arial"/>
+                <a:sym typeface="Arial"/>
+              </a:endParaRPr>
             </a:p>
             <a:p>
-              <a:pPr indent="-121918" lvl="0" marL="182880" marR="0" rtl="0" algn="l">
+              <a:pPr indent="-121917" lvl="0" marL="182880" marR="0" rtl="0" algn="l">
                 <a:lnSpc>
                   <a:spcPct val="100000"/>
                 </a:lnSpc>
@@ -15075,25 +16107,37 @@
                 <a:spcAft>
                   <a:spcPts val="0"/>
                 </a:spcAft>
+                <a:buClr>
+                  <a:srgbClr val="000000"/>
+                </a:buClr>
                 <a:buSzPts val="1200"/>
+                <a:buFont typeface="Arial"/>
                 <a:buChar char="●"/>
               </a:pPr>
               <a:r>
-                <a:rPr lang="en" sz="1200">
+                <a:rPr b="0" i="0" lang="en" sz="1200" u="none" cap="none" strike="noStrike">
                   <a:solidFill>
                     <a:schemeClr val="dk1"/>
                   </a:solidFill>
+                  <a:latin typeface="Arial"/>
+                  <a:ea typeface="Arial"/>
+                  <a:cs typeface="Arial"/>
+                  <a:sym typeface="Arial"/>
                 </a:rPr>
                 <a:t>Purchase ads</a:t>
               </a:r>
-              <a:endParaRPr sz="1200">
+              <a:endParaRPr b="0" i="0" sz="1200" u="none" cap="none" strike="noStrike">
                 <a:solidFill>
                   <a:schemeClr val="dk1"/>
                 </a:solidFill>
+                <a:latin typeface="Arial"/>
+                <a:ea typeface="Arial"/>
+                <a:cs typeface="Arial"/>
+                <a:sym typeface="Arial"/>
               </a:endParaRPr>
             </a:p>
             <a:p>
-              <a:pPr indent="-121918" lvl="0" marL="182880" marR="0" rtl="0" algn="l">
+              <a:pPr indent="-121917" lvl="0" marL="182880" marR="0" rtl="0" algn="l">
                 <a:lnSpc>
                   <a:spcPct val="100000"/>
                 </a:lnSpc>
@@ -15107,24 +16151,33 @@
                   <a:schemeClr val="dk1"/>
                 </a:buClr>
                 <a:buSzPts val="1200"/>
+                <a:buFont typeface="Arial"/>
                 <a:buChar char="●"/>
               </a:pPr>
               <a:r>
-                <a:rPr lang="en" sz="1200">
+                <a:rPr b="0" i="0" lang="en" sz="1200" u="none" cap="none" strike="noStrike">
                   <a:solidFill>
                     <a:schemeClr val="dk1"/>
                   </a:solidFill>
+                  <a:latin typeface="Arial"/>
+                  <a:ea typeface="Arial"/>
+                  <a:cs typeface="Arial"/>
+                  <a:sym typeface="Arial"/>
                 </a:rPr>
                 <a:t>Purchase test or make test</a:t>
               </a:r>
-              <a:endParaRPr sz="1200">
+              <a:endParaRPr b="0" i="0" sz="1200" u="none" cap="none" strike="noStrike">
                 <a:solidFill>
                   <a:schemeClr val="dk1"/>
                 </a:solidFill>
+                <a:latin typeface="Arial"/>
+                <a:ea typeface="Arial"/>
+                <a:cs typeface="Arial"/>
+                <a:sym typeface="Arial"/>
               </a:endParaRPr>
             </a:p>
             <a:p>
-              <a:pPr indent="-121918" lvl="0" marL="182880" marR="0" rtl="0" algn="l">
+              <a:pPr indent="-121917" lvl="0" marL="182880" marR="0" rtl="0" algn="l">
                 <a:lnSpc>
                   <a:spcPct val="100000"/>
                 </a:lnSpc>
@@ -15138,27 +16191,36 @@
                   <a:schemeClr val="dk1"/>
                 </a:buClr>
                 <a:buSzPts val="1200"/>
+                <a:buFont typeface="Arial"/>
                 <a:buChar char="●"/>
               </a:pPr>
               <a:r>
-                <a:rPr lang="en" sz="1200">
+                <a:rPr b="0" i="0" lang="en" sz="1200" u="none" cap="none" strike="noStrike">
                   <a:solidFill>
                     <a:schemeClr val="dk1"/>
                   </a:solidFill>
+                  <a:latin typeface="Arial"/>
+                  <a:ea typeface="Arial"/>
+                  <a:cs typeface="Arial"/>
+                  <a:sym typeface="Arial"/>
                 </a:rPr>
                 <a:t>Create teacher account</a:t>
               </a:r>
-              <a:endParaRPr sz="1200">
+              <a:endParaRPr b="0" i="0" sz="1200" u="none" cap="none" strike="noStrike">
                 <a:solidFill>
                   <a:schemeClr val="dk1"/>
                 </a:solidFill>
+                <a:latin typeface="Arial"/>
+                <a:ea typeface="Arial"/>
+                <a:cs typeface="Arial"/>
+                <a:sym typeface="Arial"/>
               </a:endParaRPr>
             </a:p>
           </p:txBody>
         </p:sp>
         <p:sp>
           <p:nvSpPr>
-            <p:cNvPr id="263" name="Google Shape;263;p26"/>
+            <p:cNvPr id="263" name="Google Shape;263;p14"/>
             <p:cNvSpPr/>
             <p:nvPr/>
           </p:nvSpPr>
@@ -15207,10 +16269,26 @@
                 <a:buNone/>
               </a:pPr>
               <a:r>
-                <a:rPr lang="en" sz="1200"/>
+                <a:rPr b="0" i="0" lang="en" sz="1200" u="none" cap="none" strike="noStrike">
+                  <a:solidFill>
+                    <a:srgbClr val="000000"/>
+                  </a:solidFill>
+                  <a:latin typeface="Arial"/>
+                  <a:ea typeface="Arial"/>
+                  <a:cs typeface="Arial"/>
+                  <a:sym typeface="Arial"/>
+                </a:rPr>
                 <a:t>Teacher</a:t>
               </a:r>
-              <a:endParaRPr sz="1200"/>
+              <a:endParaRPr b="0" i="0" sz="1200" u="none" cap="none" strike="noStrike">
+                <a:solidFill>
+                  <a:srgbClr val="000000"/>
+                </a:solidFill>
+                <a:latin typeface="Arial"/>
+                <a:ea typeface="Arial"/>
+                <a:cs typeface="Arial"/>
+                <a:sym typeface="Arial"/>
+              </a:endParaRPr>
             </a:p>
             <a:p>
               <a:pPr indent="0" lvl="0" marL="0" marR="0" rtl="0" algn="l">
@@ -15231,17 +16309,33 @@
                 <a:buNone/>
               </a:pPr>
               <a:r>
-                <a:rPr lang="en" sz="1200"/>
+                <a:rPr b="0" i="0" lang="en" sz="1200" u="none" cap="none" strike="noStrike">
+                  <a:solidFill>
+                    <a:srgbClr val="000000"/>
+                  </a:solidFill>
+                  <a:latin typeface="Arial"/>
+                  <a:ea typeface="Arial"/>
+                  <a:cs typeface="Arial"/>
+                  <a:sym typeface="Arial"/>
+                </a:rPr>
                 <a:t>Group Manager</a:t>
               </a:r>
-              <a:endParaRPr sz="1200"/>
+              <a:endParaRPr b="0" i="0" sz="1200" u="none" cap="none" strike="noStrike">
+                <a:solidFill>
+                  <a:srgbClr val="000000"/>
+                </a:solidFill>
+                <a:latin typeface="Arial"/>
+                <a:ea typeface="Arial"/>
+                <a:cs typeface="Arial"/>
+                <a:sym typeface="Arial"/>
+              </a:endParaRPr>
             </a:p>
           </p:txBody>
         </p:sp>
       </p:grpSp>
       <p:grpSp>
         <p:nvGrpSpPr>
-          <p:cNvPr id="264" name="Google Shape;264;p26"/>
+          <p:cNvPr id="264" name="Google Shape;264;p14"/>
           <p:cNvGrpSpPr/>
           <p:nvPr/>
         </p:nvGrpSpPr>
@@ -15255,7 +16349,7 @@
         </p:grpSpPr>
         <p:sp>
           <p:nvSpPr>
-            <p:cNvPr id="265" name="Google Shape;265;p26"/>
+            <p:cNvPr id="265" name="Google Shape;265;p14"/>
             <p:cNvSpPr/>
             <p:nvPr/>
           </p:nvSpPr>
@@ -15320,7 +16414,7 @@
         </p:sp>
         <p:sp>
           <p:nvSpPr>
-            <p:cNvPr id="266" name="Google Shape;266;p26"/>
+            <p:cNvPr id="266" name="Google Shape;266;p14"/>
             <p:cNvSpPr/>
             <p:nvPr/>
           </p:nvSpPr>
@@ -15369,7 +16463,15 @@
                 <a:buNone/>
               </a:pPr>
               <a:r>
-                <a:rPr b="1" lang="en"/>
+                <a:rPr b="1" i="0" lang="en" sz="1400" u="none" cap="none" strike="noStrike">
+                  <a:solidFill>
+                    <a:srgbClr val="000000"/>
+                  </a:solidFill>
+                  <a:latin typeface="Arial"/>
+                  <a:ea typeface="Arial"/>
+                  <a:cs typeface="Arial"/>
+                  <a:sym typeface="Arial"/>
+                </a:rPr>
                 <a:t>StudentManager</a:t>
               </a:r>
               <a:endParaRPr b="1" i="0" sz="1400" u="none" cap="none" strike="noStrike">
@@ -15386,7 +16488,7 @@
         </p:sp>
         <p:sp>
           <p:nvSpPr>
-            <p:cNvPr id="267" name="Google Shape;267;p26"/>
+            <p:cNvPr id="267" name="Google Shape;267;p14"/>
             <p:cNvSpPr/>
             <p:nvPr/>
           </p:nvSpPr>
@@ -15452,7 +16554,7 @@
         </p:sp>
         <p:sp>
           <p:nvSpPr>
-            <p:cNvPr id="268" name="Google Shape;268;p26"/>
+            <p:cNvPr id="268" name="Google Shape;268;p14"/>
             <p:cNvSpPr/>
             <p:nvPr/>
           </p:nvSpPr>
@@ -15483,7 +16585,7 @@
             </a:bodyPr>
             <a:lstStyle/>
             <a:p>
-              <a:pPr indent="-121918" lvl="0" marL="182880" marR="0" rtl="0" algn="l">
+              <a:pPr indent="-121917" lvl="0" marL="182880" marR="0" rtl="0" algn="l">
                 <a:lnSpc>
                   <a:spcPct val="100000"/>
                 </a:lnSpc>
@@ -15501,13 +16603,29 @@
                 <a:buChar char="●"/>
               </a:pPr>
               <a:r>
-                <a:rPr lang="en" sz="1200"/>
+                <a:rPr b="0" i="0" lang="en" sz="1200" u="none" cap="none" strike="noStrike">
+                  <a:solidFill>
+                    <a:srgbClr val="000000"/>
+                  </a:solidFill>
+                  <a:latin typeface="Arial"/>
+                  <a:ea typeface="Arial"/>
+                  <a:cs typeface="Arial"/>
+                  <a:sym typeface="Arial"/>
+                </a:rPr>
                 <a:t>Join a group</a:t>
               </a:r>
-              <a:endParaRPr sz="1200"/>
+              <a:endParaRPr b="0" i="0" sz="1200" u="none" cap="none" strike="noStrike">
+                <a:solidFill>
+                  <a:srgbClr val="000000"/>
+                </a:solidFill>
+                <a:latin typeface="Arial"/>
+                <a:ea typeface="Arial"/>
+                <a:cs typeface="Arial"/>
+                <a:sym typeface="Arial"/>
+              </a:endParaRPr>
             </a:p>
             <a:p>
-              <a:pPr indent="-121918" lvl="0" marL="182880" marR="0" rtl="0" algn="l">
+              <a:pPr indent="-121917" lvl="0" marL="182880" marR="0" rtl="0" algn="l">
                 <a:lnSpc>
                   <a:spcPct val="100000"/>
                 </a:lnSpc>
@@ -15517,17 +16635,37 @@
                 <a:spcAft>
                   <a:spcPts val="0"/>
                 </a:spcAft>
+                <a:buClr>
+                  <a:srgbClr val="000000"/>
+                </a:buClr>
                 <a:buSzPts val="1200"/>
+                <a:buFont typeface="Arial"/>
                 <a:buChar char="●"/>
               </a:pPr>
               <a:r>
-                <a:rPr lang="en" sz="1200"/>
+                <a:rPr b="0" i="0" lang="en" sz="1200" u="none" cap="none" strike="noStrike">
+                  <a:solidFill>
+                    <a:srgbClr val="000000"/>
+                  </a:solidFill>
+                  <a:latin typeface="Arial"/>
+                  <a:ea typeface="Arial"/>
+                  <a:cs typeface="Arial"/>
+                  <a:sym typeface="Arial"/>
+                </a:rPr>
                 <a:t>Change Student’s level</a:t>
               </a:r>
-              <a:endParaRPr sz="1200"/>
+              <a:endParaRPr b="0" i="0" sz="1200" u="none" cap="none" strike="noStrike">
+                <a:solidFill>
+                  <a:srgbClr val="000000"/>
+                </a:solidFill>
+                <a:latin typeface="Arial"/>
+                <a:ea typeface="Arial"/>
+                <a:cs typeface="Arial"/>
+                <a:sym typeface="Arial"/>
+              </a:endParaRPr>
             </a:p>
             <a:p>
-              <a:pPr indent="-121918" lvl="0" marL="182880" marR="0" rtl="0" algn="l">
+              <a:pPr indent="-121917" lvl="0" marL="182880" marR="0" rtl="0" algn="l">
                 <a:lnSpc>
                   <a:spcPct val="100000"/>
                 </a:lnSpc>
@@ -15537,20 +16675,40 @@
                 <a:spcAft>
                   <a:spcPts val="0"/>
                 </a:spcAft>
+                <a:buClr>
+                  <a:srgbClr val="000000"/>
+                </a:buClr>
                 <a:buSzPts val="1200"/>
+                <a:buFont typeface="Arial"/>
                 <a:buChar char="●"/>
               </a:pPr>
               <a:r>
-                <a:rPr lang="en" sz="1200"/>
+                <a:rPr b="0" i="0" lang="en" sz="1200" u="none" cap="none" strike="noStrike">
+                  <a:solidFill>
+                    <a:srgbClr val="000000"/>
+                  </a:solidFill>
+                  <a:latin typeface="Arial"/>
+                  <a:ea typeface="Arial"/>
+                  <a:cs typeface="Arial"/>
+                  <a:sym typeface="Arial"/>
+                </a:rPr>
                 <a:t>Create student account</a:t>
               </a:r>
-              <a:endParaRPr sz="1200"/>
+              <a:endParaRPr b="0" i="0" sz="1200" u="none" cap="none" strike="noStrike">
+                <a:solidFill>
+                  <a:srgbClr val="000000"/>
+                </a:solidFill>
+                <a:latin typeface="Arial"/>
+                <a:ea typeface="Arial"/>
+                <a:cs typeface="Arial"/>
+                <a:sym typeface="Arial"/>
+              </a:endParaRPr>
             </a:p>
           </p:txBody>
         </p:sp>
         <p:sp>
           <p:nvSpPr>
-            <p:cNvPr id="269" name="Google Shape;269;p26"/>
+            <p:cNvPr id="269" name="Google Shape;269;p14"/>
             <p:cNvSpPr/>
             <p:nvPr/>
           </p:nvSpPr>
@@ -15599,7 +16757,15 @@
                 <a:buNone/>
               </a:pPr>
               <a:r>
-                <a:rPr lang="en" sz="1200"/>
+                <a:rPr b="0" i="0" lang="en" sz="1200" u="none" cap="none" strike="noStrike">
+                  <a:solidFill>
+                    <a:srgbClr val="000000"/>
+                  </a:solidFill>
+                  <a:latin typeface="Arial"/>
+                  <a:ea typeface="Arial"/>
+                  <a:cs typeface="Arial"/>
+                  <a:sym typeface="Arial"/>
+                </a:rPr>
                 <a:t>Student</a:t>
               </a:r>
               <a:endParaRPr b="0" i="0" sz="1200" u="none" cap="none" strike="noStrike">
@@ -15617,7 +16783,7 @@
       </p:grpSp>
       <p:grpSp>
         <p:nvGrpSpPr>
-          <p:cNvPr id="270" name="Google Shape;270;p26"/>
+          <p:cNvPr id="270" name="Google Shape;270;p14"/>
           <p:cNvGrpSpPr/>
           <p:nvPr/>
         </p:nvGrpSpPr>
@@ -15631,7 +16797,7 @@
         </p:grpSpPr>
         <p:sp>
           <p:nvSpPr>
-            <p:cNvPr id="271" name="Google Shape;271;p26"/>
+            <p:cNvPr id="271" name="Google Shape;271;p14"/>
             <p:cNvSpPr/>
             <p:nvPr/>
           </p:nvSpPr>
@@ -15696,7 +16862,7 @@
         </p:sp>
         <p:sp>
           <p:nvSpPr>
-            <p:cNvPr id="272" name="Google Shape;272;p26"/>
+            <p:cNvPr id="272" name="Google Shape;272;p14"/>
             <p:cNvSpPr/>
             <p:nvPr/>
           </p:nvSpPr>
@@ -15745,7 +16911,15 @@
                 <a:buNone/>
               </a:pPr>
               <a:r>
-                <a:rPr b="1" lang="en"/>
+                <a:rPr b="1" i="0" lang="en" sz="1400" u="none" cap="none" strike="noStrike">
+                  <a:solidFill>
+                    <a:srgbClr val="000000"/>
+                  </a:solidFill>
+                  <a:latin typeface="Arial"/>
+                  <a:ea typeface="Arial"/>
+                  <a:cs typeface="Arial"/>
+                  <a:sym typeface="Arial"/>
+                </a:rPr>
                 <a:t>GuestManager</a:t>
               </a:r>
               <a:endParaRPr b="1" i="0" sz="1400" u="none" cap="none" strike="noStrike">
@@ -15762,7 +16936,7 @@
         </p:sp>
         <p:sp>
           <p:nvSpPr>
-            <p:cNvPr id="273" name="Google Shape;273;p26"/>
+            <p:cNvPr id="273" name="Google Shape;273;p14"/>
             <p:cNvSpPr/>
             <p:nvPr/>
           </p:nvSpPr>
@@ -15793,7 +16967,7 @@
             </a:bodyPr>
             <a:lstStyle/>
             <a:p>
-              <a:pPr indent="-121918" lvl="0" marL="182880" marR="0" rtl="0" algn="l">
+              <a:pPr indent="-121917" lvl="0" marL="182880" marR="0" rtl="0" algn="l">
                 <a:lnSpc>
                   <a:spcPct val="100000"/>
                 </a:lnSpc>
@@ -15803,20 +16977,40 @@
                 <a:spcAft>
                   <a:spcPts val="0"/>
                 </a:spcAft>
+                <a:buClr>
+                  <a:srgbClr val="000000"/>
+                </a:buClr>
                 <a:buSzPts val="1200"/>
+                <a:buFont typeface="Arial"/>
                 <a:buChar char="●"/>
               </a:pPr>
               <a:r>
-                <a:rPr lang="en" sz="1200"/>
+                <a:rPr b="0" i="0" lang="en" sz="1200" u="none" cap="none" strike="noStrike">
+                  <a:solidFill>
+                    <a:srgbClr val="000000"/>
+                  </a:solidFill>
+                  <a:latin typeface="Arial"/>
+                  <a:ea typeface="Arial"/>
+                  <a:cs typeface="Arial"/>
+                  <a:sym typeface="Arial"/>
+                </a:rPr>
                 <a:t>Create guest account</a:t>
               </a:r>
-              <a:endParaRPr sz="1200"/>
+              <a:endParaRPr b="0" i="0" sz="1200" u="none" cap="none" strike="noStrike">
+                <a:solidFill>
+                  <a:srgbClr val="000000"/>
+                </a:solidFill>
+                <a:latin typeface="Arial"/>
+                <a:ea typeface="Arial"/>
+                <a:cs typeface="Arial"/>
+                <a:sym typeface="Arial"/>
+              </a:endParaRPr>
             </a:p>
           </p:txBody>
         </p:sp>
         <p:sp>
           <p:nvSpPr>
-            <p:cNvPr id="274" name="Google Shape;274;p26"/>
+            <p:cNvPr id="274" name="Google Shape;274;p14"/>
             <p:cNvSpPr/>
             <p:nvPr/>
           </p:nvSpPr>
@@ -15865,7 +17059,15 @@
                 <a:buNone/>
               </a:pPr>
               <a:r>
-                <a:rPr lang="en" sz="1200"/>
+                <a:rPr b="0" i="0" lang="en" sz="1200" u="none" cap="none" strike="noStrike">
+                  <a:solidFill>
+                    <a:srgbClr val="000000"/>
+                  </a:solidFill>
+                  <a:latin typeface="Arial"/>
+                  <a:ea typeface="Arial"/>
+                  <a:cs typeface="Arial"/>
+                  <a:sym typeface="Arial"/>
+                </a:rPr>
                 <a:t>Guest</a:t>
               </a:r>
               <a:endParaRPr b="0" i="0" sz="1200" u="none" cap="none" strike="noStrike">
@@ -15882,7 +17084,7 @@
         </p:sp>
         <p:sp>
           <p:nvSpPr>
-            <p:cNvPr id="275" name="Google Shape;275;p26"/>
+            <p:cNvPr id="275" name="Google Shape;275;p14"/>
             <p:cNvSpPr/>
             <p:nvPr/>
           </p:nvSpPr>
@@ -15932,11 +17134,7 @@
                   <a:cs typeface="Arial"/>
                   <a:sym typeface="Arial"/>
                 </a:rPr>
-                <a:t>Parent: </a:t>
-              </a:r>
-              <a:r>
-                <a:rPr b="1" lang="en" sz="1100"/>
-                <a:t>UserManager</a:t>
+                <a:t>Parent: UserManager</a:t>
               </a:r>
               <a:endParaRPr b="1" i="0" sz="1100" u="none" cap="none" strike="noStrike">
                 <a:solidFill>
@@ -15953,7 +17151,7 @@
       </p:grpSp>
       <p:cxnSp>
         <p:nvCxnSpPr>
-          <p:cNvPr id="276" name="Google Shape;276;p26"/>
+          <p:cNvPr id="276" name="Google Shape;276;p14"/>
           <p:cNvCxnSpPr/>
           <p:nvPr/>
         </p:nvCxnSpPr>
@@ -15972,14 +17170,14 @@
             </a:solidFill>
             <a:prstDash val="solid"/>
             <a:round/>
-            <a:headEnd len="med" w="med" type="none"/>
+            <a:headEnd len="sm" w="sm" type="none"/>
             <a:tailEnd len="med" w="med" type="triangle"/>
           </a:ln>
         </p:spPr>
       </p:cxnSp>
       <p:cxnSp>
         <p:nvCxnSpPr>
-          <p:cNvPr id="277" name="Google Shape;277;p26"/>
+          <p:cNvPr id="277" name="Google Shape;277;p14"/>
           <p:cNvCxnSpPr/>
           <p:nvPr/>
         </p:nvCxnSpPr>
@@ -15998,14 +17196,14 @@
             </a:solidFill>
             <a:prstDash val="solid"/>
             <a:round/>
-            <a:headEnd len="med" w="med" type="none"/>
+            <a:headEnd len="sm" w="sm" type="none"/>
             <a:tailEnd len="med" w="med" type="triangle"/>
           </a:ln>
         </p:spPr>
       </p:cxnSp>
       <p:cxnSp>
         <p:nvCxnSpPr>
-          <p:cNvPr id="278" name="Google Shape;278;p26"/>
+          <p:cNvPr id="278" name="Google Shape;278;p14"/>
           <p:cNvCxnSpPr/>
           <p:nvPr/>
         </p:nvCxnSpPr>
@@ -16024,7 +17222,7 @@
             </a:solidFill>
             <a:prstDash val="solid"/>
             <a:round/>
-            <a:headEnd len="med" w="med" type="none"/>
+            <a:headEnd len="sm" w="sm" type="none"/>
             <a:tailEnd len="med" w="med" type="triangle"/>
           </a:ln>
         </p:spPr>
@@ -16056,7 +17254,7 @@
       </p:grpSpPr>
       <p:grpSp>
         <p:nvGrpSpPr>
-          <p:cNvPr id="283" name="Google Shape;283;p27"/>
+          <p:cNvPr id="283" name="Google Shape;283;p15"/>
           <p:cNvGrpSpPr/>
           <p:nvPr/>
         </p:nvGrpSpPr>
@@ -16070,7 +17268,7 @@
         </p:grpSpPr>
         <p:sp>
           <p:nvSpPr>
-            <p:cNvPr id="284" name="Google Shape;284;p27"/>
+            <p:cNvPr id="284" name="Google Shape;284;p15"/>
             <p:cNvSpPr/>
             <p:nvPr/>
           </p:nvSpPr>
@@ -16135,7 +17333,7 @@
         </p:sp>
         <p:sp>
           <p:nvSpPr>
-            <p:cNvPr id="285" name="Google Shape;285;p27"/>
+            <p:cNvPr id="285" name="Google Shape;285;p15"/>
             <p:cNvSpPr/>
             <p:nvPr/>
           </p:nvSpPr>
@@ -16185,7 +17383,19 @@
               </a:pPr>
               <a:r>
                 <a:rPr b="1" lang="en"/>
-                <a:t>UserController</a:t>
+                <a:t>Main</a:t>
+              </a:r>
+              <a:r>
+                <a:rPr b="1" i="0" lang="en" sz="1400" u="none" cap="none" strike="noStrike">
+                  <a:solidFill>
+                    <a:srgbClr val="000000"/>
+                  </a:solidFill>
+                  <a:latin typeface="Arial"/>
+                  <a:ea typeface="Arial"/>
+                  <a:cs typeface="Arial"/>
+                  <a:sym typeface="Arial"/>
+                </a:rPr>
+                <a:t>Controller</a:t>
               </a:r>
               <a:endParaRPr b="1" i="0" sz="1400" u="none" cap="none" strike="noStrike">
                 <a:solidFill>
@@ -16201,7 +17411,7 @@
         </p:sp>
         <p:sp>
           <p:nvSpPr>
-            <p:cNvPr id="286" name="Google Shape;286;p27"/>
+            <p:cNvPr id="286" name="Google Shape;286;p15"/>
             <p:cNvSpPr/>
             <p:nvPr/>
           </p:nvSpPr>
@@ -16258,7 +17468,7 @@
         </p:sp>
         <p:sp>
           <p:nvSpPr>
-            <p:cNvPr id="287" name="Google Shape;287;p27"/>
+            <p:cNvPr id="287" name="Google Shape;287;p15"/>
             <p:cNvSpPr/>
             <p:nvPr/>
           </p:nvSpPr>
@@ -16289,7 +17499,7 @@
             </a:bodyPr>
             <a:lstStyle/>
             <a:p>
-              <a:pPr indent="-121918" lvl="0" marL="182880" marR="0" rtl="0" algn="l">
+              <a:pPr indent="-121917" lvl="0" marL="182880" marR="0" rtl="0" algn="l">
                 <a:lnSpc>
                   <a:spcPct val="100000"/>
                 </a:lnSpc>
@@ -16308,12 +17518,12 @@
               </a:pPr>
               <a:r>
                 <a:rPr lang="en" sz="1200"/>
-                <a:t>Display the account detail of the user(name, email, fund, password)</a:t>
+                <a:t>The whole operating system for now.</a:t>
               </a:r>
               <a:endParaRPr sz="1200"/>
             </a:p>
             <a:p>
-              <a:pPr indent="-121918" lvl="0" marL="182880" marR="0" rtl="0" algn="l">
+              <a:pPr indent="-121917" lvl="0" marL="182880" marR="0" rtl="0" algn="l">
                 <a:lnSpc>
                   <a:spcPct val="100000"/>
                 </a:lnSpc>
@@ -16328,12 +17538,12 @@
               </a:pPr>
               <a:r>
                 <a:rPr lang="en" sz="1200"/>
-                <a:t>Display the level</a:t>
+                <a:t>create an account according to your identity</a:t>
               </a:r>
               <a:endParaRPr sz="1200"/>
             </a:p>
             <a:p>
-              <a:pPr indent="-121918" lvl="0" marL="182880" marR="0" rtl="0" algn="l">
+              <a:pPr indent="-121917" lvl="0" marL="182880" marR="0" rtl="0" algn="l">
                 <a:lnSpc>
                   <a:spcPct val="100000"/>
                 </a:lnSpc>
@@ -16348,12 +17558,12 @@
               </a:pPr>
               <a:r>
                 <a:rPr lang="en" sz="1200"/>
-                <a:t>Display the word learnt</a:t>
+                <a:t>create a group (for teachers)</a:t>
               </a:r>
               <a:endParaRPr sz="1200"/>
             </a:p>
             <a:p>
-              <a:pPr indent="-121918" lvl="0" marL="182880" marR="0" rtl="0" algn="l">
+              <a:pPr indent="-121917" lvl="0" marL="182880" marR="0" rtl="0" algn="l">
                 <a:lnSpc>
                   <a:spcPct val="100000"/>
                 </a:lnSpc>
@@ -16368,7 +17578,27 @@
               </a:pPr>
               <a:r>
                 <a:rPr lang="en" sz="1200"/>
-                <a:t>Pass the input to UserController</a:t>
+                <a:t>join a group(for students)</a:t>
+              </a:r>
+              <a:endParaRPr sz="1200"/>
+            </a:p>
+            <a:p>
+              <a:pPr indent="-121917" lvl="0" marL="182880" marR="0" rtl="0" algn="l">
+                <a:lnSpc>
+                  <a:spcPct val="100000"/>
+                </a:lnSpc>
+                <a:spcBef>
+                  <a:spcPts val="0"/>
+                </a:spcBef>
+                <a:spcAft>
+                  <a:spcPts val="0"/>
+                </a:spcAft>
+                <a:buSzPts val="1200"/>
+                <a:buChar char="●"/>
+              </a:pPr>
+              <a:r>
+                <a:rPr lang="en" sz="1200"/>
+                <a:t>take diagnostic test and get a level</a:t>
               </a:r>
               <a:endParaRPr sz="1200"/>
             </a:p>
@@ -16383,18 +17613,31 @@
                 <a:spcAft>
                   <a:spcPts val="0"/>
                 </a:spcAft>
+                <a:buClr>
+                  <a:srgbClr val="000000"/>
+                </a:buClr>
+                <a:buSzPts val="1200"/>
+                <a:buFont typeface="Arial"/>
                 <a:buNone/>
               </a:pPr>
               <a:r>
                 <a:t/>
               </a:r>
-              <a:endParaRPr sz="1200"/>
+              <a:endParaRPr b="0" i="0" sz="1200" u="none" cap="none" strike="noStrike">
+                <a:solidFill>
+                  <a:srgbClr val="000000"/>
+                </a:solidFill>
+                <a:latin typeface="Arial"/>
+                <a:ea typeface="Arial"/>
+                <a:cs typeface="Arial"/>
+                <a:sym typeface="Arial"/>
+              </a:endParaRPr>
             </a:p>
           </p:txBody>
         </p:sp>
         <p:sp>
           <p:nvSpPr>
-            <p:cNvPr id="288" name="Google Shape;288;p27"/>
+            <p:cNvPr id="288" name="Google Shape;288;p15"/>
             <p:cNvSpPr/>
             <p:nvPr/>
           </p:nvSpPr>
@@ -16443,8 +17686,88 @@
                 <a:buNone/>
               </a:pPr>
               <a:r>
+                <a:rPr b="0" i="0" lang="en" sz="1200" u="none" cap="none" strike="noStrike">
+                  <a:solidFill>
+                    <a:srgbClr val="000000"/>
+                  </a:solidFill>
+                  <a:latin typeface="Arial"/>
+                  <a:ea typeface="Arial"/>
+                  <a:cs typeface="Arial"/>
+                  <a:sym typeface="Arial"/>
+                </a:rPr>
+                <a:t>Word</a:t>
+              </a:r>
+              <a:endParaRPr b="0" i="0" sz="1200" u="none" cap="none" strike="noStrike">
+                <a:solidFill>
+                  <a:srgbClr val="000000"/>
+                </a:solidFill>
+                <a:latin typeface="Arial"/>
+                <a:ea typeface="Arial"/>
+                <a:cs typeface="Arial"/>
+                <a:sym typeface="Arial"/>
+              </a:endParaRPr>
+            </a:p>
+            <a:p>
+              <a:pPr indent="0" lvl="0" marL="0" marR="0" rtl="0" algn="l">
+                <a:lnSpc>
+                  <a:spcPct val="100000"/>
+                </a:lnSpc>
+                <a:spcBef>
+                  <a:spcPts val="0"/>
+                </a:spcBef>
+                <a:spcAft>
+                  <a:spcPts val="0"/>
+                </a:spcAft>
+                <a:buClr>
+                  <a:srgbClr val="000000"/>
+                </a:buClr>
+                <a:buSzPts val="1200"/>
+                <a:buFont typeface="Arial"/>
+                <a:buNone/>
+              </a:pPr>
+              <a:r>
+                <a:rPr b="0" i="0" lang="en" sz="1200" u="none" cap="none" strike="noStrike">
+                  <a:solidFill>
+                    <a:srgbClr val="000000"/>
+                  </a:solidFill>
+                  <a:latin typeface="Arial"/>
+                  <a:ea typeface="Arial"/>
+                  <a:cs typeface="Arial"/>
+                  <a:sym typeface="Arial"/>
+                </a:rPr>
+                <a:t>User</a:t>
+              </a:r>
+              <a:endParaRPr b="0" i="0" sz="1200" u="none" cap="none" strike="noStrike">
+                <a:solidFill>
+                  <a:srgbClr val="000000"/>
+                </a:solidFill>
+                <a:latin typeface="Arial"/>
+                <a:ea typeface="Arial"/>
+                <a:cs typeface="Arial"/>
+                <a:sym typeface="Arial"/>
+              </a:endParaRPr>
+            </a:p>
+            <a:p>
+              <a:pPr indent="0" lvl="0" marL="0" marR="0" rtl="0" algn="l">
+                <a:lnSpc>
+                  <a:spcPct val="100000"/>
+                </a:lnSpc>
+                <a:spcBef>
+                  <a:spcPts val="0"/>
+                </a:spcBef>
+                <a:spcAft>
+                  <a:spcPts val="0"/>
+                </a:spcAft>
+                <a:buClr>
+                  <a:srgbClr val="000000"/>
+                </a:buClr>
+                <a:buSzPts val="1200"/>
+                <a:buFont typeface="Arial"/>
+                <a:buNone/>
+              </a:pPr>
+              <a:r>
                 <a:rPr lang="en" sz="1200"/>
-                <a:t>Word</a:t>
+                <a:t>Test</a:t>
               </a:r>
               <a:endParaRPr sz="1200"/>
             </a:p>
@@ -16468,7 +17791,7 @@
               </a:pPr>
               <a:r>
                 <a:rPr lang="en" sz="1200"/>
-                <a:t>User</a:t>
+                <a:t>UserManager</a:t>
               </a:r>
               <a:endParaRPr sz="1200"/>
             </a:p>
@@ -16491,16 +17814,48 @@
                 <a:buNone/>
               </a:pPr>
               <a:r>
+                <a:rPr lang="en" sz="1200"/>
+                <a:t>TestManager</a:t>
+              </a:r>
+              <a:endParaRPr sz="1200"/>
+            </a:p>
+            <a:p>
+              <a:pPr indent="0" lvl="0" marL="0" marR="0" rtl="0" algn="l">
+                <a:lnSpc>
+                  <a:spcPct val="100000"/>
+                </a:lnSpc>
+                <a:spcBef>
+                  <a:spcPts val="0"/>
+                </a:spcBef>
+                <a:spcAft>
+                  <a:spcPts val="0"/>
+                </a:spcAft>
+                <a:buClr>
+                  <a:srgbClr val="000000"/>
+                </a:buClr>
+                <a:buSzPts val="1200"/>
+                <a:buFont typeface="Arial"/>
+                <a:buNone/>
+              </a:pPr>
+              <a:r>
                 <a:t/>
               </a:r>
-              <a:endParaRPr sz="1200"/>
+              <a:endParaRPr b="0" i="0" sz="1200" u="none" cap="none" strike="noStrike">
+                <a:solidFill>
+                  <a:srgbClr val="000000"/>
+                </a:solidFill>
+                <a:latin typeface="Arial"/>
+                <a:ea typeface="Arial"/>
+                <a:cs typeface="Arial"/>
+                <a:sym typeface="Arial"/>
+              </a:endParaRPr>
             </a:p>
           </p:txBody>
         </p:sp>
       </p:grpSp>
       <p:sp>
         <p:nvSpPr>
-          <p:cNvPr id="289" name="Google Shape;289;p27"/>
+          <p:cNvPr id="289" name="Google Shape;289;p15"/>
           <p:cNvSpPr txBox="1"/>
           <p:nvPr>
             <p:ph idx="4294967295" type="title"/>
@@ -16540,7 +17895,7 @@
             </a:pPr>
             <a:r>
               <a:rPr lang="en"/>
-              <a:t>Userinterface(interface)</a:t>
+              <a:t>MainController</a:t>
             </a:r>
             <a:endParaRPr/>
           </a:p>
@@ -16573,7 +17928,7 @@
       </p:grpSpPr>
       <p:sp>
         <p:nvSpPr>
-          <p:cNvPr id="67" name="Google Shape;67;p14"/>
+          <p:cNvPr id="67" name="Google Shape;67;p2"/>
           <p:cNvSpPr txBox="1"/>
           <p:nvPr>
             <p:ph type="title"/>
@@ -16587,6 +17942,10 @@
           <a:prstGeom prst="rect">
             <a:avLst/>
           </a:prstGeom>
+          <a:noFill/>
+          <a:ln>
+            <a:noFill/>
+          </a:ln>
         </p:spPr>
         <p:txBody>
           <a:bodyPr anchorCtr="0" anchor="t" bIns="91425" lIns="91425" spcFirstLastPara="1" rIns="91425" wrap="square" tIns="91425">
@@ -16595,12 +17954,16 @@
           <a:lstStyle/>
           <a:p>
             <a:pPr indent="0" lvl="0" marL="0" rtl="0" algn="l">
-              <a:spcBef>
-                <a:spcPts val="0"/>
-              </a:spcBef>
-              <a:spcAft>
-                <a:spcPts val="0"/>
-              </a:spcAft>
+              <a:lnSpc>
+                <a:spcPct val="100000"/>
+              </a:lnSpc>
+              <a:spcBef>
+                <a:spcPts val="0"/>
+              </a:spcBef>
+              <a:spcAft>
+                <a:spcPts val="0"/>
+              </a:spcAft>
+              <a:buSzPct val="111111"/>
               <a:buNone/>
             </a:pPr>
             <a:r>
@@ -16613,7 +17976,7 @@
       </p:sp>
       <p:grpSp>
         <p:nvGrpSpPr>
-          <p:cNvPr id="68" name="Google Shape;68;p14"/>
+          <p:cNvPr id="68" name="Google Shape;68;p2"/>
           <p:cNvGrpSpPr/>
           <p:nvPr/>
         </p:nvGrpSpPr>
@@ -16627,7 +17990,7 @@
         </p:grpSpPr>
         <p:sp>
           <p:nvSpPr>
-            <p:cNvPr id="69" name="Google Shape;69;p14"/>
+            <p:cNvPr id="69" name="Google Shape;69;p2"/>
             <p:cNvSpPr/>
             <p:nvPr/>
           </p:nvSpPr>
@@ -16692,7 +18055,7 @@
         </p:sp>
         <p:sp>
           <p:nvSpPr>
-            <p:cNvPr id="70" name="Google Shape;70;p14"/>
+            <p:cNvPr id="70" name="Google Shape;70;p2"/>
             <p:cNvSpPr/>
             <p:nvPr/>
           </p:nvSpPr>
@@ -16741,7 +18104,15 @@
                 <a:buNone/>
               </a:pPr>
               <a:r>
-                <a:rPr b="1" lang="en"/>
+                <a:rPr b="1" i="0" lang="en" sz="1400" u="none" cap="none" strike="noStrike">
+                  <a:solidFill>
+                    <a:srgbClr val="000000"/>
+                  </a:solidFill>
+                  <a:latin typeface="Arial"/>
+                  <a:ea typeface="Arial"/>
+                  <a:cs typeface="Arial"/>
+                  <a:sym typeface="Arial"/>
+                </a:rPr>
                 <a:t>Question</a:t>
               </a:r>
               <a:endParaRPr b="1" i="0" sz="1400" u="none" cap="none" strike="noStrike">
@@ -16758,7 +18129,7 @@
         </p:sp>
         <p:sp>
           <p:nvSpPr>
-            <p:cNvPr id="71" name="Google Shape;71;p14"/>
+            <p:cNvPr id="71" name="Google Shape;71;p2"/>
             <p:cNvSpPr/>
             <p:nvPr/>
           </p:nvSpPr>
@@ -16824,7 +18195,7 @@
         </p:sp>
         <p:sp>
           <p:nvSpPr>
-            <p:cNvPr id="72" name="Google Shape;72;p14"/>
+            <p:cNvPr id="72" name="Google Shape;72;p2"/>
             <p:cNvSpPr/>
             <p:nvPr/>
           </p:nvSpPr>
@@ -16890,7 +18261,7 @@
         </p:sp>
         <p:sp>
           <p:nvSpPr>
-            <p:cNvPr id="73" name="Google Shape;73;p14"/>
+            <p:cNvPr id="73" name="Google Shape;73;p2"/>
             <p:cNvSpPr/>
             <p:nvPr/>
           </p:nvSpPr>
@@ -16921,7 +18292,7 @@
             </a:bodyPr>
             <a:lstStyle/>
             <a:p>
-              <a:pPr indent="-121918" lvl="0" marL="182880" marR="0" rtl="0" algn="l">
+              <a:pPr indent="-121917" lvl="0" marL="182880" marR="0" rtl="0" algn="l">
                 <a:lnSpc>
                   <a:spcPct val="100000"/>
                 </a:lnSpc>
@@ -16939,13 +18310,29 @@
                 <a:buChar char="●"/>
               </a:pPr>
               <a:r>
-                <a:rPr lang="en" sz="1200"/>
+                <a:rPr b="0" i="0" lang="en" sz="1200" u="none" cap="none" strike="noStrike">
+                  <a:solidFill>
+                    <a:srgbClr val="000000"/>
+                  </a:solidFill>
+                  <a:latin typeface="Arial"/>
+                  <a:ea typeface="Arial"/>
+                  <a:cs typeface="Arial"/>
+                  <a:sym typeface="Arial"/>
+                </a:rPr>
                 <a:t>Store questions</a:t>
               </a:r>
-              <a:endParaRPr sz="1200"/>
+              <a:endParaRPr b="0" i="0" sz="1200" u="none" cap="none" strike="noStrike">
+                <a:solidFill>
+                  <a:srgbClr val="000000"/>
+                </a:solidFill>
+                <a:latin typeface="Arial"/>
+                <a:ea typeface="Arial"/>
+                <a:cs typeface="Arial"/>
+                <a:sym typeface="Arial"/>
+              </a:endParaRPr>
             </a:p>
             <a:p>
-              <a:pPr indent="-121918" lvl="0" marL="182880" marR="0" rtl="0" algn="l">
+              <a:pPr indent="-121917" lvl="0" marL="182880" marR="0" rtl="0" algn="l">
                 <a:lnSpc>
                   <a:spcPct val="100000"/>
                 </a:lnSpc>
@@ -16955,17 +18342,37 @@
                 <a:spcAft>
                   <a:spcPts val="0"/>
                 </a:spcAft>
+                <a:buClr>
+                  <a:srgbClr val="000000"/>
+                </a:buClr>
                 <a:buSzPts val="1200"/>
+                <a:buFont typeface="Arial"/>
                 <a:buChar char="●"/>
               </a:pPr>
               <a:r>
-                <a:rPr lang="en" sz="1200"/>
+                <a:rPr b="0" i="0" lang="en" sz="1200" u="none" cap="none" strike="noStrike">
+                  <a:solidFill>
+                    <a:srgbClr val="000000"/>
+                  </a:solidFill>
+                  <a:latin typeface="Arial"/>
+                  <a:ea typeface="Arial"/>
+                  <a:cs typeface="Arial"/>
+                  <a:sym typeface="Arial"/>
+                </a:rPr>
                 <a:t>Store answers</a:t>
               </a:r>
-              <a:endParaRPr sz="1200"/>
+              <a:endParaRPr b="0" i="0" sz="1200" u="none" cap="none" strike="noStrike">
+                <a:solidFill>
+                  <a:srgbClr val="000000"/>
+                </a:solidFill>
+                <a:latin typeface="Arial"/>
+                <a:ea typeface="Arial"/>
+                <a:cs typeface="Arial"/>
+                <a:sym typeface="Arial"/>
+              </a:endParaRPr>
             </a:p>
             <a:p>
-              <a:pPr indent="-121918" lvl="0" marL="182880" marR="0" rtl="0" algn="l">
+              <a:pPr indent="-121917" lvl="0" marL="182880" marR="0" rtl="0" algn="l">
                 <a:lnSpc>
                   <a:spcPct val="100000"/>
                 </a:lnSpc>
@@ -16975,20 +18382,40 @@
                 <a:spcAft>
                   <a:spcPts val="0"/>
                 </a:spcAft>
+                <a:buClr>
+                  <a:srgbClr val="000000"/>
+                </a:buClr>
                 <a:buSzPts val="1200"/>
+                <a:buFont typeface="Arial"/>
                 <a:buChar char="●"/>
               </a:pPr>
               <a:r>
-                <a:rPr lang="en" sz="1200"/>
+                <a:rPr b="0" i="0" lang="en" sz="1200" u="none" cap="none" strike="noStrike">
+                  <a:solidFill>
+                    <a:srgbClr val="000000"/>
+                  </a:solidFill>
+                  <a:latin typeface="Arial"/>
+                  <a:ea typeface="Arial"/>
+                  <a:cs typeface="Arial"/>
+                  <a:sym typeface="Arial"/>
+                </a:rPr>
                 <a:t>Score the question and get a score</a:t>
               </a:r>
-              <a:endParaRPr sz="1200"/>
+              <a:endParaRPr b="0" i="0" sz="1200" u="none" cap="none" strike="noStrike">
+                <a:solidFill>
+                  <a:srgbClr val="000000"/>
+                </a:solidFill>
+                <a:latin typeface="Arial"/>
+                <a:ea typeface="Arial"/>
+                <a:cs typeface="Arial"/>
+                <a:sym typeface="Arial"/>
+              </a:endParaRPr>
             </a:p>
           </p:txBody>
         </p:sp>
         <p:sp>
           <p:nvSpPr>
-            <p:cNvPr id="74" name="Google Shape;74;p14"/>
+            <p:cNvPr id="74" name="Google Shape;74;p2"/>
             <p:cNvSpPr/>
             <p:nvPr/>
           </p:nvSpPr>
@@ -17088,7 +18515,7 @@
       </p:grpSpPr>
       <p:grpSp>
         <p:nvGrpSpPr>
-          <p:cNvPr id="79" name="Google Shape;79;p15"/>
+          <p:cNvPr id="79" name="Google Shape;79;p3"/>
           <p:cNvGrpSpPr/>
           <p:nvPr/>
         </p:nvGrpSpPr>
@@ -17102,7 +18529,7 @@
         </p:grpSpPr>
         <p:sp>
           <p:nvSpPr>
-            <p:cNvPr id="80" name="Google Shape;80;p15"/>
+            <p:cNvPr id="80" name="Google Shape;80;p3"/>
             <p:cNvSpPr/>
             <p:nvPr/>
           </p:nvSpPr>
@@ -17167,7 +18594,7 @@
         </p:sp>
         <p:sp>
           <p:nvSpPr>
-            <p:cNvPr id="81" name="Google Shape;81;p15"/>
+            <p:cNvPr id="81" name="Google Shape;81;p3"/>
             <p:cNvSpPr/>
             <p:nvPr/>
           </p:nvSpPr>
@@ -17216,7 +18643,15 @@
                 <a:buNone/>
               </a:pPr>
               <a:r>
-                <a:rPr b="1" lang="en"/>
+                <a:rPr b="1" i="0" lang="en" sz="1400" u="none" cap="none" strike="noStrike">
+                  <a:solidFill>
+                    <a:srgbClr val="000000"/>
+                  </a:solidFill>
+                  <a:latin typeface="Arial"/>
+                  <a:ea typeface="Arial"/>
+                  <a:cs typeface="Arial"/>
+                  <a:sym typeface="Arial"/>
+                </a:rPr>
                 <a:t>Word</a:t>
               </a:r>
               <a:endParaRPr b="1" i="0" sz="1400" u="none" cap="none" strike="noStrike">
@@ -17233,7 +18668,7 @@
         </p:sp>
         <p:sp>
           <p:nvSpPr>
-            <p:cNvPr id="82" name="Google Shape;82;p15"/>
+            <p:cNvPr id="82" name="Google Shape;82;p3"/>
             <p:cNvSpPr/>
             <p:nvPr/>
           </p:nvSpPr>
@@ -17299,7 +18734,7 @@
         </p:sp>
         <p:sp>
           <p:nvSpPr>
-            <p:cNvPr id="83" name="Google Shape;83;p15"/>
+            <p:cNvPr id="83" name="Google Shape;83;p3"/>
             <p:cNvSpPr/>
             <p:nvPr/>
           </p:nvSpPr>
@@ -17365,7 +18800,7 @@
         </p:sp>
         <p:sp>
           <p:nvSpPr>
-            <p:cNvPr id="84" name="Google Shape;84;p15"/>
+            <p:cNvPr id="84" name="Google Shape;84;p3"/>
             <p:cNvSpPr/>
             <p:nvPr/>
           </p:nvSpPr>
@@ -17396,7 +18831,7 @@
             </a:bodyPr>
             <a:lstStyle/>
             <a:p>
-              <a:pPr indent="-121918" lvl="0" marL="182880" marR="0" rtl="0" algn="l">
+              <a:pPr indent="-121917" lvl="0" marL="182880" marR="0" rtl="0" algn="l">
                 <a:lnSpc>
                   <a:spcPct val="100000"/>
                 </a:lnSpc>
@@ -17414,13 +18849,29 @@
                 <a:buChar char="●"/>
               </a:pPr>
               <a:r>
-                <a:rPr lang="en" sz="1200"/>
+                <a:rPr b="0" i="0" lang="en" sz="1200" u="none" cap="none" strike="noStrike">
+                  <a:solidFill>
+                    <a:srgbClr val="000000"/>
+                  </a:solidFill>
+                  <a:latin typeface="Arial"/>
+                  <a:ea typeface="Arial"/>
+                  <a:cs typeface="Arial"/>
+                  <a:sym typeface="Arial"/>
+                </a:rPr>
                 <a:t>Store Meaning(in different languages)</a:t>
               </a:r>
-              <a:endParaRPr sz="1200"/>
+              <a:endParaRPr b="0" i="0" sz="1200" u="none" cap="none" strike="noStrike">
+                <a:solidFill>
+                  <a:srgbClr val="000000"/>
+                </a:solidFill>
+                <a:latin typeface="Arial"/>
+                <a:ea typeface="Arial"/>
+                <a:cs typeface="Arial"/>
+                <a:sym typeface="Arial"/>
+              </a:endParaRPr>
             </a:p>
             <a:p>
-              <a:pPr indent="-121918" lvl="0" marL="182880" marR="0" rtl="0" algn="l">
+              <a:pPr indent="-121917" lvl="0" marL="182880" marR="0" rtl="0" algn="l">
                 <a:lnSpc>
                   <a:spcPct val="100000"/>
                 </a:lnSpc>
@@ -17430,17 +18881,37 @@
                 <a:spcAft>
                   <a:spcPts val="0"/>
                 </a:spcAft>
+                <a:buClr>
+                  <a:srgbClr val="000000"/>
+                </a:buClr>
                 <a:buSzPts val="1200"/>
+                <a:buFont typeface="Arial"/>
                 <a:buChar char="●"/>
               </a:pPr>
               <a:r>
-                <a:rPr lang="en" sz="1200"/>
+                <a:rPr b="0" i="0" lang="en" sz="1200" u="none" cap="none" strike="noStrike">
+                  <a:solidFill>
+                    <a:srgbClr val="000000"/>
+                  </a:solidFill>
+                  <a:latin typeface="Arial"/>
+                  <a:ea typeface="Arial"/>
+                  <a:cs typeface="Arial"/>
+                  <a:sym typeface="Arial"/>
+                </a:rPr>
                 <a:t>Store Example Sentence</a:t>
               </a:r>
-              <a:endParaRPr sz="1200"/>
+              <a:endParaRPr b="0" i="0" sz="1200" u="none" cap="none" strike="noStrike">
+                <a:solidFill>
+                  <a:srgbClr val="000000"/>
+                </a:solidFill>
+                <a:latin typeface="Arial"/>
+                <a:ea typeface="Arial"/>
+                <a:cs typeface="Arial"/>
+                <a:sym typeface="Arial"/>
+              </a:endParaRPr>
             </a:p>
             <a:p>
-              <a:pPr indent="-121918" lvl="0" marL="182880" marR="0" rtl="0" algn="l">
+              <a:pPr indent="-121917" lvl="0" marL="182880" marR="0" rtl="0" algn="l">
                 <a:lnSpc>
                   <a:spcPct val="100000"/>
                 </a:lnSpc>
@@ -17450,17 +18921,37 @@
                 <a:spcAft>
                   <a:spcPts val="0"/>
                 </a:spcAft>
+                <a:buClr>
+                  <a:srgbClr val="000000"/>
+                </a:buClr>
                 <a:buSzPts val="1200"/>
+                <a:buFont typeface="Arial"/>
                 <a:buChar char="●"/>
               </a:pPr>
               <a:r>
-                <a:rPr lang="en" sz="1200"/>
+                <a:rPr b="0" i="0" lang="en" sz="1200" u="none" cap="none" strike="noStrike">
+                  <a:solidFill>
+                    <a:srgbClr val="000000"/>
+                  </a:solidFill>
+                  <a:latin typeface="Arial"/>
+                  <a:ea typeface="Arial"/>
+                  <a:cs typeface="Arial"/>
+                  <a:sym typeface="Arial"/>
+                </a:rPr>
                 <a:t>Store Level of difficulty</a:t>
               </a:r>
-              <a:endParaRPr sz="1200"/>
+              <a:endParaRPr b="0" i="0" sz="1200" u="none" cap="none" strike="noStrike">
+                <a:solidFill>
+                  <a:srgbClr val="000000"/>
+                </a:solidFill>
+                <a:latin typeface="Arial"/>
+                <a:ea typeface="Arial"/>
+                <a:cs typeface="Arial"/>
+                <a:sym typeface="Arial"/>
+              </a:endParaRPr>
             </a:p>
             <a:p>
-              <a:pPr indent="-121918" lvl="0" marL="182880" marR="0" rtl="0" algn="l">
+              <a:pPr indent="-121917" lvl="0" marL="182880" marR="0" rtl="0" algn="l">
                 <a:lnSpc>
                   <a:spcPct val="100000"/>
                 </a:lnSpc>
@@ -17470,14 +18961,34 @@
                 <a:spcAft>
                   <a:spcPts val="0"/>
                 </a:spcAft>
+                <a:buClr>
+                  <a:srgbClr val="000000"/>
+                </a:buClr>
                 <a:buSzPts val="1200"/>
+                <a:buFont typeface="Arial"/>
                 <a:buChar char="●"/>
               </a:pPr>
               <a:r>
-                <a:rPr lang="en" sz="1200"/>
+                <a:rPr b="0" i="0" lang="en" sz="1200" u="none" cap="none" strike="noStrike">
+                  <a:solidFill>
+                    <a:srgbClr val="000000"/>
+                  </a:solidFill>
+                  <a:latin typeface="Arial"/>
+                  <a:ea typeface="Arial"/>
+                  <a:cs typeface="Arial"/>
+                  <a:sym typeface="Arial"/>
+                </a:rPr>
                 <a:t>Store Spelling(in English)</a:t>
               </a:r>
-              <a:endParaRPr sz="1200"/>
+              <a:endParaRPr b="0" i="0" sz="1200" u="none" cap="none" strike="noStrike">
+                <a:solidFill>
+                  <a:srgbClr val="000000"/>
+                </a:solidFill>
+                <a:latin typeface="Arial"/>
+                <a:ea typeface="Arial"/>
+                <a:cs typeface="Arial"/>
+                <a:sym typeface="Arial"/>
+              </a:endParaRPr>
             </a:p>
             <a:p>
               <a:pPr indent="0" lvl="0" marL="0" marR="0" rtl="0" algn="l">
@@ -17490,18 +19001,31 @@
                 <a:spcAft>
                   <a:spcPts val="0"/>
                 </a:spcAft>
+                <a:buClr>
+                  <a:srgbClr val="000000"/>
+                </a:buClr>
+                <a:buSzPts val="1200"/>
+                <a:buFont typeface="Arial"/>
                 <a:buNone/>
               </a:pPr>
               <a:r>
                 <a:t/>
               </a:r>
-              <a:endParaRPr sz="1200"/>
+              <a:endParaRPr b="0" i="0" sz="1200" u="none" cap="none" strike="noStrike">
+                <a:solidFill>
+                  <a:srgbClr val="000000"/>
+                </a:solidFill>
+                <a:latin typeface="Arial"/>
+                <a:ea typeface="Arial"/>
+                <a:cs typeface="Arial"/>
+                <a:sym typeface="Arial"/>
+              </a:endParaRPr>
             </a:p>
           </p:txBody>
         </p:sp>
         <p:sp>
           <p:nvSpPr>
-            <p:cNvPr id="85" name="Google Shape;85;p15"/>
+            <p:cNvPr id="85" name="Google Shape;85;p3"/>
             <p:cNvSpPr/>
             <p:nvPr/>
           </p:nvSpPr>
@@ -17550,7 +19074,15 @@
                 <a:buNone/>
               </a:pPr>
               <a:r>
-                <a:rPr lang="en" sz="1200"/>
+                <a:rPr b="0" i="0" lang="en" sz="1200" u="none" cap="none" strike="noStrike">
+                  <a:solidFill>
+                    <a:srgbClr val="000000"/>
+                  </a:solidFill>
+                  <a:latin typeface="Arial"/>
+                  <a:ea typeface="Arial"/>
+                  <a:cs typeface="Arial"/>
+                  <a:sym typeface="Arial"/>
+                </a:rPr>
                 <a:t>WordManager</a:t>
               </a:r>
               <a:endParaRPr b="0" i="0" sz="1200" u="none" cap="none" strike="noStrike">
@@ -17568,7 +19100,7 @@
       </p:grpSp>
       <p:sp>
         <p:nvSpPr>
-          <p:cNvPr id="86" name="Google Shape;86;p15"/>
+          <p:cNvPr id="86" name="Google Shape;86;p3"/>
           <p:cNvSpPr txBox="1"/>
           <p:nvPr>
             <p:ph idx="4294967295" type="title"/>
@@ -17641,7 +19173,7 @@
       </p:grpSpPr>
       <p:grpSp>
         <p:nvGrpSpPr>
-          <p:cNvPr id="91" name="Google Shape;91;p16"/>
+          <p:cNvPr id="91" name="Google Shape;91;p4"/>
           <p:cNvGrpSpPr/>
           <p:nvPr/>
         </p:nvGrpSpPr>
@@ -17655,7 +19187,7 @@
         </p:grpSpPr>
         <p:sp>
           <p:nvSpPr>
-            <p:cNvPr id="92" name="Google Shape;92;p16"/>
+            <p:cNvPr id="92" name="Google Shape;92;p4"/>
             <p:cNvSpPr/>
             <p:nvPr/>
           </p:nvSpPr>
@@ -17720,7 +19252,7 @@
         </p:sp>
         <p:sp>
           <p:nvSpPr>
-            <p:cNvPr id="93" name="Google Shape;93;p16"/>
+            <p:cNvPr id="93" name="Google Shape;93;p4"/>
             <p:cNvSpPr/>
             <p:nvPr/>
           </p:nvSpPr>
@@ -17769,7 +19301,15 @@
                 <a:buNone/>
               </a:pPr>
               <a:r>
-                <a:rPr b="1" lang="en"/>
+                <a:rPr b="1" i="0" lang="en" sz="1400" u="none" cap="none" strike="noStrike">
+                  <a:solidFill>
+                    <a:srgbClr val="000000"/>
+                  </a:solidFill>
+                  <a:latin typeface="Arial"/>
+                  <a:ea typeface="Arial"/>
+                  <a:cs typeface="Arial"/>
+                  <a:sym typeface="Arial"/>
+                </a:rPr>
                 <a:t>Word Manager</a:t>
               </a:r>
               <a:endParaRPr b="1" i="0" sz="1400" u="none" cap="none" strike="noStrike">
@@ -17786,7 +19326,7 @@
         </p:sp>
         <p:sp>
           <p:nvSpPr>
-            <p:cNvPr id="94" name="Google Shape;94;p16"/>
+            <p:cNvPr id="94" name="Google Shape;94;p4"/>
             <p:cNvSpPr/>
             <p:nvPr/>
           </p:nvSpPr>
@@ -17843,7 +19383,7 @@
         </p:sp>
         <p:sp>
           <p:nvSpPr>
-            <p:cNvPr id="95" name="Google Shape;95;p16"/>
+            <p:cNvPr id="95" name="Google Shape;95;p4"/>
             <p:cNvSpPr/>
             <p:nvPr/>
           </p:nvSpPr>
@@ -17874,7 +19414,7 @@
             </a:bodyPr>
             <a:lstStyle/>
             <a:p>
-              <a:pPr indent="-121918" lvl="0" marL="182880" marR="0" rtl="0" algn="l">
+              <a:pPr indent="-121917" lvl="0" marL="182880" marR="0" rtl="0" algn="l">
                 <a:lnSpc>
                   <a:spcPct val="100000"/>
                 </a:lnSpc>
@@ -17892,13 +19432,29 @@
                 <a:buChar char="●"/>
               </a:pPr>
               <a:r>
-                <a:rPr lang="en" sz="1200"/>
+                <a:rPr b="0" i="0" lang="en" sz="1200" u="none" cap="none" strike="noStrike">
+                  <a:solidFill>
+                    <a:srgbClr val="000000"/>
+                  </a:solidFill>
+                  <a:latin typeface="Arial"/>
+                  <a:ea typeface="Arial"/>
+                  <a:cs typeface="Arial"/>
+                  <a:sym typeface="Arial"/>
+                </a:rPr>
                 <a:t>Generate a list of a certain number of words for a certain level</a:t>
               </a:r>
-              <a:endParaRPr sz="1200"/>
+              <a:endParaRPr b="0" i="0" sz="1200" u="none" cap="none" strike="noStrike">
+                <a:solidFill>
+                  <a:srgbClr val="000000"/>
+                </a:solidFill>
+                <a:latin typeface="Arial"/>
+                <a:ea typeface="Arial"/>
+                <a:cs typeface="Arial"/>
+                <a:sym typeface="Arial"/>
+              </a:endParaRPr>
             </a:p>
             <a:p>
-              <a:pPr indent="-121918" lvl="0" marL="182880" marR="0" rtl="0" algn="l">
+              <a:pPr indent="-121917" lvl="0" marL="182880" marR="0" rtl="0" algn="l">
                 <a:lnSpc>
                   <a:spcPct val="100000"/>
                 </a:lnSpc>
@@ -17916,14 +19472,26 @@
                 <a:buChar char="●"/>
               </a:pPr>
               <a:r>
-                <a:rPr lang="en" sz="1200">
+                <a:rPr b="0" i="0" lang="en" sz="1200" u="none" cap="none" strike="noStrike">
                   <a:solidFill>
                     <a:schemeClr val="dk1"/>
                   </a:solidFill>
+                  <a:latin typeface="Arial"/>
+                  <a:ea typeface="Arial"/>
+                  <a:cs typeface="Arial"/>
+                  <a:sym typeface="Arial"/>
                 </a:rPr>
                 <a:t>Translate word from one language to another</a:t>
               </a:r>
-              <a:endParaRPr sz="1200"/>
+              <a:endParaRPr b="0" i="0" sz="1200" u="none" cap="none" strike="noStrike">
+                <a:solidFill>
+                  <a:srgbClr val="000000"/>
+                </a:solidFill>
+                <a:latin typeface="Arial"/>
+                <a:ea typeface="Arial"/>
+                <a:cs typeface="Arial"/>
+                <a:sym typeface="Arial"/>
+              </a:endParaRPr>
             </a:p>
             <a:p>
               <a:pPr indent="0" lvl="0" marL="457200" marR="0" rtl="0" algn="l">
@@ -17936,12 +19504,25 @@
                 <a:spcAft>
                   <a:spcPts val="0"/>
                 </a:spcAft>
+                <a:buClr>
+                  <a:srgbClr val="000000"/>
+                </a:buClr>
+                <a:buSzPts val="1200"/>
+                <a:buFont typeface="Arial"/>
                 <a:buNone/>
               </a:pPr>
               <a:r>
                 <a:t/>
               </a:r>
-              <a:endParaRPr sz="1200"/>
+              <a:endParaRPr b="0" i="0" sz="1200" u="none" cap="none" strike="noStrike">
+                <a:solidFill>
+                  <a:srgbClr val="000000"/>
+                </a:solidFill>
+                <a:latin typeface="Arial"/>
+                <a:ea typeface="Arial"/>
+                <a:cs typeface="Arial"/>
+                <a:sym typeface="Arial"/>
+              </a:endParaRPr>
             </a:p>
             <a:p>
               <a:pPr indent="0" lvl="0" marL="0" marR="0" rtl="0" algn="l">
@@ -17954,18 +19535,31 @@
                 <a:spcAft>
                   <a:spcPts val="0"/>
                 </a:spcAft>
+                <a:buClr>
+                  <a:srgbClr val="000000"/>
+                </a:buClr>
+                <a:buSzPts val="1200"/>
+                <a:buFont typeface="Arial"/>
                 <a:buNone/>
               </a:pPr>
               <a:r>
                 <a:t/>
               </a:r>
-              <a:endParaRPr sz="1200"/>
+              <a:endParaRPr b="0" i="0" sz="1200" u="none" cap="none" strike="noStrike">
+                <a:solidFill>
+                  <a:srgbClr val="000000"/>
+                </a:solidFill>
+                <a:latin typeface="Arial"/>
+                <a:ea typeface="Arial"/>
+                <a:cs typeface="Arial"/>
+                <a:sym typeface="Arial"/>
+              </a:endParaRPr>
             </a:p>
           </p:txBody>
         </p:sp>
         <p:sp>
           <p:nvSpPr>
-            <p:cNvPr id="96" name="Google Shape;96;p16"/>
+            <p:cNvPr id="96" name="Google Shape;96;p4"/>
             <p:cNvSpPr/>
             <p:nvPr/>
           </p:nvSpPr>
@@ -18014,10 +19608,26 @@
                 <a:buNone/>
               </a:pPr>
               <a:r>
-                <a:rPr lang="en" sz="1200"/>
+                <a:rPr b="0" i="0" lang="en" sz="1200" u="none" cap="none" strike="noStrike">
+                  <a:solidFill>
+                    <a:srgbClr val="000000"/>
+                  </a:solidFill>
+                  <a:latin typeface="Arial"/>
+                  <a:ea typeface="Arial"/>
+                  <a:cs typeface="Arial"/>
+                  <a:sym typeface="Arial"/>
+                </a:rPr>
                 <a:t>Word</a:t>
               </a:r>
-              <a:endParaRPr sz="1200"/>
+              <a:endParaRPr b="0" i="0" sz="1200" u="none" cap="none" strike="noStrike">
+                <a:solidFill>
+                  <a:srgbClr val="000000"/>
+                </a:solidFill>
+                <a:latin typeface="Arial"/>
+                <a:ea typeface="Arial"/>
+                <a:cs typeface="Arial"/>
+                <a:sym typeface="Arial"/>
+              </a:endParaRPr>
             </a:p>
             <a:p>
               <a:pPr indent="0" lvl="0" marL="0" marR="0" rtl="0" algn="l">
@@ -18038,10 +19648,26 @@
                 <a:buNone/>
               </a:pPr>
               <a:r>
-                <a:rPr lang="en" sz="1200"/>
+                <a:rPr b="0" i="0" lang="en" sz="1200" u="none" cap="none" strike="noStrike">
+                  <a:solidFill>
+                    <a:srgbClr val="000000"/>
+                  </a:solidFill>
+                  <a:latin typeface="Arial"/>
+                  <a:ea typeface="Arial"/>
+                  <a:cs typeface="Arial"/>
+                  <a:sym typeface="Arial"/>
+                </a:rPr>
                 <a:t>Test</a:t>
               </a:r>
-              <a:endParaRPr sz="1200"/>
+              <a:endParaRPr b="0" i="0" sz="1200" u="none" cap="none" strike="noStrike">
+                <a:solidFill>
+                  <a:srgbClr val="000000"/>
+                </a:solidFill>
+                <a:latin typeface="Arial"/>
+                <a:ea typeface="Arial"/>
+                <a:cs typeface="Arial"/>
+                <a:sym typeface="Arial"/>
+              </a:endParaRPr>
             </a:p>
             <a:p>
               <a:pPr indent="0" lvl="0" marL="0" marR="0" rtl="0" algn="l">
@@ -18062,10 +19688,26 @@
                 <a:buNone/>
               </a:pPr>
               <a:r>
-                <a:rPr lang="en" sz="1200"/>
+                <a:rPr b="0" i="0" lang="en" sz="1200" u="none" cap="none" strike="noStrike">
+                  <a:solidFill>
+                    <a:srgbClr val="000000"/>
+                  </a:solidFill>
+                  <a:latin typeface="Arial"/>
+                  <a:ea typeface="Arial"/>
+                  <a:cs typeface="Arial"/>
+                  <a:sym typeface="Arial"/>
+                </a:rPr>
                 <a:t>FileManager</a:t>
               </a:r>
-              <a:endParaRPr sz="1200"/>
+              <a:endParaRPr b="0" i="0" sz="1200" u="none" cap="none" strike="noStrike">
+                <a:solidFill>
+                  <a:srgbClr val="000000"/>
+                </a:solidFill>
+                <a:latin typeface="Arial"/>
+                <a:ea typeface="Arial"/>
+                <a:cs typeface="Arial"/>
+                <a:sym typeface="Arial"/>
+              </a:endParaRPr>
             </a:p>
             <a:p>
               <a:pPr indent="0" lvl="0" marL="0" marR="0" rtl="0" algn="l">
@@ -18088,14 +19730,22 @@
               <a:r>
                 <a:t/>
               </a:r>
-              <a:endParaRPr sz="1200"/>
+              <a:endParaRPr b="0" i="0" sz="1200" u="none" cap="none" strike="noStrike">
+                <a:solidFill>
+                  <a:srgbClr val="000000"/>
+                </a:solidFill>
+                <a:latin typeface="Arial"/>
+                <a:ea typeface="Arial"/>
+                <a:cs typeface="Arial"/>
+                <a:sym typeface="Arial"/>
+              </a:endParaRPr>
             </a:p>
           </p:txBody>
         </p:sp>
       </p:grpSp>
       <p:sp>
         <p:nvSpPr>
-          <p:cNvPr id="97" name="Google Shape;97;p16"/>
+          <p:cNvPr id="97" name="Google Shape;97;p4"/>
           <p:cNvSpPr txBox="1"/>
           <p:nvPr>
             <p:ph idx="4294967295" type="title"/>
@@ -18168,7 +19818,7 @@
       </p:grpSpPr>
       <p:grpSp>
         <p:nvGrpSpPr>
-          <p:cNvPr id="102" name="Google Shape;102;p17"/>
+          <p:cNvPr id="102" name="Google Shape;102;p5"/>
           <p:cNvGrpSpPr/>
           <p:nvPr/>
         </p:nvGrpSpPr>
@@ -18182,7 +19832,7 @@
         </p:grpSpPr>
         <p:sp>
           <p:nvSpPr>
-            <p:cNvPr id="103" name="Google Shape;103;p17"/>
+            <p:cNvPr id="103" name="Google Shape;103;p5"/>
             <p:cNvSpPr/>
             <p:nvPr/>
           </p:nvSpPr>
@@ -18247,7 +19897,7 @@
         </p:sp>
         <p:sp>
           <p:nvSpPr>
-            <p:cNvPr id="104" name="Google Shape;104;p17"/>
+            <p:cNvPr id="104" name="Google Shape;104;p5"/>
             <p:cNvSpPr/>
             <p:nvPr/>
           </p:nvSpPr>
@@ -18321,7 +19971,7 @@
         </p:sp>
         <p:sp>
           <p:nvSpPr>
-            <p:cNvPr id="105" name="Google Shape;105;p17"/>
+            <p:cNvPr id="105" name="Google Shape;105;p5"/>
             <p:cNvSpPr/>
             <p:nvPr/>
           </p:nvSpPr>
@@ -18362,7 +20012,15 @@
                 <a:buNone/>
               </a:pPr>
               <a:r>
-                <a:rPr b="1" lang="en" sz="1100"/>
+                <a:rPr b="1" i="0" lang="en" sz="1100" u="none" cap="none" strike="noStrike">
+                  <a:solidFill>
+                    <a:srgbClr val="000000"/>
+                  </a:solidFill>
+                  <a:latin typeface="Arial"/>
+                  <a:ea typeface="Arial"/>
+                  <a:cs typeface="Arial"/>
+                  <a:sym typeface="Arial"/>
+                </a:rPr>
                 <a:t>Object</a:t>
               </a:r>
               <a:endParaRPr b="1" i="0" sz="1100" u="none" cap="none" strike="noStrike">
@@ -18379,7 +20037,7 @@
         </p:sp>
         <p:sp>
           <p:nvSpPr>
-            <p:cNvPr id="106" name="Google Shape;106;p17"/>
+            <p:cNvPr id="106" name="Google Shape;106;p5"/>
             <p:cNvSpPr/>
             <p:nvPr/>
           </p:nvSpPr>
@@ -18436,7 +20094,7 @@
         </p:sp>
         <p:sp>
           <p:nvSpPr>
-            <p:cNvPr id="107" name="Google Shape;107;p17"/>
+            <p:cNvPr id="107" name="Google Shape;107;p5"/>
             <p:cNvSpPr/>
             <p:nvPr/>
           </p:nvSpPr>
@@ -18467,7 +20125,7 @@
             </a:bodyPr>
             <a:lstStyle/>
             <a:p>
-              <a:pPr indent="-121918" lvl="0" marL="182880" marR="0" rtl="0" algn="l">
+              <a:pPr indent="-121917" lvl="0" marL="182880" marR="0" rtl="0" algn="l">
                 <a:lnSpc>
                   <a:spcPct val="100000"/>
                 </a:lnSpc>
@@ -18485,17 +20143,29 @@
                 <a:buChar char="●"/>
               </a:pPr>
               <a:r>
-                <a:rPr lang="en" sz="1200"/>
-                <a:t>Store </a:t>
+                <a:rPr b="0" i="0" lang="en" sz="1200" u="none" cap="none" strike="noStrike">
+                  <a:solidFill>
+                    <a:srgbClr val="000000"/>
+                  </a:solidFill>
+                  <a:latin typeface="Arial"/>
+                  <a:ea typeface="Arial"/>
+                  <a:cs typeface="Arial"/>
+                  <a:sym typeface="Arial"/>
+                </a:rPr>
+                <a:t>Store words from a file</a:t>
               </a:r>
-              <a:r>
-                <a:rPr lang="en" sz="1200"/>
-                <a:t>words from a file</a:t>
-              </a:r>
-              <a:endParaRPr sz="1200"/>
+              <a:endParaRPr b="0" i="0" sz="1200" u="none" cap="none" strike="noStrike">
+                <a:solidFill>
+                  <a:srgbClr val="000000"/>
+                </a:solidFill>
+                <a:latin typeface="Arial"/>
+                <a:ea typeface="Arial"/>
+                <a:cs typeface="Arial"/>
+                <a:sym typeface="Arial"/>
+              </a:endParaRPr>
             </a:p>
             <a:p>
-              <a:pPr indent="-121918" lvl="0" marL="182880" marR="0" rtl="0" algn="l">
+              <a:pPr indent="-121917" lvl="0" marL="182880" marR="0" rtl="0" algn="l">
                 <a:lnSpc>
                   <a:spcPct val="100000"/>
                 </a:lnSpc>
@@ -18505,17 +20175,37 @@
                 <a:spcAft>
                   <a:spcPts val="0"/>
                 </a:spcAft>
+                <a:buClr>
+                  <a:srgbClr val="000000"/>
+                </a:buClr>
                 <a:buSzPts val="1200"/>
+                <a:buFont typeface="Arial"/>
                 <a:buChar char="●"/>
               </a:pPr>
               <a:r>
-                <a:rPr lang="en" sz="1200"/>
+                <a:rPr b="0" i="0" lang="en" sz="1200" u="none" cap="none" strike="noStrike">
+                  <a:solidFill>
+                    <a:srgbClr val="000000"/>
+                  </a:solidFill>
+                  <a:latin typeface="Arial"/>
+                  <a:ea typeface="Arial"/>
+                  <a:cs typeface="Arial"/>
+                  <a:sym typeface="Arial"/>
+                </a:rPr>
                 <a:t>Store questions from a file</a:t>
               </a:r>
-              <a:endParaRPr sz="1200"/>
+              <a:endParaRPr b="0" i="0" sz="1200" u="none" cap="none" strike="noStrike">
+                <a:solidFill>
+                  <a:srgbClr val="000000"/>
+                </a:solidFill>
+                <a:latin typeface="Arial"/>
+                <a:ea typeface="Arial"/>
+                <a:cs typeface="Arial"/>
+                <a:sym typeface="Arial"/>
+              </a:endParaRPr>
             </a:p>
             <a:p>
-              <a:pPr indent="-121918" lvl="0" marL="182880" marR="0" rtl="0" algn="l">
+              <a:pPr indent="-121917" lvl="0" marL="182880" marR="0" rtl="0" algn="l">
                 <a:lnSpc>
                   <a:spcPct val="100000"/>
                 </a:lnSpc>
@@ -18525,20 +20215,40 @@
                 <a:spcAft>
                   <a:spcPts val="0"/>
                 </a:spcAft>
+                <a:buClr>
+                  <a:srgbClr val="000000"/>
+                </a:buClr>
                 <a:buSzPts val="1200"/>
+                <a:buFont typeface="Arial"/>
                 <a:buChar char="●"/>
               </a:pPr>
               <a:r>
-                <a:rPr lang="en" sz="1200"/>
+                <a:rPr b="0" i="0" lang="en" sz="1200" u="none" cap="none" strike="noStrike">
+                  <a:solidFill>
+                    <a:srgbClr val="000000"/>
+                  </a:solidFill>
+                  <a:latin typeface="Arial"/>
+                  <a:ea typeface="Arial"/>
+                  <a:cs typeface="Arial"/>
+                  <a:sym typeface="Arial"/>
+                </a:rPr>
                 <a:t>Store user list from a file</a:t>
               </a:r>
-              <a:endParaRPr sz="1200"/>
+              <a:endParaRPr b="0" i="0" sz="1200" u="none" cap="none" strike="noStrike">
+                <a:solidFill>
+                  <a:srgbClr val="000000"/>
+                </a:solidFill>
+                <a:latin typeface="Arial"/>
+                <a:ea typeface="Arial"/>
+                <a:cs typeface="Arial"/>
+                <a:sym typeface="Arial"/>
+              </a:endParaRPr>
             </a:p>
           </p:txBody>
         </p:sp>
         <p:sp>
           <p:nvSpPr>
-            <p:cNvPr id="108" name="Google Shape;108;p17"/>
+            <p:cNvPr id="108" name="Google Shape;108;p5"/>
             <p:cNvSpPr/>
             <p:nvPr/>
           </p:nvSpPr>
@@ -18587,10 +20297,26 @@
                 <a:buNone/>
               </a:pPr>
               <a:r>
-                <a:rPr lang="en" sz="1200"/>
+                <a:rPr b="0" i="0" lang="en" sz="1200" u="none" cap="none" strike="noStrike">
+                  <a:solidFill>
+                    <a:srgbClr val="000000"/>
+                  </a:solidFill>
+                  <a:latin typeface="Arial"/>
+                  <a:ea typeface="Arial"/>
+                  <a:cs typeface="Arial"/>
+                  <a:sym typeface="Arial"/>
+                </a:rPr>
                 <a:t>Word</a:t>
               </a:r>
-              <a:endParaRPr sz="1200"/>
+              <a:endParaRPr b="0" i="0" sz="1200" u="none" cap="none" strike="noStrike">
+                <a:solidFill>
+                  <a:srgbClr val="000000"/>
+                </a:solidFill>
+                <a:latin typeface="Arial"/>
+                <a:ea typeface="Arial"/>
+                <a:cs typeface="Arial"/>
+                <a:sym typeface="Arial"/>
+              </a:endParaRPr>
             </a:p>
             <a:p>
               <a:pPr indent="0" lvl="0" marL="0" marR="0" rtl="0" algn="l">
@@ -18611,10 +20337,26 @@
                 <a:buNone/>
               </a:pPr>
               <a:r>
-                <a:rPr lang="en" sz="1200"/>
+                <a:rPr b="0" i="0" lang="en" sz="1200" u="none" cap="none" strike="noStrike">
+                  <a:solidFill>
+                    <a:srgbClr val="000000"/>
+                  </a:solidFill>
+                  <a:latin typeface="Arial"/>
+                  <a:ea typeface="Arial"/>
+                  <a:cs typeface="Arial"/>
+                  <a:sym typeface="Arial"/>
+                </a:rPr>
                 <a:t>User</a:t>
               </a:r>
-              <a:endParaRPr sz="1200"/>
+              <a:endParaRPr b="0" i="0" sz="1200" u="none" cap="none" strike="noStrike">
+                <a:solidFill>
+                  <a:srgbClr val="000000"/>
+                </a:solidFill>
+                <a:latin typeface="Arial"/>
+                <a:ea typeface="Arial"/>
+                <a:cs typeface="Arial"/>
+                <a:sym typeface="Arial"/>
+              </a:endParaRPr>
             </a:p>
             <a:p>
               <a:pPr indent="0" lvl="0" marL="0" marR="0" rtl="0" algn="l">
@@ -18635,10 +20377,26 @@
                 <a:buNone/>
               </a:pPr>
               <a:r>
-                <a:rPr lang="en" sz="1200"/>
+                <a:rPr b="0" i="0" lang="en" sz="1200" u="none" cap="none" strike="noStrike">
+                  <a:solidFill>
+                    <a:srgbClr val="000000"/>
+                  </a:solidFill>
+                  <a:latin typeface="Arial"/>
+                  <a:ea typeface="Arial"/>
+                  <a:cs typeface="Arial"/>
+                  <a:sym typeface="Arial"/>
+                </a:rPr>
                 <a:t>Test</a:t>
               </a:r>
-              <a:endParaRPr sz="1200"/>
+              <a:endParaRPr b="0" i="0" sz="1200" u="none" cap="none" strike="noStrike">
+                <a:solidFill>
+                  <a:srgbClr val="000000"/>
+                </a:solidFill>
+                <a:latin typeface="Arial"/>
+                <a:ea typeface="Arial"/>
+                <a:cs typeface="Arial"/>
+                <a:sym typeface="Arial"/>
+              </a:endParaRPr>
             </a:p>
             <a:p>
               <a:pPr indent="0" lvl="0" marL="0" marR="0" rtl="0" algn="l">
@@ -18661,14 +20419,22 @@
               <a:r>
                 <a:t/>
               </a:r>
-              <a:endParaRPr sz="1200"/>
+              <a:endParaRPr b="0" i="0" sz="1200" u="none" cap="none" strike="noStrike">
+                <a:solidFill>
+                  <a:srgbClr val="000000"/>
+                </a:solidFill>
+                <a:latin typeface="Arial"/>
+                <a:ea typeface="Arial"/>
+                <a:cs typeface="Arial"/>
+                <a:sym typeface="Arial"/>
+              </a:endParaRPr>
             </a:p>
           </p:txBody>
         </p:sp>
       </p:grpSp>
       <p:sp>
         <p:nvSpPr>
-          <p:cNvPr id="109" name="Google Shape;109;p17"/>
+          <p:cNvPr id="109" name="Google Shape;109;p5"/>
           <p:cNvSpPr txBox="1"/>
           <p:nvPr>
             <p:ph idx="4294967295" type="title"/>
@@ -18741,7 +20507,7 @@
       </p:grpSpPr>
       <p:grpSp>
         <p:nvGrpSpPr>
-          <p:cNvPr id="114" name="Google Shape;114;p18"/>
+          <p:cNvPr id="114" name="Google Shape;114;p6"/>
           <p:cNvGrpSpPr/>
           <p:nvPr/>
         </p:nvGrpSpPr>
@@ -18755,7 +20521,7 @@
         </p:grpSpPr>
         <p:sp>
           <p:nvSpPr>
-            <p:cNvPr id="115" name="Google Shape;115;p18"/>
+            <p:cNvPr id="115" name="Google Shape;115;p6"/>
             <p:cNvSpPr/>
             <p:nvPr/>
           </p:nvSpPr>
@@ -18820,7 +20586,7 @@
         </p:sp>
         <p:sp>
           <p:nvSpPr>
-            <p:cNvPr id="116" name="Google Shape;116;p18"/>
+            <p:cNvPr id="116" name="Google Shape;116;p6"/>
             <p:cNvSpPr/>
             <p:nvPr/>
           </p:nvSpPr>
@@ -18869,7 +20635,15 @@
                 <a:buNone/>
               </a:pPr>
               <a:r>
-                <a:rPr b="1" lang="en"/>
+                <a:rPr b="1" i="0" lang="en" sz="1400" u="none" cap="none" strike="noStrike">
+                  <a:solidFill>
+                    <a:srgbClr val="000000"/>
+                  </a:solidFill>
+                  <a:latin typeface="Arial"/>
+                  <a:ea typeface="Arial"/>
+                  <a:cs typeface="Arial"/>
+                  <a:sym typeface="Arial"/>
+                </a:rPr>
                 <a:t>FileManager</a:t>
               </a:r>
               <a:endParaRPr b="1" i="0" sz="1400" u="none" cap="none" strike="noStrike">
@@ -18886,7 +20660,7 @@
         </p:sp>
         <p:sp>
           <p:nvSpPr>
-            <p:cNvPr id="117" name="Google Shape;117;p18"/>
+            <p:cNvPr id="117" name="Google Shape;117;p6"/>
             <p:cNvSpPr/>
             <p:nvPr/>
           </p:nvSpPr>
@@ -18927,7 +20701,15 @@
                 <a:buNone/>
               </a:pPr>
               <a:r>
-                <a:rPr b="1" lang="en" sz="1100"/>
+                <a:rPr b="1" i="0" lang="en" sz="1100" u="none" cap="none" strike="noStrike">
+                  <a:solidFill>
+                    <a:srgbClr val="000000"/>
+                  </a:solidFill>
+                  <a:latin typeface="Arial"/>
+                  <a:ea typeface="Arial"/>
+                  <a:cs typeface="Arial"/>
+                  <a:sym typeface="Arial"/>
+                </a:rPr>
                 <a:t>Object</a:t>
               </a:r>
               <a:endParaRPr b="1" i="0" sz="1100" u="none" cap="none" strike="noStrike">
@@ -18944,7 +20726,7 @@
         </p:sp>
         <p:sp>
           <p:nvSpPr>
-            <p:cNvPr id="118" name="Google Shape;118;p18"/>
+            <p:cNvPr id="118" name="Google Shape;118;p6"/>
             <p:cNvSpPr/>
             <p:nvPr/>
           </p:nvSpPr>
@@ -19001,7 +20783,7 @@
         </p:sp>
         <p:sp>
           <p:nvSpPr>
-            <p:cNvPr id="119" name="Google Shape;119;p18"/>
+            <p:cNvPr id="119" name="Google Shape;119;p6"/>
             <p:cNvSpPr/>
             <p:nvPr/>
           </p:nvSpPr>
@@ -19032,7 +20814,7 @@
             </a:bodyPr>
             <a:lstStyle/>
             <a:p>
-              <a:pPr indent="-121918" lvl="0" marL="182880" marR="0" rtl="0" algn="l">
+              <a:pPr indent="-121917" lvl="0" marL="182880" marR="0" rtl="0" algn="l">
                 <a:lnSpc>
                   <a:spcPct val="100000"/>
                 </a:lnSpc>
@@ -19050,13 +20832,29 @@
                 <a:buChar char="●"/>
               </a:pPr>
               <a:r>
-                <a:rPr lang="en" sz="1200"/>
+                <a:rPr b="0" i="0" lang="en" sz="1200" u="none" cap="none" strike="noStrike">
+                  <a:solidFill>
+                    <a:srgbClr val="000000"/>
+                  </a:solidFill>
+                  <a:latin typeface="Arial"/>
+                  <a:ea typeface="Arial"/>
+                  <a:cs typeface="Arial"/>
+                  <a:sym typeface="Arial"/>
+                </a:rPr>
                 <a:t>Generate words from a file</a:t>
               </a:r>
-              <a:endParaRPr sz="1200"/>
+              <a:endParaRPr b="0" i="0" sz="1200" u="none" cap="none" strike="noStrike">
+                <a:solidFill>
+                  <a:srgbClr val="000000"/>
+                </a:solidFill>
+                <a:latin typeface="Arial"/>
+                <a:ea typeface="Arial"/>
+                <a:cs typeface="Arial"/>
+                <a:sym typeface="Arial"/>
+              </a:endParaRPr>
             </a:p>
             <a:p>
-              <a:pPr indent="-121918" lvl="0" marL="182880" marR="0" rtl="0" algn="l">
+              <a:pPr indent="-121917" lvl="0" marL="182880" marR="0" rtl="0" algn="l">
                 <a:lnSpc>
                   <a:spcPct val="100000"/>
                 </a:lnSpc>
@@ -19066,17 +20864,37 @@
                 <a:spcAft>
                   <a:spcPts val="0"/>
                 </a:spcAft>
+                <a:buClr>
+                  <a:srgbClr val="000000"/>
+                </a:buClr>
                 <a:buSzPts val="1200"/>
+                <a:buFont typeface="Arial"/>
                 <a:buChar char="●"/>
               </a:pPr>
               <a:r>
-                <a:rPr lang="en" sz="1200"/>
+                <a:rPr b="0" i="0" lang="en" sz="1200" u="none" cap="none" strike="noStrike">
+                  <a:solidFill>
+                    <a:srgbClr val="000000"/>
+                  </a:solidFill>
+                  <a:latin typeface="Arial"/>
+                  <a:ea typeface="Arial"/>
+                  <a:cs typeface="Arial"/>
+                  <a:sym typeface="Arial"/>
+                </a:rPr>
                 <a:t>Generate questions from a file</a:t>
               </a:r>
-              <a:endParaRPr sz="1200"/>
+              <a:endParaRPr b="0" i="0" sz="1200" u="none" cap="none" strike="noStrike">
+                <a:solidFill>
+                  <a:srgbClr val="000000"/>
+                </a:solidFill>
+                <a:latin typeface="Arial"/>
+                <a:ea typeface="Arial"/>
+                <a:cs typeface="Arial"/>
+                <a:sym typeface="Arial"/>
+              </a:endParaRPr>
             </a:p>
             <a:p>
-              <a:pPr indent="-121918" lvl="0" marL="182880" marR="0" rtl="0" algn="l">
+              <a:pPr indent="-121917" lvl="0" marL="182880" marR="0" rtl="0" algn="l">
                 <a:lnSpc>
                   <a:spcPct val="100000"/>
                 </a:lnSpc>
@@ -19086,20 +20904,40 @@
                 <a:spcAft>
                   <a:spcPts val="0"/>
                 </a:spcAft>
+                <a:buClr>
+                  <a:srgbClr val="000000"/>
+                </a:buClr>
                 <a:buSzPts val="1200"/>
+                <a:buFont typeface="Arial"/>
                 <a:buChar char="●"/>
               </a:pPr>
               <a:r>
-                <a:rPr lang="en" sz="1200"/>
+                <a:rPr b="0" i="0" lang="en" sz="1200" u="none" cap="none" strike="noStrike">
+                  <a:solidFill>
+                    <a:srgbClr val="000000"/>
+                  </a:solidFill>
+                  <a:latin typeface="Arial"/>
+                  <a:ea typeface="Arial"/>
+                  <a:cs typeface="Arial"/>
+                  <a:sym typeface="Arial"/>
+                </a:rPr>
                 <a:t>Generate user list from a file</a:t>
               </a:r>
-              <a:endParaRPr sz="1200"/>
+              <a:endParaRPr b="0" i="0" sz="1200" u="none" cap="none" strike="noStrike">
+                <a:solidFill>
+                  <a:srgbClr val="000000"/>
+                </a:solidFill>
+                <a:latin typeface="Arial"/>
+                <a:ea typeface="Arial"/>
+                <a:cs typeface="Arial"/>
+                <a:sym typeface="Arial"/>
+              </a:endParaRPr>
             </a:p>
           </p:txBody>
         </p:sp>
         <p:sp>
           <p:nvSpPr>
-            <p:cNvPr id="120" name="Google Shape;120;p18"/>
+            <p:cNvPr id="120" name="Google Shape;120;p6"/>
             <p:cNvSpPr/>
             <p:nvPr/>
           </p:nvSpPr>
@@ -19148,10 +20986,26 @@
                 <a:buNone/>
               </a:pPr>
               <a:r>
-                <a:rPr lang="en" sz="1200"/>
+                <a:rPr b="0" i="0" lang="en" sz="1200" u="none" cap="none" strike="noStrike">
+                  <a:solidFill>
+                    <a:srgbClr val="000000"/>
+                  </a:solidFill>
+                  <a:latin typeface="Arial"/>
+                  <a:ea typeface="Arial"/>
+                  <a:cs typeface="Arial"/>
+                  <a:sym typeface="Arial"/>
+                </a:rPr>
                 <a:t>WordManager</a:t>
               </a:r>
-              <a:endParaRPr sz="1200"/>
+              <a:endParaRPr b="0" i="0" sz="1200" u="none" cap="none" strike="noStrike">
+                <a:solidFill>
+                  <a:srgbClr val="000000"/>
+                </a:solidFill>
+                <a:latin typeface="Arial"/>
+                <a:ea typeface="Arial"/>
+                <a:cs typeface="Arial"/>
+                <a:sym typeface="Arial"/>
+              </a:endParaRPr>
             </a:p>
             <a:p>
               <a:pPr indent="0" lvl="0" marL="0" marR="0" rtl="0" algn="l">
@@ -19172,10 +21026,26 @@
                 <a:buNone/>
               </a:pPr>
               <a:r>
-                <a:rPr lang="en" sz="1200"/>
+                <a:rPr b="0" i="0" lang="en" sz="1200" u="none" cap="none" strike="noStrike">
+                  <a:solidFill>
+                    <a:srgbClr val="000000"/>
+                  </a:solidFill>
+                  <a:latin typeface="Arial"/>
+                  <a:ea typeface="Arial"/>
+                  <a:cs typeface="Arial"/>
+                  <a:sym typeface="Arial"/>
+                </a:rPr>
                 <a:t>UserManager</a:t>
               </a:r>
-              <a:endParaRPr sz="1200"/>
+              <a:endParaRPr b="0" i="0" sz="1200" u="none" cap="none" strike="noStrike">
+                <a:solidFill>
+                  <a:srgbClr val="000000"/>
+                </a:solidFill>
+                <a:latin typeface="Arial"/>
+                <a:ea typeface="Arial"/>
+                <a:cs typeface="Arial"/>
+                <a:sym typeface="Arial"/>
+              </a:endParaRPr>
             </a:p>
             <a:p>
               <a:pPr indent="0" lvl="0" marL="0" marR="0" rtl="0" algn="l">
@@ -19196,10 +21066,26 @@
                 <a:buNone/>
               </a:pPr>
               <a:r>
-                <a:rPr lang="en" sz="1200"/>
+                <a:rPr b="0" i="0" lang="en" sz="1200" u="none" cap="none" strike="noStrike">
+                  <a:solidFill>
+                    <a:srgbClr val="000000"/>
+                  </a:solidFill>
+                  <a:latin typeface="Arial"/>
+                  <a:ea typeface="Arial"/>
+                  <a:cs typeface="Arial"/>
+                  <a:sym typeface="Arial"/>
+                </a:rPr>
                 <a:t>TestManager</a:t>
               </a:r>
-              <a:endParaRPr sz="1200"/>
+              <a:endParaRPr b="0" i="0" sz="1200" u="none" cap="none" strike="noStrike">
+                <a:solidFill>
+                  <a:srgbClr val="000000"/>
+                </a:solidFill>
+                <a:latin typeface="Arial"/>
+                <a:ea typeface="Arial"/>
+                <a:cs typeface="Arial"/>
+                <a:sym typeface="Arial"/>
+              </a:endParaRPr>
             </a:p>
             <a:p>
               <a:pPr indent="0" lvl="0" marL="0" marR="0" rtl="0" algn="l">
@@ -19222,14 +21108,22 @@
               <a:r>
                 <a:t/>
               </a:r>
-              <a:endParaRPr sz="1200"/>
+              <a:endParaRPr b="0" i="0" sz="1200" u="none" cap="none" strike="noStrike">
+                <a:solidFill>
+                  <a:srgbClr val="000000"/>
+                </a:solidFill>
+                <a:latin typeface="Arial"/>
+                <a:ea typeface="Arial"/>
+                <a:cs typeface="Arial"/>
+                <a:sym typeface="Arial"/>
+              </a:endParaRPr>
             </a:p>
           </p:txBody>
         </p:sp>
       </p:grpSp>
       <p:sp>
         <p:nvSpPr>
-          <p:cNvPr id="121" name="Google Shape;121;p18"/>
+          <p:cNvPr id="121" name="Google Shape;121;p6"/>
           <p:cNvSpPr txBox="1"/>
           <p:nvPr>
             <p:ph idx="4294967295" type="title"/>
@@ -19302,7 +21196,7 @@
       </p:grpSpPr>
       <p:grpSp>
         <p:nvGrpSpPr>
-          <p:cNvPr id="126" name="Google Shape;126;p19"/>
+          <p:cNvPr id="126" name="Google Shape;126;p7"/>
           <p:cNvGrpSpPr/>
           <p:nvPr/>
         </p:nvGrpSpPr>
@@ -19316,7 +21210,7 @@
         </p:grpSpPr>
         <p:sp>
           <p:nvSpPr>
-            <p:cNvPr id="127" name="Google Shape;127;p19"/>
+            <p:cNvPr id="127" name="Google Shape;127;p7"/>
             <p:cNvSpPr/>
             <p:nvPr/>
           </p:nvSpPr>
@@ -19381,7 +21275,7 @@
         </p:sp>
         <p:sp>
           <p:nvSpPr>
-            <p:cNvPr id="128" name="Google Shape;128;p19"/>
+            <p:cNvPr id="128" name="Google Shape;128;p7"/>
             <p:cNvSpPr/>
             <p:nvPr/>
           </p:nvSpPr>
@@ -19430,7 +21324,15 @@
                 <a:buNone/>
               </a:pPr>
               <a:r>
-                <a:rPr b="1" lang="en"/>
+                <a:rPr b="1" i="0" lang="en" sz="1400" u="none" cap="none" strike="noStrike">
+                  <a:solidFill>
+                    <a:srgbClr val="000000"/>
+                  </a:solidFill>
+                  <a:latin typeface="Arial"/>
+                  <a:ea typeface="Arial"/>
+                  <a:cs typeface="Arial"/>
+                  <a:sym typeface="Arial"/>
+                </a:rPr>
                 <a:t>IDcreater</a:t>
               </a:r>
               <a:endParaRPr b="1" i="0" sz="1400" u="none" cap="none" strike="noStrike">
@@ -19447,7 +21349,7 @@
         </p:sp>
         <p:sp>
           <p:nvSpPr>
-            <p:cNvPr id="129" name="Google Shape;129;p19"/>
+            <p:cNvPr id="129" name="Google Shape;129;p7"/>
             <p:cNvSpPr/>
             <p:nvPr/>
           </p:nvSpPr>
@@ -19488,7 +21390,15 @@
                 <a:buNone/>
               </a:pPr>
               <a:r>
-                <a:rPr b="1" lang="en" sz="1100"/>
+                <a:rPr b="1" i="0" lang="en" sz="1100" u="none" cap="none" strike="noStrike">
+                  <a:solidFill>
+                    <a:srgbClr val="000000"/>
+                  </a:solidFill>
+                  <a:latin typeface="Arial"/>
+                  <a:ea typeface="Arial"/>
+                  <a:cs typeface="Arial"/>
+                  <a:sym typeface="Arial"/>
+                </a:rPr>
                 <a:t>User</a:t>
               </a:r>
               <a:endParaRPr b="1" i="0" sz="1100" u="none" cap="none" strike="noStrike">
@@ -19505,7 +21415,7 @@
         </p:sp>
         <p:sp>
           <p:nvSpPr>
-            <p:cNvPr id="130" name="Google Shape;130;p19"/>
+            <p:cNvPr id="130" name="Google Shape;130;p7"/>
             <p:cNvSpPr/>
             <p:nvPr/>
           </p:nvSpPr>
@@ -19536,7 +21446,7 @@
             </a:bodyPr>
             <a:lstStyle/>
             <a:p>
-              <a:pPr indent="-121918" lvl="0" marL="182880" marR="0" rtl="0" algn="l">
+              <a:pPr indent="-121917" lvl="0" marL="182880" marR="0" rtl="0" algn="l">
                 <a:lnSpc>
                   <a:spcPct val="100000"/>
                 </a:lnSpc>
@@ -19554,7 +21464,15 @@
                 <a:buChar char="●"/>
               </a:pPr>
               <a:r>
-                <a:rPr lang="en" sz="1200"/>
+                <a:rPr b="0" i="0" lang="en" sz="1200" u="none" cap="none" strike="noStrike">
+                  <a:solidFill>
+                    <a:srgbClr val="000000"/>
+                  </a:solidFill>
+                  <a:latin typeface="Arial"/>
+                  <a:ea typeface="Arial"/>
+                  <a:cs typeface="Arial"/>
+                  <a:sym typeface="Arial"/>
+                </a:rPr>
                 <a:t>create an ID for each user</a:t>
               </a:r>
               <a:endParaRPr b="0" i="0" sz="1200" u="none" cap="none" strike="noStrike">
@@ -19571,7 +21489,7 @@
         </p:sp>
         <p:sp>
           <p:nvSpPr>
-            <p:cNvPr id="131" name="Google Shape;131;p19"/>
+            <p:cNvPr id="131" name="Google Shape;131;p7"/>
             <p:cNvSpPr/>
             <p:nvPr/>
           </p:nvSpPr>
@@ -19620,7 +21538,15 @@
                 <a:buNone/>
               </a:pPr>
               <a:r>
-                <a:rPr lang="en" sz="1200"/>
+                <a:rPr b="0" i="0" lang="en" sz="1200" u="none" cap="none" strike="noStrike">
+                  <a:solidFill>
+                    <a:srgbClr val="000000"/>
+                  </a:solidFill>
+                  <a:latin typeface="Arial"/>
+                  <a:ea typeface="Arial"/>
+                  <a:cs typeface="Arial"/>
+                  <a:sym typeface="Arial"/>
+                </a:rPr>
                 <a:t>user</a:t>
               </a:r>
               <a:endParaRPr b="0" i="0" sz="1200" u="none" cap="none" strike="noStrike">
@@ -19638,7 +21564,7 @@
       </p:grpSp>
       <p:sp>
         <p:nvSpPr>
-          <p:cNvPr id="132" name="Google Shape;132;p19"/>
+          <p:cNvPr id="132" name="Google Shape;132;p7"/>
           <p:cNvSpPr txBox="1"/>
           <p:nvPr>
             <p:ph idx="4294967295" type="title"/>
@@ -19711,7 +21637,7 @@
       </p:grpSpPr>
       <p:sp>
         <p:nvSpPr>
-          <p:cNvPr id="137" name="Google Shape;137;p20"/>
+          <p:cNvPr id="137" name="Google Shape;137;p8"/>
           <p:cNvSpPr txBox="1"/>
           <p:nvPr>
             <p:ph idx="4294967295" type="title"/>
@@ -19759,7 +21685,7 @@
       </p:sp>
       <p:grpSp>
         <p:nvGrpSpPr>
-          <p:cNvPr id="138" name="Google Shape;138;p20"/>
+          <p:cNvPr id="138" name="Google Shape;138;p8"/>
           <p:cNvGrpSpPr/>
           <p:nvPr/>
         </p:nvGrpSpPr>
@@ -19773,7 +21699,7 @@
         </p:grpSpPr>
         <p:sp>
           <p:nvSpPr>
-            <p:cNvPr id="139" name="Google Shape;139;p20"/>
+            <p:cNvPr id="139" name="Google Shape;139;p8"/>
             <p:cNvSpPr/>
             <p:nvPr/>
           </p:nvSpPr>
@@ -19838,7 +21764,7 @@
         </p:sp>
         <p:sp>
           <p:nvSpPr>
-            <p:cNvPr id="140" name="Google Shape;140;p20"/>
+            <p:cNvPr id="140" name="Google Shape;140;p8"/>
             <p:cNvSpPr/>
             <p:nvPr/>
           </p:nvSpPr>
@@ -19887,7 +21813,15 @@
                 <a:buNone/>
               </a:pPr>
               <a:r>
-                <a:rPr b="1" lang="en"/>
+                <a:rPr b="1" i="0" lang="en" sz="1400" u="none" cap="none" strike="noStrike">
+                  <a:solidFill>
+                    <a:srgbClr val="000000"/>
+                  </a:solidFill>
+                  <a:latin typeface="Arial"/>
+                  <a:ea typeface="Arial"/>
+                  <a:cs typeface="Arial"/>
+                  <a:sym typeface="Arial"/>
+                </a:rPr>
                 <a:t>Answer</a:t>
               </a:r>
               <a:endParaRPr b="1" i="0" sz="1400" u="none" cap="none" strike="noStrike">
@@ -19904,7 +21838,7 @@
         </p:sp>
         <p:sp>
           <p:nvSpPr>
-            <p:cNvPr id="141" name="Google Shape;141;p20"/>
+            <p:cNvPr id="141" name="Google Shape;141;p8"/>
             <p:cNvSpPr/>
             <p:nvPr/>
           </p:nvSpPr>
@@ -19935,7 +21869,7 @@
             </a:bodyPr>
             <a:lstStyle/>
             <a:p>
-              <a:pPr indent="-121918" lvl="0" marL="182880" marR="0" rtl="0" algn="l">
+              <a:pPr indent="-121917" lvl="0" marL="182880" marR="0" rtl="0" algn="l">
                 <a:lnSpc>
                   <a:spcPct val="100000"/>
                 </a:lnSpc>
@@ -19953,16 +21887,32 @@
                 <a:buChar char="●"/>
               </a:pPr>
               <a:r>
-                <a:rPr lang="en" sz="1200"/>
+                <a:rPr b="0" i="0" lang="en" sz="1200" u="none" cap="none" strike="noStrike">
+                  <a:solidFill>
+                    <a:srgbClr val="000000"/>
+                  </a:solidFill>
+                  <a:latin typeface="Arial"/>
+                  <a:ea typeface="Arial"/>
+                  <a:cs typeface="Arial"/>
+                  <a:sym typeface="Arial"/>
+                </a:rPr>
                 <a:t>Show student’s answer of the test</a:t>
               </a:r>
-              <a:endParaRPr sz="1200"/>
+              <a:endParaRPr b="0" i="0" sz="1200" u="none" cap="none" strike="noStrike">
+                <a:solidFill>
+                  <a:srgbClr val="000000"/>
+                </a:solidFill>
+                <a:latin typeface="Arial"/>
+                <a:ea typeface="Arial"/>
+                <a:cs typeface="Arial"/>
+                <a:sym typeface="Arial"/>
+              </a:endParaRPr>
             </a:p>
           </p:txBody>
         </p:sp>
         <p:sp>
           <p:nvSpPr>
-            <p:cNvPr id="142" name="Google Shape;142;p20"/>
+            <p:cNvPr id="142" name="Google Shape;142;p8"/>
             <p:cNvSpPr/>
             <p:nvPr/>
           </p:nvSpPr>
@@ -20011,10 +21961,26 @@
                 <a:buNone/>
               </a:pPr>
               <a:r>
-                <a:rPr lang="en" sz="1200"/>
+                <a:rPr b="0" i="0" lang="en" sz="1200" u="none" cap="none" strike="noStrike">
+                  <a:solidFill>
+                    <a:srgbClr val="000000"/>
+                  </a:solidFill>
+                  <a:latin typeface="Arial"/>
+                  <a:ea typeface="Arial"/>
+                  <a:cs typeface="Arial"/>
+                  <a:sym typeface="Arial"/>
+                </a:rPr>
                 <a:t>Students</a:t>
               </a:r>
-              <a:endParaRPr sz="1200"/>
+              <a:endParaRPr b="0" i="0" sz="1200" u="none" cap="none" strike="noStrike">
+                <a:solidFill>
+                  <a:srgbClr val="000000"/>
+                </a:solidFill>
+                <a:latin typeface="Arial"/>
+                <a:ea typeface="Arial"/>
+                <a:cs typeface="Arial"/>
+                <a:sym typeface="Arial"/>
+              </a:endParaRPr>
             </a:p>
             <a:p>
               <a:pPr indent="0" lvl="0" marL="0" marR="0" rtl="0" algn="l">
@@ -20035,16 +22001,32 @@
                 <a:buNone/>
               </a:pPr>
               <a:r>
-                <a:rPr lang="en" sz="1200"/>
+                <a:rPr b="0" i="0" lang="en" sz="1200" u="none" cap="none" strike="noStrike">
+                  <a:solidFill>
+                    <a:srgbClr val="000000"/>
+                  </a:solidFill>
+                  <a:latin typeface="Arial"/>
+                  <a:ea typeface="Arial"/>
+                  <a:cs typeface="Arial"/>
+                  <a:sym typeface="Arial"/>
+                </a:rPr>
                 <a:t>Test</a:t>
               </a:r>
-              <a:endParaRPr sz="1200"/>
+              <a:endParaRPr b="0" i="0" sz="1200" u="none" cap="none" strike="noStrike">
+                <a:solidFill>
+                  <a:srgbClr val="000000"/>
+                </a:solidFill>
+                <a:latin typeface="Arial"/>
+                <a:ea typeface="Arial"/>
+                <a:cs typeface="Arial"/>
+                <a:sym typeface="Arial"/>
+              </a:endParaRPr>
             </a:p>
           </p:txBody>
         </p:sp>
         <p:sp>
           <p:nvSpPr>
-            <p:cNvPr id="143" name="Google Shape;143;p20"/>
+            <p:cNvPr id="143" name="Google Shape;143;p8"/>
             <p:cNvSpPr/>
             <p:nvPr/>
           </p:nvSpPr>
@@ -20085,7 +22067,15 @@
                 <a:buNone/>
               </a:pPr>
               <a:r>
-                <a:rPr b="1" lang="en" sz="1100"/>
+                <a:rPr b="1" i="0" lang="en" sz="1100" u="none" cap="none" strike="noStrike">
+                  <a:solidFill>
+                    <a:srgbClr val="000000"/>
+                  </a:solidFill>
+                  <a:latin typeface="Arial"/>
+                  <a:ea typeface="Arial"/>
+                  <a:cs typeface="Arial"/>
+                  <a:sym typeface="Arial"/>
+                </a:rPr>
                 <a:t>Test</a:t>
               </a:r>
               <a:endParaRPr b="1" i="0" sz="1100" u="none" cap="none" strike="noStrike">
@@ -20128,7 +22118,7 @@
       </p:grpSpPr>
       <p:grpSp>
         <p:nvGrpSpPr>
-          <p:cNvPr id="148" name="Google Shape;148;p21"/>
+          <p:cNvPr id="148" name="Google Shape;148;p9"/>
           <p:cNvGrpSpPr/>
           <p:nvPr/>
         </p:nvGrpSpPr>
@@ -20142,7 +22132,7 @@
         </p:grpSpPr>
         <p:sp>
           <p:nvSpPr>
-            <p:cNvPr id="149" name="Google Shape;149;p21"/>
+            <p:cNvPr id="149" name="Google Shape;149;p9"/>
             <p:cNvSpPr/>
             <p:nvPr/>
           </p:nvSpPr>
@@ -20207,7 +22197,7 @@
         </p:sp>
         <p:sp>
           <p:nvSpPr>
-            <p:cNvPr id="150" name="Google Shape;150;p21"/>
+            <p:cNvPr id="150" name="Google Shape;150;p9"/>
             <p:cNvSpPr/>
             <p:nvPr/>
           </p:nvSpPr>
@@ -20256,7 +22246,15 @@
                 <a:buNone/>
               </a:pPr>
               <a:r>
-                <a:rPr b="1" lang="en"/>
+                <a:rPr b="1" i="0" lang="en" sz="1400" u="none" cap="none" strike="noStrike">
+                  <a:solidFill>
+                    <a:srgbClr val="000000"/>
+                  </a:solidFill>
+                  <a:latin typeface="Arial"/>
+                  <a:ea typeface="Arial"/>
+                  <a:cs typeface="Arial"/>
+                  <a:sym typeface="Arial"/>
+                </a:rPr>
                 <a:t>Test</a:t>
               </a:r>
               <a:endParaRPr b="1" i="0" sz="1400" u="none" cap="none" strike="noStrike">
@@ -20273,7 +22271,7 @@
         </p:sp>
         <p:sp>
           <p:nvSpPr>
-            <p:cNvPr id="151" name="Google Shape;151;p21"/>
+            <p:cNvPr id="151" name="Google Shape;151;p9"/>
             <p:cNvSpPr/>
             <p:nvPr/>
           </p:nvSpPr>
@@ -20336,7 +22334,10 @@
               </a:endParaRPr>
             </a:p>
             <a:p>
-              <a:pPr indent="0" lvl="0" marL="0" rtl="0" algn="r">
+              <a:pPr indent="0" lvl="0" marL="0" marR="0" rtl="0" algn="r">
+                <a:lnSpc>
+                  <a:spcPct val="100000"/>
+                </a:lnSpc>
                 <a:spcBef>
                   <a:spcPts val="0"/>
                 </a:spcBef>
@@ -20351,21 +22352,32 @@
                 <a:buNone/>
               </a:pPr>
               <a:r>
-                <a:rPr b="1" lang="en" sz="1100">
+                <a:rPr b="1" i="0" lang="en" sz="1100" u="none" cap="none" strike="noStrike">
                   <a:solidFill>
                     <a:schemeClr val="dk1"/>
                   </a:solidFill>
+                  <a:latin typeface="Arial"/>
+                  <a:ea typeface="Arial"/>
+                  <a:cs typeface="Arial"/>
+                  <a:sym typeface="Arial"/>
                 </a:rPr>
                 <a:t>Children: Quiz</a:t>
               </a:r>
-              <a:endParaRPr b="1" sz="1100">
+              <a:endParaRPr b="1" i="0" sz="1100" u="none" cap="none" strike="noStrike">
                 <a:solidFill>
                   <a:schemeClr val="dk1"/>
                 </a:solidFill>
+                <a:latin typeface="Arial"/>
+                <a:ea typeface="Arial"/>
+                <a:cs typeface="Arial"/>
+                <a:sym typeface="Arial"/>
               </a:endParaRPr>
             </a:p>
             <a:p>
-              <a:pPr indent="0" lvl="0" marL="0" rtl="0" algn="r">
+              <a:pPr indent="0" lvl="0" marL="0" marR="0" rtl="0" algn="r">
+                <a:lnSpc>
+                  <a:spcPct val="100000"/>
+                </a:lnSpc>
                 <a:spcBef>
                   <a:spcPts val="0"/>
                 </a:spcBef>
@@ -20380,17 +22392,25 @@
                 <a:buNone/>
               </a:pPr>
               <a:r>
-                <a:rPr b="1" lang="en" sz="1100">
+                <a:rPr b="1" i="0" lang="en" sz="1100" u="none" cap="none" strike="noStrike">
                   <a:solidFill>
                     <a:schemeClr val="dk1"/>
                   </a:solidFill>
+                  <a:latin typeface="Arial"/>
+                  <a:ea typeface="Arial"/>
+                  <a:cs typeface="Arial"/>
+                  <a:sym typeface="Arial"/>
                 </a:rPr>
                 <a:t>Exam </a:t>
               </a:r>
-              <a:endParaRPr b="1" sz="1100">
+              <a:endParaRPr b="1" i="0" sz="1100" u="none" cap="none" strike="noStrike">
                 <a:solidFill>
                   <a:schemeClr val="dk1"/>
                 </a:solidFill>
+                <a:latin typeface="Arial"/>
+                <a:ea typeface="Arial"/>
+                <a:cs typeface="Arial"/>
+                <a:sym typeface="Arial"/>
               </a:endParaRPr>
             </a:p>
             <a:p>
@@ -20414,13 +22434,21 @@
               <a:r>
                 <a:t/>
               </a:r>
-              <a:endParaRPr b="1" sz="1100"/>
+              <a:endParaRPr b="1" i="0" sz="1100" u="none" cap="none" strike="noStrike">
+                <a:solidFill>
+                  <a:srgbClr val="000000"/>
+                </a:solidFill>
+                <a:latin typeface="Arial"/>
+                <a:ea typeface="Arial"/>
+                <a:cs typeface="Arial"/>
+                <a:sym typeface="Arial"/>
+              </a:endParaRPr>
             </a:p>
           </p:txBody>
         </p:sp>
         <p:sp>
           <p:nvSpPr>
-            <p:cNvPr id="152" name="Google Shape;152;p21"/>
+            <p:cNvPr id="152" name="Google Shape;152;p9"/>
             <p:cNvSpPr/>
             <p:nvPr/>
           </p:nvSpPr>
@@ -20461,15 +22489,28 @@
                 <a:spcAft>
                   <a:spcPts val="0"/>
                 </a:spcAft>
+                <a:buClr>
+                  <a:srgbClr val="000000"/>
+                </a:buClr>
+                <a:buSzPts val="1100"/>
+                <a:buFont typeface="Arial"/>
                 <a:buNone/>
               </a:pPr>
               <a:r>
                 <a:t/>
               </a:r>
-              <a:endParaRPr sz="1100"/>
+              <a:endParaRPr b="0" i="0" sz="1100" u="none" cap="none" strike="noStrike">
+                <a:solidFill>
+                  <a:srgbClr val="000000"/>
+                </a:solidFill>
+                <a:latin typeface="Arial"/>
+                <a:ea typeface="Arial"/>
+                <a:cs typeface="Arial"/>
+                <a:sym typeface="Arial"/>
+              </a:endParaRPr>
             </a:p>
             <a:p>
-              <a:pPr indent="-115568" lvl="0" marL="182880" marR="0" rtl="0" algn="l">
+              <a:pPr indent="-115567" lvl="0" marL="182880" marR="0" rtl="0" algn="l">
                 <a:lnSpc>
                   <a:spcPct val="100000"/>
                 </a:lnSpc>
@@ -20479,17 +22520,37 @@
                 <a:spcAft>
                   <a:spcPts val="0"/>
                 </a:spcAft>
+                <a:buClr>
+                  <a:srgbClr val="000000"/>
+                </a:buClr>
                 <a:buSzPts val="1100"/>
+                <a:buFont typeface="Arial"/>
                 <a:buChar char="●"/>
               </a:pPr>
               <a:r>
-                <a:rPr lang="en" sz="1100"/>
+                <a:rPr b="0" i="0" lang="en" sz="1100" u="none" cap="none" strike="noStrike">
+                  <a:solidFill>
+                    <a:srgbClr val="000000"/>
+                  </a:solidFill>
+                  <a:latin typeface="Arial"/>
+                  <a:ea typeface="Arial"/>
+                  <a:cs typeface="Arial"/>
+                  <a:sym typeface="Arial"/>
+                </a:rPr>
                 <a:t>Stores the time limit for the test</a:t>
               </a:r>
-              <a:endParaRPr sz="1100"/>
+              <a:endParaRPr b="0" i="0" sz="1100" u="none" cap="none" strike="noStrike">
+                <a:solidFill>
+                  <a:srgbClr val="000000"/>
+                </a:solidFill>
+                <a:latin typeface="Arial"/>
+                <a:ea typeface="Arial"/>
+                <a:cs typeface="Arial"/>
+                <a:sym typeface="Arial"/>
+              </a:endParaRPr>
             </a:p>
             <a:p>
-              <a:pPr indent="-115568" lvl="0" marL="182880" marR="0" rtl="0" algn="l">
+              <a:pPr indent="-115567" lvl="0" marL="182880" marR="0" rtl="0" algn="l">
                 <a:lnSpc>
                   <a:spcPct val="100000"/>
                 </a:lnSpc>
@@ -20499,17 +22560,37 @@
                 <a:spcAft>
                   <a:spcPts val="0"/>
                 </a:spcAft>
+                <a:buClr>
+                  <a:srgbClr val="000000"/>
+                </a:buClr>
                 <a:buSzPts val="1100"/>
+                <a:buFont typeface="Arial"/>
                 <a:buChar char="●"/>
               </a:pPr>
               <a:r>
-                <a:rPr lang="en" sz="1100"/>
+                <a:rPr b="0" i="0" lang="en" sz="1100" u="none" cap="none" strike="noStrike">
+                  <a:solidFill>
+                    <a:srgbClr val="000000"/>
+                  </a:solidFill>
+                  <a:latin typeface="Arial"/>
+                  <a:ea typeface="Arial"/>
+                  <a:cs typeface="Arial"/>
+                  <a:sym typeface="Arial"/>
+                </a:rPr>
                 <a:t>Stores the name of the test</a:t>
               </a:r>
-              <a:endParaRPr sz="1100"/>
+              <a:endParaRPr b="0" i="0" sz="1100" u="none" cap="none" strike="noStrike">
+                <a:solidFill>
+                  <a:srgbClr val="000000"/>
+                </a:solidFill>
+                <a:latin typeface="Arial"/>
+                <a:ea typeface="Arial"/>
+                <a:cs typeface="Arial"/>
+                <a:sym typeface="Arial"/>
+              </a:endParaRPr>
             </a:p>
             <a:p>
-              <a:pPr indent="-115568" lvl="0" marL="182880" marR="0" rtl="0" algn="l">
+              <a:pPr indent="-115567" lvl="0" marL="182880" marR="0" rtl="0" algn="l">
                 <a:lnSpc>
                   <a:spcPct val="100000"/>
                 </a:lnSpc>
@@ -20519,17 +22600,37 @@
                 <a:spcAft>
                   <a:spcPts val="0"/>
                 </a:spcAft>
+                <a:buClr>
+                  <a:srgbClr val="000000"/>
+                </a:buClr>
                 <a:buSzPts val="1100"/>
+                <a:buFont typeface="Arial"/>
                 <a:buChar char="●"/>
               </a:pPr>
               <a:r>
-                <a:rPr lang="en" sz="1100"/>
+                <a:rPr b="0" i="0" lang="en" sz="1100" u="none" cap="none" strike="noStrike">
+                  <a:solidFill>
+                    <a:srgbClr val="000000"/>
+                  </a:solidFill>
+                  <a:latin typeface="Arial"/>
+                  <a:ea typeface="Arial"/>
+                  <a:cs typeface="Arial"/>
+                  <a:sym typeface="Arial"/>
+                </a:rPr>
                 <a:t>Stores Test’s author</a:t>
               </a:r>
-              <a:endParaRPr sz="1100"/>
+              <a:endParaRPr b="0" i="0" sz="1100" u="none" cap="none" strike="noStrike">
+                <a:solidFill>
+                  <a:srgbClr val="000000"/>
+                </a:solidFill>
+                <a:latin typeface="Arial"/>
+                <a:ea typeface="Arial"/>
+                <a:cs typeface="Arial"/>
+                <a:sym typeface="Arial"/>
+              </a:endParaRPr>
             </a:p>
             <a:p>
-              <a:pPr indent="-115568" lvl="0" marL="182880" marR="0" rtl="0" algn="l">
+              <a:pPr indent="-115567" lvl="0" marL="182880" marR="0" rtl="0" algn="l">
                 <a:lnSpc>
                   <a:spcPct val="100000"/>
                 </a:lnSpc>
@@ -20539,17 +22640,37 @@
                 <a:spcAft>
                   <a:spcPts val="0"/>
                 </a:spcAft>
+                <a:buClr>
+                  <a:srgbClr val="000000"/>
+                </a:buClr>
                 <a:buSzPts val="1100"/>
+                <a:buFont typeface="Arial"/>
                 <a:buChar char="●"/>
               </a:pPr>
               <a:r>
-                <a:rPr lang="en" sz="1100"/>
+                <a:rPr b="0" i="0" lang="en" sz="1100" u="none" cap="none" strike="noStrike">
+                  <a:solidFill>
+                    <a:srgbClr val="000000"/>
+                  </a:solidFill>
+                  <a:latin typeface="Arial"/>
+                  <a:ea typeface="Arial"/>
+                  <a:cs typeface="Arial"/>
+                  <a:sym typeface="Arial"/>
+                </a:rPr>
                 <a:t>Stores the price of the test</a:t>
               </a:r>
-              <a:endParaRPr sz="1100"/>
+              <a:endParaRPr b="0" i="0" sz="1100" u="none" cap="none" strike="noStrike">
+                <a:solidFill>
+                  <a:srgbClr val="000000"/>
+                </a:solidFill>
+                <a:latin typeface="Arial"/>
+                <a:ea typeface="Arial"/>
+                <a:cs typeface="Arial"/>
+                <a:sym typeface="Arial"/>
+              </a:endParaRPr>
             </a:p>
             <a:p>
-              <a:pPr indent="-115568" lvl="0" marL="182880" marR="0" rtl="0" algn="l">
+              <a:pPr indent="-115567" lvl="0" marL="182880" marR="0" rtl="0" algn="l">
                 <a:lnSpc>
                   <a:spcPct val="100000"/>
                 </a:lnSpc>
@@ -20559,25 +22680,37 @@
                 <a:spcAft>
                   <a:spcPts val="0"/>
                 </a:spcAft>
+                <a:buClr>
+                  <a:srgbClr val="000000"/>
+                </a:buClr>
                 <a:buSzPts val="1100"/>
+                <a:buFont typeface="Arial"/>
                 <a:buChar char="●"/>
               </a:pPr>
               <a:r>
-                <a:rPr lang="en" sz="1100"/>
-                <a:t>Stores the </a:t>
+                <a:rPr b="0" i="0" lang="en" sz="1100" u="none" cap="none" strike="noStrike">
+                  <a:solidFill>
+                    <a:srgbClr val="000000"/>
+                  </a:solidFill>
+                  <a:latin typeface="Arial"/>
+                  <a:ea typeface="Arial"/>
+                  <a:cs typeface="Arial"/>
+                  <a:sym typeface="Arial"/>
+                </a:rPr>
+                <a:t>Stores the score of the test</a:t>
               </a:r>
-              <a:r>
-                <a:rPr lang="en" sz="1100"/>
-                <a:t>score</a:t>
-              </a:r>
-              <a:r>
-                <a:rPr lang="en" sz="1100"/>
-                <a:t> of the test</a:t>
-              </a:r>
-              <a:endParaRPr sz="1100"/>
+              <a:endParaRPr b="0" i="0" sz="1100" u="none" cap="none" strike="noStrike">
+                <a:solidFill>
+                  <a:srgbClr val="000000"/>
+                </a:solidFill>
+                <a:latin typeface="Arial"/>
+                <a:ea typeface="Arial"/>
+                <a:cs typeface="Arial"/>
+                <a:sym typeface="Arial"/>
+              </a:endParaRPr>
             </a:p>
             <a:p>
-              <a:pPr indent="-115568" lvl="0" marL="182880" marR="0" rtl="0" algn="l">
+              <a:pPr indent="-115567" lvl="0" marL="182880" marR="0" rtl="0" algn="l">
                 <a:lnSpc>
                   <a:spcPct val="100000"/>
                 </a:lnSpc>
@@ -20587,36 +22720,52 @@
                 <a:spcAft>
                   <a:spcPts val="0"/>
                 </a:spcAft>
+                <a:buClr>
+                  <a:srgbClr val="000000"/>
+                </a:buClr>
                 <a:buSzPts val="1100"/>
+                <a:buFont typeface="Arial"/>
                 <a:buChar char="●"/>
               </a:pPr>
               <a:r>
-                <a:rPr lang="en" sz="1100"/>
+                <a:rPr b="0" i="0" lang="en" sz="1100" u="none" cap="none" strike="noStrike">
+                  <a:solidFill>
+                    <a:srgbClr val="000000"/>
+                  </a:solidFill>
+                  <a:latin typeface="Arial"/>
+                  <a:ea typeface="Arial"/>
+                  <a:cs typeface="Arial"/>
+                  <a:sym typeface="Arial"/>
+                </a:rPr>
                 <a:t>Stores </a:t>
               </a:r>
               <a:r>
-                <a:rPr lang="en" sz="1100">
+                <a:rPr b="0" i="0" lang="en" sz="1100" u="none" cap="none" strike="noStrike">
                   <a:solidFill>
                     <a:schemeClr val="dk1"/>
                   </a:solidFill>
+                  <a:latin typeface="Arial"/>
+                  <a:ea typeface="Arial"/>
+                  <a:cs typeface="Arial"/>
+                  <a:sym typeface="Arial"/>
                 </a:rPr>
-                <a:t>a</a:t>
+                <a:t>author (who made the test)</a:t>
               </a:r>
-              <a:r>
-                <a:rPr lang="en" sz="1100">
-                  <a:solidFill>
-                    <a:schemeClr val="dk1"/>
-                  </a:solidFill>
-                </a:rPr>
-                <a:t>uthor (who made the test)</a:t>
-              </a:r>
-              <a:endParaRPr sz="1100"/>
+              <a:endParaRPr b="0" i="0" sz="1100" u="none" cap="none" strike="noStrike">
+                <a:solidFill>
+                  <a:srgbClr val="000000"/>
+                </a:solidFill>
+                <a:latin typeface="Arial"/>
+                <a:ea typeface="Arial"/>
+                <a:cs typeface="Arial"/>
+                <a:sym typeface="Arial"/>
+              </a:endParaRPr>
             </a:p>
           </p:txBody>
         </p:sp>
         <p:sp>
           <p:nvSpPr>
-            <p:cNvPr id="153" name="Google Shape;153;p21"/>
+            <p:cNvPr id="153" name="Google Shape;153;p9"/>
             <p:cNvSpPr/>
             <p:nvPr/>
           </p:nvSpPr>
@@ -20665,10 +22814,26 @@
                 <a:buNone/>
               </a:pPr>
               <a:r>
-                <a:rPr lang="en" sz="1200"/>
+                <a:rPr b="0" i="0" lang="en" sz="1200" u="none" cap="none" strike="noStrike">
+                  <a:solidFill>
+                    <a:srgbClr val="000000"/>
+                  </a:solidFill>
+                  <a:latin typeface="Arial"/>
+                  <a:ea typeface="Arial"/>
+                  <a:cs typeface="Arial"/>
+                  <a:sym typeface="Arial"/>
+                </a:rPr>
                 <a:t>Student</a:t>
               </a:r>
-              <a:endParaRPr sz="1200"/>
+              <a:endParaRPr b="0" i="0" sz="1200" u="none" cap="none" strike="noStrike">
+                <a:solidFill>
+                  <a:srgbClr val="000000"/>
+                </a:solidFill>
+                <a:latin typeface="Arial"/>
+                <a:ea typeface="Arial"/>
+                <a:cs typeface="Arial"/>
+                <a:sym typeface="Arial"/>
+              </a:endParaRPr>
             </a:p>
             <a:p>
               <a:pPr indent="0" lvl="0" marL="0" marR="0" rtl="0" algn="l">
@@ -20689,10 +22854,26 @@
                 <a:buNone/>
               </a:pPr>
               <a:r>
-                <a:rPr lang="en" sz="1200"/>
+                <a:rPr b="0" i="0" lang="en" sz="1200" u="none" cap="none" strike="noStrike">
+                  <a:solidFill>
+                    <a:srgbClr val="000000"/>
+                  </a:solidFill>
+                  <a:latin typeface="Arial"/>
+                  <a:ea typeface="Arial"/>
+                  <a:cs typeface="Arial"/>
+                  <a:sym typeface="Arial"/>
+                </a:rPr>
                 <a:t>Word</a:t>
               </a:r>
-              <a:endParaRPr sz="1200"/>
+              <a:endParaRPr b="0" i="0" sz="1200" u="none" cap="none" strike="noStrike">
+                <a:solidFill>
+                  <a:srgbClr val="000000"/>
+                </a:solidFill>
+                <a:latin typeface="Arial"/>
+                <a:ea typeface="Arial"/>
+                <a:cs typeface="Arial"/>
+                <a:sym typeface="Arial"/>
+              </a:endParaRPr>
             </a:p>
             <a:p>
               <a:pPr indent="0" lvl="0" marL="0" marR="0" rtl="0" algn="l">
@@ -20713,17 +22894,33 @@
                 <a:buNone/>
               </a:pPr>
               <a:r>
-                <a:rPr lang="en" sz="1200"/>
+                <a:rPr b="0" i="0" lang="en" sz="1200" u="none" cap="none" strike="noStrike">
+                  <a:solidFill>
+                    <a:srgbClr val="000000"/>
+                  </a:solidFill>
+                  <a:latin typeface="Arial"/>
+                  <a:ea typeface="Arial"/>
+                  <a:cs typeface="Arial"/>
+                  <a:sym typeface="Arial"/>
+                </a:rPr>
                 <a:t>Teacher</a:t>
               </a:r>
-              <a:endParaRPr sz="1200"/>
+              <a:endParaRPr b="0" i="0" sz="1200" u="none" cap="none" strike="noStrike">
+                <a:solidFill>
+                  <a:srgbClr val="000000"/>
+                </a:solidFill>
+                <a:latin typeface="Arial"/>
+                <a:ea typeface="Arial"/>
+                <a:cs typeface="Arial"/>
+                <a:sym typeface="Arial"/>
+              </a:endParaRPr>
             </a:p>
           </p:txBody>
         </p:sp>
       </p:grpSp>
       <p:sp>
         <p:nvSpPr>
-          <p:cNvPr id="154" name="Google Shape;154;p21"/>
+          <p:cNvPr id="154" name="Google Shape;154;p9"/>
           <p:cNvSpPr txBox="1"/>
           <p:nvPr>
             <p:ph idx="4294967295" type="title"/>
@@ -20771,7 +22968,7 @@
       </p:sp>
       <p:grpSp>
         <p:nvGrpSpPr>
-          <p:cNvPr id="155" name="Google Shape;155;p21"/>
+          <p:cNvPr id="155" name="Google Shape;155;p9"/>
           <p:cNvGrpSpPr/>
           <p:nvPr/>
         </p:nvGrpSpPr>
@@ -20785,7 +22982,7 @@
         </p:grpSpPr>
         <p:sp>
           <p:nvSpPr>
-            <p:cNvPr id="156" name="Google Shape;156;p21"/>
+            <p:cNvPr id="156" name="Google Shape;156;p9"/>
             <p:cNvSpPr/>
             <p:nvPr/>
           </p:nvSpPr>
@@ -20850,7 +23047,7 @@
         </p:sp>
         <p:sp>
           <p:nvSpPr>
-            <p:cNvPr id="157" name="Google Shape;157;p21"/>
+            <p:cNvPr id="157" name="Google Shape;157;p9"/>
             <p:cNvSpPr/>
             <p:nvPr/>
           </p:nvSpPr>
@@ -20899,7 +23096,15 @@
                 <a:buNone/>
               </a:pPr>
               <a:r>
-                <a:rPr b="1" lang="en"/>
+                <a:rPr b="1" i="0" lang="en" sz="1400" u="none" cap="none" strike="noStrike">
+                  <a:solidFill>
+                    <a:srgbClr val="000000"/>
+                  </a:solidFill>
+                  <a:latin typeface="Arial"/>
+                  <a:ea typeface="Arial"/>
+                  <a:cs typeface="Arial"/>
+                  <a:sym typeface="Arial"/>
+                </a:rPr>
                 <a:t>Diagnostic</a:t>
               </a:r>
               <a:endParaRPr b="1" i="0" sz="1400" u="none" cap="none" strike="noStrike">
@@ -20916,7 +23121,7 @@
         </p:sp>
         <p:sp>
           <p:nvSpPr>
-            <p:cNvPr id="158" name="Google Shape;158;p21"/>
+            <p:cNvPr id="158" name="Google Shape;158;p9"/>
             <p:cNvSpPr/>
             <p:nvPr/>
           </p:nvSpPr>
@@ -20982,7 +23187,7 @@
         </p:sp>
         <p:sp>
           <p:nvSpPr>
-            <p:cNvPr id="159" name="Google Shape;159;p21"/>
+            <p:cNvPr id="159" name="Google Shape;159;p9"/>
             <p:cNvSpPr/>
             <p:nvPr/>
           </p:nvSpPr>
@@ -21048,7 +23253,7 @@
         </p:sp>
         <p:sp>
           <p:nvSpPr>
-            <p:cNvPr id="160" name="Google Shape;160;p21"/>
+            <p:cNvPr id="160" name="Google Shape;160;p9"/>
             <p:cNvSpPr/>
             <p:nvPr/>
           </p:nvSpPr>
@@ -21079,7 +23284,10 @@
             </a:bodyPr>
             <a:lstStyle/>
             <a:p>
-              <a:pPr indent="-121918" lvl="0" marL="182880" rtl="0" algn="l">
+              <a:pPr indent="-121917" lvl="0" marL="182880" marR="0" rtl="0" algn="l">
+                <a:lnSpc>
+                  <a:spcPct val="100000"/>
+                </a:lnSpc>
                 <a:spcBef>
                   <a:spcPts val="0"/>
                 </a:spcBef>
@@ -21090,23 +23298,36 @@
                   <a:schemeClr val="dk1"/>
                 </a:buClr>
                 <a:buSzPts val="1200"/>
+                <a:buFont typeface="Arial"/>
                 <a:buChar char="●"/>
               </a:pPr>
               <a:r>
-                <a:rPr lang="en" sz="1200">
+                <a:rPr b="0" i="0" lang="en" sz="1200" u="none" cap="none" strike="noStrike">
                   <a:solidFill>
                     <a:schemeClr val="dk1"/>
                   </a:solidFill>
+                  <a:latin typeface="Arial"/>
+                  <a:ea typeface="Arial"/>
+                  <a:cs typeface="Arial"/>
+                  <a:sym typeface="Arial"/>
                 </a:rPr>
                 <a:t>Stores questions that generated randomly and included different levels.</a:t>
               </a:r>
-              <a:endParaRPr sz="1200"/>
+              <a:endParaRPr b="0" i="0" sz="1200" u="none" cap="none" strike="noStrike">
+                <a:solidFill>
+                  <a:srgbClr val="000000"/>
+                </a:solidFill>
+                <a:latin typeface="Arial"/>
+                <a:ea typeface="Arial"/>
+                <a:cs typeface="Arial"/>
+                <a:sym typeface="Arial"/>
+              </a:endParaRPr>
             </a:p>
           </p:txBody>
         </p:sp>
         <p:sp>
           <p:nvSpPr>
-            <p:cNvPr id="161" name="Google Shape;161;p21"/>
+            <p:cNvPr id="161" name="Google Shape;161;p9"/>
             <p:cNvSpPr/>
             <p:nvPr/>
           </p:nvSpPr>
@@ -21155,10 +23376,26 @@
                 <a:buNone/>
               </a:pPr>
               <a:r>
-                <a:rPr lang="en" sz="1200"/>
+                <a:rPr b="0" i="0" lang="en" sz="1200" u="none" cap="none" strike="noStrike">
+                  <a:solidFill>
+                    <a:srgbClr val="000000"/>
+                  </a:solidFill>
+                  <a:latin typeface="Arial"/>
+                  <a:ea typeface="Arial"/>
+                  <a:cs typeface="Arial"/>
+                  <a:sym typeface="Arial"/>
+                </a:rPr>
                 <a:t>Test</a:t>
               </a:r>
-              <a:endParaRPr sz="1200"/>
+              <a:endParaRPr b="0" i="0" sz="1200" u="none" cap="none" strike="noStrike">
+                <a:solidFill>
+                  <a:srgbClr val="000000"/>
+                </a:solidFill>
+                <a:latin typeface="Arial"/>
+                <a:ea typeface="Arial"/>
+                <a:cs typeface="Arial"/>
+                <a:sym typeface="Arial"/>
+              </a:endParaRPr>
             </a:p>
             <a:p>
               <a:pPr indent="0" lvl="0" marL="0" marR="0" rtl="0" algn="l">
@@ -21179,17 +23416,33 @@
                 <a:buNone/>
               </a:pPr>
               <a:r>
-                <a:rPr lang="en" sz="1200"/>
+                <a:rPr b="0" i="0" lang="en" sz="1200" u="none" cap="none" strike="noStrike">
+                  <a:solidFill>
+                    <a:srgbClr val="000000"/>
+                  </a:solidFill>
+                  <a:latin typeface="Arial"/>
+                  <a:ea typeface="Arial"/>
+                  <a:cs typeface="Arial"/>
+                  <a:sym typeface="Arial"/>
+                </a:rPr>
                 <a:t>Student</a:t>
               </a:r>
-              <a:endParaRPr sz="1200"/>
+              <a:endParaRPr b="0" i="0" sz="1200" u="none" cap="none" strike="noStrike">
+                <a:solidFill>
+                  <a:srgbClr val="000000"/>
+                </a:solidFill>
+                <a:latin typeface="Arial"/>
+                <a:ea typeface="Arial"/>
+                <a:cs typeface="Arial"/>
+                <a:sym typeface="Arial"/>
+              </a:endParaRPr>
             </a:p>
           </p:txBody>
         </p:sp>
       </p:grpSp>
       <p:cxnSp>
         <p:nvCxnSpPr>
-          <p:cNvPr id="162" name="Google Shape;162;p21"/>
+          <p:cNvPr id="162" name="Google Shape;162;p9"/>
           <p:cNvCxnSpPr/>
           <p:nvPr/>
         </p:nvCxnSpPr>
@@ -21208,14 +23461,14 @@
             </a:solidFill>
             <a:prstDash val="solid"/>
             <a:round/>
-            <a:headEnd len="med" w="med" type="none"/>
+            <a:headEnd len="sm" w="sm" type="none"/>
             <a:tailEnd len="med" w="med" type="triangle"/>
           </a:ln>
         </p:spPr>
       </p:cxnSp>
       <p:grpSp>
         <p:nvGrpSpPr>
-          <p:cNvPr id="163" name="Google Shape;163;p21"/>
+          <p:cNvPr id="163" name="Google Shape;163;p9"/>
           <p:cNvGrpSpPr/>
           <p:nvPr/>
         </p:nvGrpSpPr>
@@ -21229,7 +23482,7 @@
         </p:grpSpPr>
         <p:sp>
           <p:nvSpPr>
-            <p:cNvPr id="164" name="Google Shape;164;p21"/>
+            <p:cNvPr id="164" name="Google Shape;164;p9"/>
             <p:cNvSpPr/>
             <p:nvPr/>
           </p:nvSpPr>
@@ -21294,7 +23547,7 @@
         </p:sp>
         <p:sp>
           <p:nvSpPr>
-            <p:cNvPr id="165" name="Google Shape;165;p21"/>
+            <p:cNvPr id="165" name="Google Shape;165;p9"/>
             <p:cNvSpPr/>
             <p:nvPr/>
           </p:nvSpPr>
@@ -21343,7 +23596,15 @@
                 <a:buNone/>
               </a:pPr>
               <a:r>
-                <a:rPr b="1" lang="en"/>
+                <a:rPr b="1" i="0" lang="en" sz="1400" u="none" cap="none" strike="noStrike">
+                  <a:solidFill>
+                    <a:srgbClr val="000000"/>
+                  </a:solidFill>
+                  <a:latin typeface="Arial"/>
+                  <a:ea typeface="Arial"/>
+                  <a:cs typeface="Arial"/>
+                  <a:sym typeface="Arial"/>
+                </a:rPr>
                 <a:t>PeriodTests</a:t>
               </a:r>
               <a:endParaRPr b="1" i="0" sz="1400" u="none" cap="none" strike="noStrike">
@@ -21360,7 +23621,7 @@
         </p:sp>
         <p:sp>
           <p:nvSpPr>
-            <p:cNvPr id="166" name="Google Shape;166;p21"/>
+            <p:cNvPr id="166" name="Google Shape;166;p9"/>
             <p:cNvSpPr/>
             <p:nvPr/>
           </p:nvSpPr>
@@ -21426,7 +23687,7 @@
         </p:sp>
         <p:sp>
           <p:nvSpPr>
-            <p:cNvPr id="167" name="Google Shape;167;p21"/>
+            <p:cNvPr id="167" name="Google Shape;167;p9"/>
             <p:cNvSpPr/>
             <p:nvPr/>
           </p:nvSpPr>
@@ -21492,7 +23753,7 @@
         </p:sp>
         <p:sp>
           <p:nvSpPr>
-            <p:cNvPr id="168" name="Google Shape;168;p21"/>
+            <p:cNvPr id="168" name="Google Shape;168;p9"/>
             <p:cNvSpPr/>
             <p:nvPr/>
           </p:nvSpPr>
@@ -21523,26 +23784,41 @@
             </a:bodyPr>
             <a:lstStyle/>
             <a:p>
-              <a:pPr indent="0" lvl="0" marL="0" rtl="0" algn="l">
+              <a:pPr indent="0" lvl="0" marL="0" marR="0" rtl="0" algn="l">
+                <a:lnSpc>
+                  <a:spcPct val="100000"/>
+                </a:lnSpc>
                 <a:spcBef>
                   <a:spcPts val="0"/>
                 </a:spcBef>
                 <a:spcAft>
                   <a:spcPts val="0"/>
                 </a:spcAft>
+                <a:buClr>
+                  <a:srgbClr val="000000"/>
+                </a:buClr>
+                <a:buSzPts val="1100"/>
+                <a:buFont typeface="Arial"/>
                 <a:buNone/>
               </a:pPr>
               <a:r>
                 <a:t/>
               </a:r>
-              <a:endParaRPr sz="1100">
+              <a:endParaRPr b="0" i="0" sz="1100" u="none" cap="none" strike="noStrike">
                 <a:solidFill>
                   <a:schemeClr val="dk1"/>
                 </a:solidFill>
+                <a:latin typeface="Arial"/>
+                <a:ea typeface="Arial"/>
+                <a:cs typeface="Arial"/>
+                <a:sym typeface="Arial"/>
               </a:endParaRPr>
             </a:p>
             <a:p>
-              <a:pPr indent="-298450" lvl="0" marL="457200" rtl="0" algn="l">
+              <a:pPr indent="-298450" lvl="0" marL="457200" marR="0" rtl="0" algn="l">
+                <a:lnSpc>
+                  <a:spcPct val="100000"/>
+                </a:lnSpc>
                 <a:spcBef>
                   <a:spcPts val="0"/>
                 </a:spcBef>
@@ -21553,27 +23829,36 @@
                   <a:schemeClr val="dk1"/>
                 </a:buClr>
                 <a:buSzPts val="1100"/>
+                <a:buFont typeface="Arial"/>
                 <a:buChar char="●"/>
               </a:pPr>
               <a:r>
-                <a:rPr lang="en" sz="1100">
+                <a:rPr b="0" i="0" lang="en" sz="1100" u="none" cap="none" strike="noStrike">
                   <a:solidFill>
                     <a:schemeClr val="dk1"/>
                   </a:solidFill>
+                  <a:latin typeface="Arial"/>
+                  <a:ea typeface="Arial"/>
+                  <a:cs typeface="Arial"/>
+                  <a:sym typeface="Arial"/>
                 </a:rPr>
                 <a:t>Stores questions that in certain level</a:t>
               </a:r>
-              <a:endParaRPr sz="1100">
+              <a:endParaRPr b="0" i="0" sz="1100" u="none" cap="none" strike="noStrike">
                 <a:solidFill>
                   <a:schemeClr val="dk1"/>
                 </a:solidFill>
+                <a:latin typeface="Arial"/>
+                <a:ea typeface="Arial"/>
+                <a:cs typeface="Arial"/>
+                <a:sym typeface="Arial"/>
               </a:endParaRPr>
             </a:p>
           </p:txBody>
         </p:sp>
         <p:sp>
           <p:nvSpPr>
-            <p:cNvPr id="169" name="Google Shape;169;p21"/>
+            <p:cNvPr id="169" name="Google Shape;169;p9"/>
             <p:cNvSpPr/>
             <p:nvPr/>
           </p:nvSpPr>
@@ -21622,10 +23907,26 @@
                 <a:buNone/>
               </a:pPr>
               <a:r>
-                <a:rPr lang="en" sz="1200"/>
+                <a:rPr b="0" i="0" lang="en" sz="1200" u="none" cap="none" strike="noStrike">
+                  <a:solidFill>
+                    <a:srgbClr val="000000"/>
+                  </a:solidFill>
+                  <a:latin typeface="Arial"/>
+                  <a:ea typeface="Arial"/>
+                  <a:cs typeface="Arial"/>
+                  <a:sym typeface="Arial"/>
+                </a:rPr>
                 <a:t>Student</a:t>
               </a:r>
-              <a:endParaRPr sz="1200"/>
+              <a:endParaRPr b="0" i="0" sz="1200" u="none" cap="none" strike="noStrike">
+                <a:solidFill>
+                  <a:srgbClr val="000000"/>
+                </a:solidFill>
+                <a:latin typeface="Arial"/>
+                <a:ea typeface="Arial"/>
+                <a:cs typeface="Arial"/>
+                <a:sym typeface="Arial"/>
+              </a:endParaRPr>
             </a:p>
             <a:p>
               <a:pPr indent="0" lvl="0" marL="0" marR="0" rtl="0" algn="l">
@@ -21646,10 +23947,26 @@
                 <a:buNone/>
               </a:pPr>
               <a:r>
-                <a:rPr lang="en" sz="1200"/>
+                <a:rPr b="0" i="0" lang="en" sz="1200" u="none" cap="none" strike="noStrike">
+                  <a:solidFill>
+                    <a:srgbClr val="000000"/>
+                  </a:solidFill>
+                  <a:latin typeface="Arial"/>
+                  <a:ea typeface="Arial"/>
+                  <a:cs typeface="Arial"/>
+                  <a:sym typeface="Arial"/>
+                </a:rPr>
                 <a:t>Teacher</a:t>
               </a:r>
-              <a:endParaRPr sz="1200"/>
+              <a:endParaRPr b="0" i="0" sz="1200" u="none" cap="none" strike="noStrike">
+                <a:solidFill>
+                  <a:srgbClr val="000000"/>
+                </a:solidFill>
+                <a:latin typeface="Arial"/>
+                <a:ea typeface="Arial"/>
+                <a:cs typeface="Arial"/>
+                <a:sym typeface="Arial"/>
+              </a:endParaRPr>
             </a:p>
             <a:p>
               <a:pPr indent="0" lvl="0" marL="0" marR="0" rtl="0" algn="l">
@@ -21670,17 +23987,33 @@
                 <a:buNone/>
               </a:pPr>
               <a:r>
-                <a:rPr lang="en" sz="1200"/>
+                <a:rPr b="0" i="0" lang="en" sz="1200" u="none" cap="none" strike="noStrike">
+                  <a:solidFill>
+                    <a:srgbClr val="000000"/>
+                  </a:solidFill>
+                  <a:latin typeface="Arial"/>
+                  <a:ea typeface="Arial"/>
+                  <a:cs typeface="Arial"/>
+                  <a:sym typeface="Arial"/>
+                </a:rPr>
                 <a:t>Test</a:t>
               </a:r>
-              <a:endParaRPr sz="1200"/>
+              <a:endParaRPr b="0" i="0" sz="1200" u="none" cap="none" strike="noStrike">
+                <a:solidFill>
+                  <a:srgbClr val="000000"/>
+                </a:solidFill>
+                <a:latin typeface="Arial"/>
+                <a:ea typeface="Arial"/>
+                <a:cs typeface="Arial"/>
+                <a:sym typeface="Arial"/>
+              </a:endParaRPr>
             </a:p>
           </p:txBody>
         </p:sp>
       </p:grpSp>
       <p:cxnSp>
         <p:nvCxnSpPr>
-          <p:cNvPr id="170" name="Google Shape;170;p21"/>
+          <p:cNvPr id="170" name="Google Shape;170;p9"/>
           <p:cNvCxnSpPr/>
           <p:nvPr/>
         </p:nvCxnSpPr>
@@ -21699,14 +24032,14 @@
             </a:solidFill>
             <a:prstDash val="solid"/>
             <a:round/>
-            <a:headEnd len="med" w="med" type="none"/>
+            <a:headEnd len="sm" w="sm" type="none"/>
             <a:tailEnd len="med" w="med" type="triangle"/>
           </a:ln>
         </p:spPr>
       </p:cxnSp>
       <p:grpSp>
         <p:nvGrpSpPr>
-          <p:cNvPr id="171" name="Google Shape;171;p21"/>
+          <p:cNvPr id="171" name="Google Shape;171;p9"/>
           <p:cNvGrpSpPr/>
           <p:nvPr/>
         </p:nvGrpSpPr>
@@ -21720,7 +24053,7 @@
         </p:grpSpPr>
         <p:sp>
           <p:nvSpPr>
-            <p:cNvPr id="172" name="Google Shape;172;p21"/>
+            <p:cNvPr id="172" name="Google Shape;172;p9"/>
             <p:cNvSpPr/>
             <p:nvPr/>
           </p:nvSpPr>
@@ -21785,7 +24118,7 @@
         </p:sp>
         <p:sp>
           <p:nvSpPr>
-            <p:cNvPr id="173" name="Google Shape;173;p21"/>
+            <p:cNvPr id="173" name="Google Shape;173;p9"/>
             <p:cNvSpPr/>
             <p:nvPr/>
           </p:nvSpPr>
@@ -21834,7 +24167,15 @@
                 <a:buNone/>
               </a:pPr>
               <a:r>
-                <a:rPr b="1" lang="en"/>
+                <a:rPr b="1" i="0" lang="en" sz="1400" u="none" cap="none" strike="noStrike">
+                  <a:solidFill>
+                    <a:srgbClr val="000000"/>
+                  </a:solidFill>
+                  <a:latin typeface="Arial"/>
+                  <a:ea typeface="Arial"/>
+                  <a:cs typeface="Arial"/>
+                  <a:sym typeface="Arial"/>
+                </a:rPr>
                 <a:t>Quiz</a:t>
               </a:r>
               <a:endParaRPr b="1" i="0" sz="1400" u="none" cap="none" strike="noStrike">
@@ -21851,7 +24192,7 @@
         </p:sp>
         <p:sp>
           <p:nvSpPr>
-            <p:cNvPr id="174" name="Google Shape;174;p21"/>
+            <p:cNvPr id="174" name="Google Shape;174;p9"/>
             <p:cNvSpPr/>
             <p:nvPr/>
           </p:nvSpPr>
@@ -21917,7 +24258,7 @@
         </p:sp>
         <p:sp>
           <p:nvSpPr>
-            <p:cNvPr id="175" name="Google Shape;175;p21"/>
+            <p:cNvPr id="175" name="Google Shape;175;p9"/>
             <p:cNvSpPr/>
             <p:nvPr/>
           </p:nvSpPr>
@@ -21983,7 +24324,7 @@
         </p:sp>
         <p:sp>
           <p:nvSpPr>
-            <p:cNvPr id="176" name="Google Shape;176;p21"/>
+            <p:cNvPr id="176" name="Google Shape;176;p9"/>
             <p:cNvSpPr/>
             <p:nvPr/>
           </p:nvSpPr>
@@ -22014,7 +24355,7 @@
             </a:bodyPr>
             <a:lstStyle/>
             <a:p>
-              <a:pPr indent="-121918" lvl="0" marL="182880" marR="0" rtl="0" algn="l">
+              <a:pPr indent="-121917" lvl="0" marL="182880" marR="0" rtl="0" algn="l">
                 <a:lnSpc>
                   <a:spcPct val="100000"/>
                 </a:lnSpc>
@@ -22032,7 +24373,15 @@
                 <a:buChar char="●"/>
               </a:pPr>
               <a:r>
-                <a:rPr lang="en" sz="1200"/>
+                <a:rPr b="0" i="0" lang="en" sz="1200" u="none" cap="none" strike="noStrike">
+                  <a:solidFill>
+                    <a:srgbClr val="000000"/>
+                  </a:solidFill>
+                  <a:latin typeface="Arial"/>
+                  <a:ea typeface="Arial"/>
+                  <a:cs typeface="Arial"/>
+                  <a:sym typeface="Arial"/>
+                </a:rPr>
                 <a:t>Just basic word translation quiz generated for self learning.</a:t>
               </a:r>
               <a:endParaRPr b="0" i="0" sz="1200" u="none" cap="none" strike="noStrike">
@@ -22049,7 +24398,7 @@
         </p:sp>
         <p:sp>
           <p:nvSpPr>
-            <p:cNvPr id="177" name="Google Shape;177;p21"/>
+            <p:cNvPr id="177" name="Google Shape;177;p9"/>
             <p:cNvSpPr/>
             <p:nvPr/>
           </p:nvSpPr>
@@ -22098,7 +24447,15 @@
                 <a:buNone/>
               </a:pPr>
               <a:r>
-                <a:rPr lang="en" sz="1200"/>
+                <a:rPr b="0" i="0" lang="en" sz="1200" u="none" cap="none" strike="noStrike">
+                  <a:solidFill>
+                    <a:srgbClr val="000000"/>
+                  </a:solidFill>
+                  <a:latin typeface="Arial"/>
+                  <a:ea typeface="Arial"/>
+                  <a:cs typeface="Arial"/>
+                  <a:sym typeface="Arial"/>
+                </a:rPr>
                 <a:t>Test</a:t>
               </a:r>
               <a:endParaRPr b="0" i="0" sz="1200" u="none" cap="none" strike="noStrike">
@@ -22116,7 +24473,7 @@
       </p:grpSp>
       <p:cxnSp>
         <p:nvCxnSpPr>
-          <p:cNvPr id="178" name="Google Shape;178;p21"/>
+          <p:cNvPr id="178" name="Google Shape;178;p9"/>
           <p:cNvCxnSpPr/>
           <p:nvPr/>
         </p:nvCxnSpPr>
@@ -22135,7 +24492,7 @@
             </a:solidFill>
             <a:prstDash val="solid"/>
             <a:round/>
-            <a:headEnd len="med" w="med" type="none"/>
+            <a:headEnd len="sm" w="sm" type="none"/>
             <a:tailEnd len="med" w="med" type="triangle"/>
           </a:ln>
         </p:spPr>
@@ -22149,6 +24506,285 @@
 </file>
 
 <file path=ppt/theme/theme1.xml><?xml version="1.0" encoding="utf-8"?>
+<a:theme xmlns:a="http://schemas.openxmlformats.org/drawingml/2006/main" xmlns:r="http://schemas.openxmlformats.org/officeDocument/2006/relationships" name="Simple Light">
+  <a:themeElements>
+    <a:clrScheme name="Simple Light">
+      <a:dk1>
+        <a:srgbClr val="000000"/>
+      </a:dk1>
+      <a:lt1>
+        <a:srgbClr val="FFFFFF"/>
+      </a:lt1>
+      <a:dk2>
+        <a:srgbClr val="595959"/>
+      </a:dk2>
+      <a:lt2>
+        <a:srgbClr val="EEEEEE"/>
+      </a:lt2>
+      <a:accent1>
+        <a:srgbClr val="4285F4"/>
+      </a:accent1>
+      <a:accent2>
+        <a:srgbClr val="212121"/>
+      </a:accent2>
+      <a:accent3>
+        <a:srgbClr val="78909C"/>
+      </a:accent3>
+      <a:accent4>
+        <a:srgbClr val="FFAB40"/>
+      </a:accent4>
+      <a:accent5>
+        <a:srgbClr val="0097A7"/>
+      </a:accent5>
+      <a:accent6>
+        <a:srgbClr val="EEFF41"/>
+      </a:accent6>
+      <a:hlink>
+        <a:srgbClr val="0097A7"/>
+      </a:hlink>
+      <a:folHlink>
+        <a:srgbClr val="0097A7"/>
+      </a:folHlink>
+    </a:clrScheme>
+    <a:fontScheme name="Office">
+      <a:majorFont>
+        <a:latin typeface="Arial"/>
+        <a:ea typeface=""/>
+        <a:cs typeface=""/>
+        <a:font script="Jpan" typeface="ＭＳ Ｐゴシック"/>
+        <a:font script="Hang" typeface="맑은 고딕"/>
+        <a:font script="Hans" typeface="宋体"/>
+        <a:font script="Hant" typeface="新細明體"/>
+        <a:font script="Arab" typeface="Times New Roman"/>
+        <a:font script="Hebr" typeface="Times New Roman"/>
+        <a:font script="Thai" typeface="Angsana New"/>
+        <a:font script="Ethi" typeface="Nyala"/>
+        <a:font script="Beng" typeface="Vrinda"/>
+        <a:font script="Gujr" typeface="Shruti"/>
+        <a:font script="Khmr" typeface="MoolBoran"/>
+        <a:font script="Knda" typeface="Tunga"/>
+        <a:font script="Guru" typeface="Raavi"/>
+        <a:font script="Cans" typeface="Euphemia"/>
+        <a:font script="Cher" typeface="Plantagenet Cherokee"/>
+        <a:font script="Yiii" typeface="Microsoft Yi Baiti"/>
+        <a:font script="Tibt" typeface="Microsoft Himalaya"/>
+        <a:font script="Thaa" typeface="MV Boli"/>
+        <a:font script="Deva" typeface="Mangal"/>
+        <a:font script="Telu" typeface="Gautami"/>
+        <a:font script="Taml" typeface="Latha"/>
+        <a:font script="Syrc" typeface="Estrangelo Edessa"/>
+        <a:font script="Orya" typeface="Kalinga"/>
+        <a:font script="Mlym" typeface="Kartika"/>
+        <a:font script="Laoo" typeface="DokChampa"/>
+        <a:font script="Sinh" typeface="Iskoola Pota"/>
+        <a:font script="Mong" typeface="Mongolian Baiti"/>
+        <a:font script="Viet" typeface="Times New Roman"/>
+        <a:font script="Uigh" typeface="Microsoft Uighur"/>
+        <a:font script="Geor" typeface="Sylfaen"/>
+      </a:majorFont>
+      <a:minorFont>
+        <a:latin typeface="Arial"/>
+        <a:ea typeface=""/>
+        <a:cs typeface=""/>
+        <a:font script="Jpan" typeface="ＭＳ Ｐゴシック"/>
+        <a:font script="Hang" typeface="맑은 고딕"/>
+        <a:font script="Hans" typeface="宋体"/>
+        <a:font script="Hant" typeface="新細明體"/>
+        <a:font script="Arab" typeface="Arial"/>
+        <a:font script="Hebr" typeface="Arial"/>
+        <a:font script="Thai" typeface="Cordia New"/>
+        <a:font script="Ethi" typeface="Nyala"/>
+        <a:font script="Beng" typeface="Vrinda"/>
+        <a:font script="Gujr" typeface="Shruti"/>
+        <a:font script="Khmr" typeface="DaunPenh"/>
+        <a:font script="Knda" typeface="Tunga"/>
+        <a:font script="Guru" typeface="Raavi"/>
+        <a:font script="Cans" typeface="Euphemia"/>
+        <a:font script="Cher" typeface="Plantagenet Cherokee"/>
+        <a:font script="Yiii" typeface="Microsoft Yi Baiti"/>
+        <a:font script="Tibt" typeface="Microsoft Himalaya"/>
+        <a:font script="Thaa" typeface="MV Boli"/>
+        <a:font script="Deva" typeface="Mangal"/>
+        <a:font script="Telu" typeface="Gautami"/>
+        <a:font script="Taml" typeface="Latha"/>
+        <a:font script="Syrc" typeface="Estrangelo Edessa"/>
+        <a:font script="Orya" typeface="Kalinga"/>
+        <a:font script="Mlym" typeface="Kartika"/>
+        <a:font script="Laoo" typeface="DokChampa"/>
+        <a:font script="Sinh" typeface="Iskoola Pota"/>
+        <a:font script="Mong" typeface="Mongolian Baiti"/>
+        <a:font script="Viet" typeface="Arial"/>
+        <a:font script="Uigh" typeface="Microsoft Uighur"/>
+        <a:font script="Geor" typeface="Sylfaen"/>
+      </a:minorFont>
+    </a:fontScheme>
+    <a:fmtScheme name="Office">
+      <a:fillStyleLst>
+        <a:solidFill>
+          <a:schemeClr val="phClr"/>
+        </a:solidFill>
+        <a:gradFill rotWithShape="1">
+          <a:gsLst>
+            <a:gs pos="0">
+              <a:schemeClr val="phClr">
+                <a:tint val="50000"/>
+                <a:satMod val="300000"/>
+              </a:schemeClr>
+            </a:gs>
+            <a:gs pos="35000">
+              <a:schemeClr val="phClr">
+                <a:tint val="37000"/>
+                <a:satMod val="300000"/>
+              </a:schemeClr>
+            </a:gs>
+            <a:gs pos="100000">
+              <a:schemeClr val="phClr">
+                <a:tint val="15000"/>
+                <a:satMod val="350000"/>
+              </a:schemeClr>
+            </a:gs>
+          </a:gsLst>
+          <a:lin ang="16200000" scaled="1"/>
+        </a:gradFill>
+        <a:gradFill rotWithShape="1">
+          <a:gsLst>
+            <a:gs pos="0">
+              <a:schemeClr val="phClr">
+                <a:tint val="100000"/>
+                <a:shade val="100000"/>
+                <a:satMod val="130000"/>
+              </a:schemeClr>
+            </a:gs>
+            <a:gs pos="100000">
+              <a:schemeClr val="phClr">
+                <a:tint val="50000"/>
+                <a:shade val="100000"/>
+                <a:satMod val="350000"/>
+              </a:schemeClr>
+            </a:gs>
+          </a:gsLst>
+          <a:lin ang="16200000" scaled="0"/>
+        </a:gradFill>
+      </a:fillStyleLst>
+      <a:lnStyleLst>
+        <a:ln w="9525" cap="flat" cmpd="sng" algn="ctr">
+          <a:solidFill>
+            <a:schemeClr val="phClr">
+              <a:shade val="95000"/>
+              <a:satMod val="105000"/>
+            </a:schemeClr>
+          </a:solidFill>
+          <a:prstDash val="solid"/>
+        </a:ln>
+        <a:ln w="25400" cap="flat" cmpd="sng" algn="ctr">
+          <a:solidFill>
+            <a:schemeClr val="phClr"/>
+          </a:solidFill>
+          <a:prstDash val="solid"/>
+        </a:ln>
+        <a:ln w="38100" cap="flat" cmpd="sng" algn="ctr">
+          <a:solidFill>
+            <a:schemeClr val="phClr"/>
+          </a:solidFill>
+          <a:prstDash val="solid"/>
+        </a:ln>
+      </a:lnStyleLst>
+      <a:effectStyleLst>
+        <a:effectStyle>
+          <a:effectLst>
+            <a:outerShdw blurRad="40000" dist="20000" dir="5400000" rotWithShape="0">
+              <a:srgbClr val="000000">
+                <a:alpha val="38000"/>
+              </a:srgbClr>
+            </a:outerShdw>
+          </a:effectLst>
+        </a:effectStyle>
+        <a:effectStyle>
+          <a:effectLst>
+            <a:outerShdw blurRad="40000" dist="23000" dir="5400000" rotWithShape="0">
+              <a:srgbClr val="000000">
+                <a:alpha val="35000"/>
+              </a:srgbClr>
+            </a:outerShdw>
+          </a:effectLst>
+        </a:effectStyle>
+        <a:effectStyle>
+          <a:effectLst>
+            <a:outerShdw blurRad="40000" dist="23000" dir="5400000" rotWithShape="0">
+              <a:srgbClr val="000000">
+                <a:alpha val="35000"/>
+              </a:srgbClr>
+            </a:outerShdw>
+          </a:effectLst>
+          <a:scene3d>
+            <a:camera prst="orthographicFront">
+              <a:rot lat="0" lon="0" rev="0"/>
+            </a:camera>
+            <a:lightRig rig="threePt" dir="t">
+              <a:rot lat="0" lon="0" rev="1200000"/>
+            </a:lightRig>
+          </a:scene3d>
+          <a:sp3d>
+            <a:bevelT w="63500" h="25400"/>
+          </a:sp3d>
+        </a:effectStyle>
+      </a:effectStyleLst>
+      <a:bgFillStyleLst>
+        <a:solidFill>
+          <a:schemeClr val="phClr"/>
+        </a:solidFill>
+        <a:gradFill rotWithShape="1">
+          <a:gsLst>
+            <a:gs pos="0">
+              <a:schemeClr val="phClr">
+                <a:tint val="40000"/>
+                <a:satMod val="350000"/>
+              </a:schemeClr>
+            </a:gs>
+            <a:gs pos="40000">
+              <a:schemeClr val="phClr">
+                <a:tint val="45000"/>
+                <a:shade val="99000"/>
+                <a:satMod val="350000"/>
+              </a:schemeClr>
+            </a:gs>
+            <a:gs pos="100000">
+              <a:schemeClr val="phClr">
+                <a:shade val="20000"/>
+                <a:satMod val="255000"/>
+              </a:schemeClr>
+            </a:gs>
+          </a:gsLst>
+          <a:path path="circle">
+            <a:fillToRect l="50000" t="-80000" r="50000" b="180000"/>
+          </a:path>
+        </a:gradFill>
+        <a:gradFill rotWithShape="1">
+          <a:gsLst>
+            <a:gs pos="0">
+              <a:schemeClr val="phClr">
+                <a:tint val="80000"/>
+                <a:satMod val="300000"/>
+              </a:schemeClr>
+            </a:gs>
+            <a:gs pos="100000">
+              <a:schemeClr val="phClr">
+                <a:shade val="30000"/>
+                <a:satMod val="200000"/>
+              </a:schemeClr>
+            </a:gs>
+          </a:gsLst>
+          <a:path path="circle">
+            <a:fillToRect l="50000" t="50000" r="50000" b="50000"/>
+          </a:path>
+        </a:gradFill>
+      </a:bgFillStyleLst>
+    </a:fmtScheme>
+  </a:themeElements>
+</a:theme>
+</file>
+
+<file path=ppt/theme/theme2.xml><?xml version="1.0" encoding="utf-8"?>
 <a:theme xmlns:a="http://schemas.openxmlformats.org/drawingml/2006/main" xmlns:r="http://schemas.openxmlformats.org/officeDocument/2006/relationships">
   <a:themeElements>
     <a:clrScheme name="Default">
@@ -22425,283 +25061,4 @@
     </a:fmtScheme>
   </a:themeElements>
 </a:theme>
-</file>
-
-<file path=ppt/theme/theme2.xml><?xml version="1.0" encoding="utf-8"?>
-<a:theme xmlns:a="http://schemas.openxmlformats.org/drawingml/2006/main" xmlns:r="http://schemas.openxmlformats.org/officeDocument/2006/relationships" name="Simple Light">
-  <a:themeElements>
-    <a:clrScheme name="Simple Light">
-      <a:dk1>
-        <a:srgbClr val="000000"/>
-      </a:dk1>
-      <a:lt1>
-        <a:srgbClr val="FFFFFF"/>
-      </a:lt1>
-      <a:dk2>
-        <a:srgbClr val="595959"/>
-      </a:dk2>
-      <a:lt2>
-        <a:srgbClr val="EEEEEE"/>
-      </a:lt2>
-      <a:accent1>
-        <a:srgbClr val="4285F4"/>
-      </a:accent1>
-      <a:accent2>
-        <a:srgbClr val="212121"/>
-      </a:accent2>
-      <a:accent3>
-        <a:srgbClr val="78909C"/>
-      </a:accent3>
-      <a:accent4>
-        <a:srgbClr val="FFAB40"/>
-      </a:accent4>
-      <a:accent5>
-        <a:srgbClr val="0097A7"/>
-      </a:accent5>
-      <a:accent6>
-        <a:srgbClr val="EEFF41"/>
-      </a:accent6>
-      <a:hlink>
-        <a:srgbClr val="0097A7"/>
-      </a:hlink>
-      <a:folHlink>
-        <a:srgbClr val="0097A7"/>
-      </a:folHlink>
-    </a:clrScheme>
-    <a:fontScheme name="Office">
-      <a:majorFont>
-        <a:latin typeface="Arial"/>
-        <a:ea typeface=""/>
-        <a:cs typeface=""/>
-        <a:font script="Jpan" typeface="ＭＳ Ｐゴシック"/>
-        <a:font script="Hang" typeface="맑은 고딕"/>
-        <a:font script="Hans" typeface="宋体"/>
-        <a:font script="Hant" typeface="新細明體"/>
-        <a:font script="Arab" typeface="Times New Roman"/>
-        <a:font script="Hebr" typeface="Times New Roman"/>
-        <a:font script="Thai" typeface="Angsana New"/>
-        <a:font script="Ethi" typeface="Nyala"/>
-        <a:font script="Beng" typeface="Vrinda"/>
-        <a:font script="Gujr" typeface="Shruti"/>
-        <a:font script="Khmr" typeface="MoolBoran"/>
-        <a:font script="Knda" typeface="Tunga"/>
-        <a:font script="Guru" typeface="Raavi"/>
-        <a:font script="Cans" typeface="Euphemia"/>
-        <a:font script="Cher" typeface="Plantagenet Cherokee"/>
-        <a:font script="Yiii" typeface="Microsoft Yi Baiti"/>
-        <a:font script="Tibt" typeface="Microsoft Himalaya"/>
-        <a:font script="Thaa" typeface="MV Boli"/>
-        <a:font script="Deva" typeface="Mangal"/>
-        <a:font script="Telu" typeface="Gautami"/>
-        <a:font script="Taml" typeface="Latha"/>
-        <a:font script="Syrc" typeface="Estrangelo Edessa"/>
-        <a:font script="Orya" typeface="Kalinga"/>
-        <a:font script="Mlym" typeface="Kartika"/>
-        <a:font script="Laoo" typeface="DokChampa"/>
-        <a:font script="Sinh" typeface="Iskoola Pota"/>
-        <a:font script="Mong" typeface="Mongolian Baiti"/>
-        <a:font script="Viet" typeface="Times New Roman"/>
-        <a:font script="Uigh" typeface="Microsoft Uighur"/>
-        <a:font script="Geor" typeface="Sylfaen"/>
-      </a:majorFont>
-      <a:minorFont>
-        <a:latin typeface="Arial"/>
-        <a:ea typeface=""/>
-        <a:cs typeface=""/>
-        <a:font script="Jpan" typeface="ＭＳ Ｐゴシック"/>
-        <a:font script="Hang" typeface="맑은 고딕"/>
-        <a:font script="Hans" typeface="宋体"/>
-        <a:font script="Hant" typeface="新細明體"/>
-        <a:font script="Arab" typeface="Arial"/>
-        <a:font script="Hebr" typeface="Arial"/>
-        <a:font script="Thai" typeface="Cordia New"/>
-        <a:font script="Ethi" typeface="Nyala"/>
-        <a:font script="Beng" typeface="Vrinda"/>
-        <a:font script="Gujr" typeface="Shruti"/>
-        <a:font script="Khmr" typeface="DaunPenh"/>
-        <a:font script="Knda" typeface="Tunga"/>
-        <a:font script="Guru" typeface="Raavi"/>
-        <a:font script="Cans" typeface="Euphemia"/>
-        <a:font script="Cher" typeface="Plantagenet Cherokee"/>
-        <a:font script="Yiii" typeface="Microsoft Yi Baiti"/>
-        <a:font script="Tibt" typeface="Microsoft Himalaya"/>
-        <a:font script="Thaa" typeface="MV Boli"/>
-        <a:font script="Deva" typeface="Mangal"/>
-        <a:font script="Telu" typeface="Gautami"/>
-        <a:font script="Taml" typeface="Latha"/>
-        <a:font script="Syrc" typeface="Estrangelo Edessa"/>
-        <a:font script="Orya" typeface="Kalinga"/>
-        <a:font script="Mlym" typeface="Kartika"/>
-        <a:font script="Laoo" typeface="DokChampa"/>
-        <a:font script="Sinh" typeface="Iskoola Pota"/>
-        <a:font script="Mong" typeface="Mongolian Baiti"/>
-        <a:font script="Viet" typeface="Arial"/>
-        <a:font script="Uigh" typeface="Microsoft Uighur"/>
-        <a:font script="Geor" typeface="Sylfaen"/>
-      </a:minorFont>
-    </a:fontScheme>
-    <a:fmtScheme name="Office">
-      <a:fillStyleLst>
-        <a:solidFill>
-          <a:schemeClr val="phClr"/>
-        </a:solidFill>
-        <a:gradFill rotWithShape="1">
-          <a:gsLst>
-            <a:gs pos="0">
-              <a:schemeClr val="phClr">
-                <a:tint val="50000"/>
-                <a:satMod val="300000"/>
-              </a:schemeClr>
-            </a:gs>
-            <a:gs pos="35000">
-              <a:schemeClr val="phClr">
-                <a:tint val="37000"/>
-                <a:satMod val="300000"/>
-              </a:schemeClr>
-            </a:gs>
-            <a:gs pos="100000">
-              <a:schemeClr val="phClr">
-                <a:tint val="15000"/>
-                <a:satMod val="350000"/>
-              </a:schemeClr>
-            </a:gs>
-          </a:gsLst>
-          <a:lin ang="16200000" scaled="1"/>
-        </a:gradFill>
-        <a:gradFill rotWithShape="1">
-          <a:gsLst>
-            <a:gs pos="0">
-              <a:schemeClr val="phClr">
-                <a:tint val="100000"/>
-                <a:shade val="100000"/>
-                <a:satMod val="130000"/>
-              </a:schemeClr>
-            </a:gs>
-            <a:gs pos="100000">
-              <a:schemeClr val="phClr">
-                <a:tint val="50000"/>
-                <a:shade val="100000"/>
-                <a:satMod val="350000"/>
-              </a:schemeClr>
-            </a:gs>
-          </a:gsLst>
-          <a:lin ang="16200000" scaled="0"/>
-        </a:gradFill>
-      </a:fillStyleLst>
-      <a:lnStyleLst>
-        <a:ln w="9525" cap="flat" cmpd="sng" algn="ctr">
-          <a:solidFill>
-            <a:schemeClr val="phClr">
-              <a:shade val="95000"/>
-              <a:satMod val="105000"/>
-            </a:schemeClr>
-          </a:solidFill>
-          <a:prstDash val="solid"/>
-        </a:ln>
-        <a:ln w="25400" cap="flat" cmpd="sng" algn="ctr">
-          <a:solidFill>
-            <a:schemeClr val="phClr"/>
-          </a:solidFill>
-          <a:prstDash val="solid"/>
-        </a:ln>
-        <a:ln w="38100" cap="flat" cmpd="sng" algn="ctr">
-          <a:solidFill>
-            <a:schemeClr val="phClr"/>
-          </a:solidFill>
-          <a:prstDash val="solid"/>
-        </a:ln>
-      </a:lnStyleLst>
-      <a:effectStyleLst>
-        <a:effectStyle>
-          <a:effectLst>
-            <a:outerShdw blurRad="40000" dist="20000" dir="5400000" rotWithShape="0">
-              <a:srgbClr val="000000">
-                <a:alpha val="38000"/>
-              </a:srgbClr>
-            </a:outerShdw>
-          </a:effectLst>
-        </a:effectStyle>
-        <a:effectStyle>
-          <a:effectLst>
-            <a:outerShdw blurRad="40000" dist="23000" dir="5400000" rotWithShape="0">
-              <a:srgbClr val="000000">
-                <a:alpha val="35000"/>
-              </a:srgbClr>
-            </a:outerShdw>
-          </a:effectLst>
-        </a:effectStyle>
-        <a:effectStyle>
-          <a:effectLst>
-            <a:outerShdw blurRad="40000" dist="23000" dir="5400000" rotWithShape="0">
-              <a:srgbClr val="000000">
-                <a:alpha val="35000"/>
-              </a:srgbClr>
-            </a:outerShdw>
-          </a:effectLst>
-          <a:scene3d>
-            <a:camera prst="orthographicFront">
-              <a:rot lat="0" lon="0" rev="0"/>
-            </a:camera>
-            <a:lightRig rig="threePt" dir="t">
-              <a:rot lat="0" lon="0" rev="1200000"/>
-            </a:lightRig>
-          </a:scene3d>
-          <a:sp3d>
-            <a:bevelT w="63500" h="25400"/>
-          </a:sp3d>
-        </a:effectStyle>
-      </a:effectStyleLst>
-      <a:bgFillStyleLst>
-        <a:solidFill>
-          <a:schemeClr val="phClr"/>
-        </a:solidFill>
-        <a:gradFill rotWithShape="1">
-          <a:gsLst>
-            <a:gs pos="0">
-              <a:schemeClr val="phClr">
-                <a:tint val="40000"/>
-                <a:satMod val="350000"/>
-              </a:schemeClr>
-            </a:gs>
-            <a:gs pos="40000">
-              <a:schemeClr val="phClr">
-                <a:tint val="45000"/>
-                <a:shade val="99000"/>
-                <a:satMod val="350000"/>
-              </a:schemeClr>
-            </a:gs>
-            <a:gs pos="100000">
-              <a:schemeClr val="phClr">
-                <a:shade val="20000"/>
-                <a:satMod val="255000"/>
-              </a:schemeClr>
-            </a:gs>
-          </a:gsLst>
-          <a:path path="circle">
-            <a:fillToRect l="50000" t="-80000" r="50000" b="180000"/>
-          </a:path>
-        </a:gradFill>
-        <a:gradFill rotWithShape="1">
-          <a:gsLst>
-            <a:gs pos="0">
-              <a:schemeClr val="phClr">
-                <a:tint val="80000"/>
-                <a:satMod val="300000"/>
-              </a:schemeClr>
-            </a:gs>
-            <a:gs pos="100000">
-              <a:schemeClr val="phClr">
-                <a:shade val="30000"/>
-                <a:satMod val="200000"/>
-              </a:schemeClr>
-            </a:gs>
-          </a:gsLst>
-          <a:path path="circle">
-            <a:fillToRect l="50000" t="50000" r="50000" b="50000"/>
-          </a:path>
-        </a:gradFill>
-      </a:bgFillStyleLst>
-    </a:fmtScheme>
-  </a:themeElements>
-</a:theme>
 </file>